--- a/毕设/串匹配答辩.pptx
+++ b/毕设/串匹配答辩.pptx
@@ -5,7 +5,7 @@
     <p:sldMasterId id="2147483660" r:id="rId1"/>
   </p:sldMasterIdLst>
   <p:notesMasterIdLst>
-    <p:notesMasterId r:id="rId22"/>
+    <p:notesMasterId r:id="rId21"/>
   </p:notesMasterIdLst>
   <p:sldIdLst>
     <p:sldId id="257" r:id="rId2"/>
@@ -20,14 +20,13 @@
     <p:sldId id="267" r:id="rId11"/>
     <p:sldId id="266" r:id="rId12"/>
     <p:sldId id="268" r:id="rId13"/>
-    <p:sldId id="269" r:id="rId14"/>
-    <p:sldId id="270" r:id="rId15"/>
-    <p:sldId id="271" r:id="rId16"/>
-    <p:sldId id="272" r:id="rId17"/>
-    <p:sldId id="273" r:id="rId18"/>
-    <p:sldId id="274" r:id="rId19"/>
-    <p:sldId id="275" r:id="rId20"/>
-    <p:sldId id="259" r:id="rId21"/>
+    <p:sldId id="270" r:id="rId14"/>
+    <p:sldId id="271" r:id="rId15"/>
+    <p:sldId id="272" r:id="rId16"/>
+    <p:sldId id="273" r:id="rId17"/>
+    <p:sldId id="274" r:id="rId18"/>
+    <p:sldId id="275" r:id="rId19"/>
+    <p:sldId id="259" r:id="rId20"/>
   </p:sldIdLst>
   <p:sldSz cx="12192000" cy="6858000"/>
   <p:notesSz cx="6858000" cy="9144000"/>
@@ -3138,6 +3137,90 @@
     <p:extLst>
       <p:ext uri="{BB962C8B-B14F-4D97-AF65-F5344CB8AC3E}">
         <p14:creationId xmlns:p14="http://schemas.microsoft.com/office/powerpoint/2010/main" val="312331482"/>
+      </p:ext>
+    </p:extLst>
+  </p:cSld>
+  <p:clrMapOvr>
+    <a:masterClrMapping/>
+  </p:clrMapOvr>
+</p:notes>
+</file>
+
+<file path=ppt/notesSlides/notesSlide2.xml><?xml version="1.0" encoding="utf-8"?>
+<p:notes xmlns:a="http://schemas.openxmlformats.org/drawingml/2006/main" xmlns:r="http://schemas.openxmlformats.org/officeDocument/2006/relationships" xmlns:p="http://schemas.openxmlformats.org/presentationml/2006/main">
+  <p:cSld>
+    <p:spTree>
+      <p:nvGrpSpPr>
+        <p:cNvPr id="1" name=""/>
+        <p:cNvGrpSpPr/>
+        <p:nvPr/>
+      </p:nvGrpSpPr>
+      <p:grpSpPr>
+        <a:xfrm>
+          <a:off x="0" y="0"/>
+          <a:ext cx="0" cy="0"/>
+          <a:chOff x="0" y="0"/>
+          <a:chExt cx="0" cy="0"/>
+        </a:xfrm>
+      </p:grpSpPr>
+      <p:sp>
+        <p:nvSpPr>
+          <p:cNvPr id="2" name="幻灯片图像占位符 1"/>
+          <p:cNvSpPr>
+            <a:spLocks noGrp="1" noRot="1" noChangeAspect="1"/>
+          </p:cNvSpPr>
+          <p:nvPr>
+            <p:ph type="sldImg"/>
+          </p:nvPr>
+        </p:nvSpPr>
+        <p:spPr/>
+      </p:sp>
+      <p:sp>
+        <p:nvSpPr>
+          <p:cNvPr id="3" name="备注占位符 2"/>
+          <p:cNvSpPr>
+            <a:spLocks noGrp="1"/>
+          </p:cNvSpPr>
+          <p:nvPr>
+            <p:ph type="body" idx="1"/>
+          </p:nvPr>
+        </p:nvSpPr>
+        <p:spPr/>
+        <p:txBody>
+          <a:bodyPr/>
+          <a:lstStyle/>
+          <a:p>
+            <a:endParaRPr lang="zh-CN" altLang="en-US" dirty="0"/>
+          </a:p>
+        </p:txBody>
+      </p:sp>
+      <p:sp>
+        <p:nvSpPr>
+          <p:cNvPr id="4" name="灯片编号占位符 3"/>
+          <p:cNvSpPr>
+            <a:spLocks noGrp="1"/>
+          </p:cNvSpPr>
+          <p:nvPr>
+            <p:ph type="sldNum" sz="quarter" idx="10"/>
+          </p:nvPr>
+        </p:nvSpPr>
+        <p:spPr/>
+        <p:txBody>
+          <a:bodyPr/>
+          <a:lstStyle/>
+          <a:p>
+            <a:fld id="{2F1351E7-88C8-4E9D-8BCA-D4B493471861}" type="slidenum">
+              <a:rPr lang="zh-CN" altLang="en-US" smtClean="0"/>
+              <a:t>10</a:t>
+            </a:fld>
+            <a:endParaRPr lang="zh-CN" altLang="en-US"/>
+          </a:p>
+        </p:txBody>
+      </p:sp>
+    </p:spTree>
+    <p:extLst>
+      <p:ext uri="{BB962C8B-B14F-4D97-AF65-F5344CB8AC3E}">
+        <p14:creationId xmlns:p14="http://schemas.microsoft.com/office/powerpoint/2010/main" val="702648000"/>
       </p:ext>
     </p:extLst>
   </p:cSld>
@@ -7911,13 +7994,13 @@
             <p:ph idx="1"/>
             <p:extLst>
               <p:ext uri="{D42A27DB-BD31-4B8C-83A1-F6EECF244321}">
-                <p14:modId xmlns:p14="http://schemas.microsoft.com/office/powerpoint/2010/main" val="1288611269"/>
+                <p14:modId xmlns:p14="http://schemas.microsoft.com/office/powerpoint/2010/main" val="2739467594"/>
               </p:ext>
             </p:extLst>
           </p:nvPr>
         </p:nvGraphicFramePr>
         <p:xfrm>
-          <a:off x="609600" y="2926844"/>
+          <a:off x="986047" y="2835259"/>
           <a:ext cx="3518129" cy="1967274"/>
         </p:xfrm>
         <a:graphic>
@@ -8150,16 +8233,28 @@
                         </a:spcAft>
                       </a:pPr>
                       <a:r>
-                        <a:rPr lang="en-US" sz="1400" kern="50" dirty="0" err="1">
+                        <a:rPr lang="en-US" sz="1400" kern="50" dirty="0" smtClean="0">
+                          <a:effectLst/>
+                        </a:rPr>
+                        <a:t> </a:t>
+                      </a:r>
+                      <a:r>
+                        <a:rPr lang="en-US" sz="1400" kern="50" dirty="0" err="1" smtClean="0">
                           <a:effectLst/>
                         </a:rPr>
                         <a:t>struct</a:t>
                       </a:r>
                       <a:r>
+                        <a:rPr lang="en-US" sz="1400" kern="50" dirty="0" smtClean="0">
+                          <a:effectLst/>
+                        </a:rPr>
+                        <a:t> </a:t>
+                      </a:r>
+                      <a:r>
                         <a:rPr lang="en-US" sz="1400" kern="50" dirty="0">
                           <a:effectLst/>
                         </a:rPr>
-                        <a:t> node *next;</a:t>
+                        <a:t>node *next;</a:t>
                       </a:r>
                       <a:endParaRPr lang="zh-CN" sz="1400" kern="50" dirty="0">
                         <a:effectLst/>
@@ -8260,6 +8355,1507 @@
           </a:graphicData>
         </a:graphic>
       </p:graphicFrame>
+      <p:grpSp>
+        <p:nvGrpSpPr>
+          <p:cNvPr id="51" name="组合 50"/>
+          <p:cNvGrpSpPr/>
+          <p:nvPr/>
+        </p:nvGrpSpPr>
+        <p:grpSpPr>
+          <a:xfrm>
+            <a:off x="5652881" y="2649681"/>
+            <a:ext cx="5742884" cy="360000"/>
+            <a:chOff x="5652881" y="2649681"/>
+            <a:chExt cx="5742884" cy="360000"/>
+          </a:xfrm>
+        </p:grpSpPr>
+        <p:sp>
+          <p:nvSpPr>
+            <p:cNvPr id="20" name="矩形 19"/>
+            <p:cNvSpPr/>
+            <p:nvPr/>
+          </p:nvSpPr>
+          <p:spPr>
+            <a:xfrm>
+              <a:off x="5652881" y="2649681"/>
+              <a:ext cx="360000" cy="360000"/>
+            </a:xfrm>
+            <a:prstGeom prst="rect">
+              <a:avLst/>
+            </a:prstGeom>
+          </p:spPr>
+          <p:style>
+            <a:lnRef idx="2">
+              <a:schemeClr val="dk1"/>
+            </a:lnRef>
+            <a:fillRef idx="1">
+              <a:schemeClr val="lt1"/>
+            </a:fillRef>
+            <a:effectRef idx="0">
+              <a:schemeClr val="dk1"/>
+            </a:effectRef>
+            <a:fontRef idx="minor">
+              <a:schemeClr val="dk1"/>
+            </a:fontRef>
+          </p:style>
+          <p:txBody>
+            <a:bodyPr rtlCol="0" anchor="ctr"/>
+            <a:lstStyle/>
+            <a:p>
+              <a:pPr algn="ctr"/>
+              <a:endParaRPr lang="zh-CN" altLang="en-US"/>
+            </a:p>
+          </p:txBody>
+        </p:sp>
+        <p:sp>
+          <p:nvSpPr>
+            <p:cNvPr id="21" name="矩形 20"/>
+            <p:cNvSpPr/>
+            <p:nvPr/>
+          </p:nvSpPr>
+          <p:spPr>
+            <a:xfrm>
+              <a:off x="6013986" y="2649681"/>
+              <a:ext cx="360000" cy="360000"/>
+            </a:xfrm>
+            <a:prstGeom prst="rect">
+              <a:avLst/>
+            </a:prstGeom>
+          </p:spPr>
+          <p:style>
+            <a:lnRef idx="2">
+              <a:schemeClr val="dk1"/>
+            </a:lnRef>
+            <a:fillRef idx="1">
+              <a:schemeClr val="lt1"/>
+            </a:fillRef>
+            <a:effectRef idx="0">
+              <a:schemeClr val="dk1"/>
+            </a:effectRef>
+            <a:fontRef idx="minor">
+              <a:schemeClr val="dk1"/>
+            </a:fontRef>
+          </p:style>
+          <p:txBody>
+            <a:bodyPr rtlCol="0" anchor="ctr"/>
+            <a:lstStyle/>
+            <a:p>
+              <a:pPr algn="ctr"/>
+              <a:endParaRPr lang="zh-CN" altLang="en-US"/>
+            </a:p>
+          </p:txBody>
+        </p:sp>
+        <p:sp>
+          <p:nvSpPr>
+            <p:cNvPr id="22" name="矩形 21"/>
+            <p:cNvSpPr/>
+            <p:nvPr/>
+          </p:nvSpPr>
+          <p:spPr>
+            <a:xfrm>
+              <a:off x="6343692" y="2649681"/>
+              <a:ext cx="360000" cy="360000"/>
+            </a:xfrm>
+            <a:prstGeom prst="rect">
+              <a:avLst/>
+            </a:prstGeom>
+          </p:spPr>
+          <p:style>
+            <a:lnRef idx="2">
+              <a:schemeClr val="dk1"/>
+            </a:lnRef>
+            <a:fillRef idx="1">
+              <a:schemeClr val="lt1"/>
+            </a:fillRef>
+            <a:effectRef idx="0">
+              <a:schemeClr val="dk1"/>
+            </a:effectRef>
+            <a:fontRef idx="minor">
+              <a:schemeClr val="dk1"/>
+            </a:fontRef>
+          </p:style>
+          <p:txBody>
+            <a:bodyPr rtlCol="0" anchor="ctr"/>
+            <a:lstStyle/>
+            <a:p>
+              <a:pPr algn="ctr"/>
+              <a:endParaRPr lang="zh-CN" altLang="en-US"/>
+            </a:p>
+          </p:txBody>
+        </p:sp>
+        <p:sp>
+          <p:nvSpPr>
+            <p:cNvPr id="23" name="矩形 22"/>
+            <p:cNvSpPr/>
+            <p:nvPr/>
+          </p:nvSpPr>
+          <p:spPr>
+            <a:xfrm>
+              <a:off x="6704797" y="2649681"/>
+              <a:ext cx="360000" cy="360000"/>
+            </a:xfrm>
+            <a:prstGeom prst="rect">
+              <a:avLst/>
+            </a:prstGeom>
+          </p:spPr>
+          <p:style>
+            <a:lnRef idx="2">
+              <a:schemeClr val="dk1"/>
+            </a:lnRef>
+            <a:fillRef idx="1">
+              <a:schemeClr val="lt1"/>
+            </a:fillRef>
+            <a:effectRef idx="0">
+              <a:schemeClr val="dk1"/>
+            </a:effectRef>
+            <a:fontRef idx="minor">
+              <a:schemeClr val="dk1"/>
+            </a:fontRef>
+          </p:style>
+          <p:txBody>
+            <a:bodyPr rtlCol="0" anchor="ctr"/>
+            <a:lstStyle/>
+            <a:p>
+              <a:pPr algn="ctr"/>
+              <a:endParaRPr lang="zh-CN" altLang="en-US"/>
+            </a:p>
+          </p:txBody>
+        </p:sp>
+        <p:sp>
+          <p:nvSpPr>
+            <p:cNvPr id="24" name="矩形 23"/>
+            <p:cNvSpPr/>
+            <p:nvPr/>
+          </p:nvSpPr>
+          <p:spPr>
+            <a:xfrm>
+              <a:off x="7065902" y="2649681"/>
+              <a:ext cx="360000" cy="360000"/>
+            </a:xfrm>
+            <a:prstGeom prst="rect">
+              <a:avLst/>
+            </a:prstGeom>
+          </p:spPr>
+          <p:style>
+            <a:lnRef idx="2">
+              <a:schemeClr val="dk1"/>
+            </a:lnRef>
+            <a:fillRef idx="1">
+              <a:schemeClr val="lt1"/>
+            </a:fillRef>
+            <a:effectRef idx="0">
+              <a:schemeClr val="dk1"/>
+            </a:effectRef>
+            <a:fontRef idx="minor">
+              <a:schemeClr val="dk1"/>
+            </a:fontRef>
+          </p:style>
+          <p:txBody>
+            <a:bodyPr rtlCol="0" anchor="ctr"/>
+            <a:lstStyle/>
+            <a:p>
+              <a:pPr algn="ctr"/>
+              <a:endParaRPr lang="zh-CN" altLang="en-US"/>
+            </a:p>
+          </p:txBody>
+        </p:sp>
+        <p:sp>
+          <p:nvSpPr>
+            <p:cNvPr id="25" name="矩形 24"/>
+            <p:cNvSpPr/>
+            <p:nvPr/>
+          </p:nvSpPr>
+          <p:spPr>
+            <a:xfrm>
+              <a:off x="10315765" y="2649681"/>
+              <a:ext cx="360000" cy="360000"/>
+            </a:xfrm>
+            <a:prstGeom prst="rect">
+              <a:avLst/>
+            </a:prstGeom>
+          </p:spPr>
+          <p:style>
+            <a:lnRef idx="2">
+              <a:schemeClr val="dk1"/>
+            </a:lnRef>
+            <a:fillRef idx="1">
+              <a:schemeClr val="lt1"/>
+            </a:fillRef>
+            <a:effectRef idx="0">
+              <a:schemeClr val="dk1"/>
+            </a:effectRef>
+            <a:fontRef idx="minor">
+              <a:schemeClr val="dk1"/>
+            </a:fontRef>
+          </p:style>
+          <p:txBody>
+            <a:bodyPr rtlCol="0" anchor="ctr"/>
+            <a:lstStyle/>
+            <a:p>
+              <a:pPr algn="ctr"/>
+              <a:endParaRPr lang="zh-CN" altLang="en-US"/>
+            </a:p>
+          </p:txBody>
+        </p:sp>
+        <p:sp>
+          <p:nvSpPr>
+            <p:cNvPr id="26" name="矩形 25"/>
+            <p:cNvSpPr/>
+            <p:nvPr/>
+          </p:nvSpPr>
+          <p:spPr>
+            <a:xfrm>
+              <a:off x="9954742" y="2649681"/>
+              <a:ext cx="360000" cy="360000"/>
+            </a:xfrm>
+            <a:prstGeom prst="rect">
+              <a:avLst/>
+            </a:prstGeom>
+          </p:spPr>
+          <p:style>
+            <a:lnRef idx="2">
+              <a:schemeClr val="dk1"/>
+            </a:lnRef>
+            <a:fillRef idx="1">
+              <a:schemeClr val="lt1"/>
+            </a:fillRef>
+            <a:effectRef idx="0">
+              <a:schemeClr val="dk1"/>
+            </a:effectRef>
+            <a:fontRef idx="minor">
+              <a:schemeClr val="dk1"/>
+            </a:fontRef>
+          </p:style>
+          <p:txBody>
+            <a:bodyPr rtlCol="0" anchor="ctr"/>
+            <a:lstStyle/>
+            <a:p>
+              <a:pPr algn="ctr"/>
+              <a:endParaRPr lang="zh-CN" altLang="en-US"/>
+            </a:p>
+          </p:txBody>
+        </p:sp>
+        <p:sp>
+          <p:nvSpPr>
+            <p:cNvPr id="27" name="矩形 26"/>
+            <p:cNvSpPr/>
+            <p:nvPr/>
+          </p:nvSpPr>
+          <p:spPr>
+            <a:xfrm>
+              <a:off x="9593637" y="2649681"/>
+              <a:ext cx="360000" cy="360000"/>
+            </a:xfrm>
+            <a:prstGeom prst="rect">
+              <a:avLst/>
+            </a:prstGeom>
+          </p:spPr>
+          <p:style>
+            <a:lnRef idx="2">
+              <a:schemeClr val="dk1"/>
+            </a:lnRef>
+            <a:fillRef idx="1">
+              <a:schemeClr val="lt1"/>
+            </a:fillRef>
+            <a:effectRef idx="0">
+              <a:schemeClr val="dk1"/>
+            </a:effectRef>
+            <a:fontRef idx="minor">
+              <a:schemeClr val="dk1"/>
+            </a:fontRef>
+          </p:style>
+          <p:txBody>
+            <a:bodyPr rtlCol="0" anchor="ctr"/>
+            <a:lstStyle/>
+            <a:p>
+              <a:pPr algn="ctr"/>
+              <a:endParaRPr lang="zh-CN" altLang="en-US"/>
+            </a:p>
+          </p:txBody>
+        </p:sp>
+        <p:sp>
+          <p:nvSpPr>
+            <p:cNvPr id="28" name="矩形 27"/>
+            <p:cNvSpPr/>
+            <p:nvPr/>
+          </p:nvSpPr>
+          <p:spPr>
+            <a:xfrm>
+              <a:off x="9231427" y="2649681"/>
+              <a:ext cx="360000" cy="360000"/>
+            </a:xfrm>
+            <a:prstGeom prst="rect">
+              <a:avLst/>
+            </a:prstGeom>
+          </p:spPr>
+          <p:style>
+            <a:lnRef idx="2">
+              <a:schemeClr val="dk1"/>
+            </a:lnRef>
+            <a:fillRef idx="1">
+              <a:schemeClr val="lt1"/>
+            </a:fillRef>
+            <a:effectRef idx="0">
+              <a:schemeClr val="dk1"/>
+            </a:effectRef>
+            <a:fontRef idx="minor">
+              <a:schemeClr val="dk1"/>
+            </a:fontRef>
+          </p:style>
+          <p:txBody>
+            <a:bodyPr rtlCol="0" anchor="ctr"/>
+            <a:lstStyle/>
+            <a:p>
+              <a:pPr algn="ctr"/>
+              <a:endParaRPr lang="zh-CN" altLang="en-US"/>
+            </a:p>
+          </p:txBody>
+        </p:sp>
+        <p:sp>
+          <p:nvSpPr>
+            <p:cNvPr id="29" name="矩形 28"/>
+            <p:cNvSpPr/>
+            <p:nvPr/>
+          </p:nvSpPr>
+          <p:spPr>
+            <a:xfrm>
+              <a:off x="8871427" y="2649681"/>
+              <a:ext cx="360000" cy="360000"/>
+            </a:xfrm>
+            <a:prstGeom prst="rect">
+              <a:avLst/>
+            </a:prstGeom>
+          </p:spPr>
+          <p:style>
+            <a:lnRef idx="2">
+              <a:schemeClr val="dk1"/>
+            </a:lnRef>
+            <a:fillRef idx="1">
+              <a:schemeClr val="lt1"/>
+            </a:fillRef>
+            <a:effectRef idx="0">
+              <a:schemeClr val="dk1"/>
+            </a:effectRef>
+            <a:fontRef idx="minor">
+              <a:schemeClr val="dk1"/>
+            </a:fontRef>
+          </p:style>
+          <p:txBody>
+            <a:bodyPr rtlCol="0" anchor="ctr"/>
+            <a:lstStyle/>
+            <a:p>
+              <a:pPr algn="ctr"/>
+              <a:endParaRPr lang="zh-CN" altLang="en-US"/>
+            </a:p>
+          </p:txBody>
+        </p:sp>
+        <p:sp>
+          <p:nvSpPr>
+            <p:cNvPr id="30" name="矩形 29"/>
+            <p:cNvSpPr/>
+            <p:nvPr/>
+          </p:nvSpPr>
+          <p:spPr>
+            <a:xfrm>
+              <a:off x="8510322" y="2649681"/>
+              <a:ext cx="360000" cy="360000"/>
+            </a:xfrm>
+            <a:prstGeom prst="rect">
+              <a:avLst/>
+            </a:prstGeom>
+          </p:spPr>
+          <p:style>
+            <a:lnRef idx="2">
+              <a:schemeClr val="dk1"/>
+            </a:lnRef>
+            <a:fillRef idx="1">
+              <a:schemeClr val="lt1"/>
+            </a:fillRef>
+            <a:effectRef idx="0">
+              <a:schemeClr val="dk1"/>
+            </a:effectRef>
+            <a:fontRef idx="minor">
+              <a:schemeClr val="dk1"/>
+            </a:fontRef>
+          </p:style>
+          <p:txBody>
+            <a:bodyPr rtlCol="0" anchor="ctr"/>
+            <a:lstStyle/>
+            <a:p>
+              <a:pPr algn="ctr"/>
+              <a:endParaRPr lang="zh-CN" altLang="en-US"/>
+            </a:p>
+          </p:txBody>
+        </p:sp>
+        <p:sp>
+          <p:nvSpPr>
+            <p:cNvPr id="31" name="矩形 30"/>
+            <p:cNvSpPr/>
+            <p:nvPr/>
+          </p:nvSpPr>
+          <p:spPr>
+            <a:xfrm>
+              <a:off x="8149217" y="2649681"/>
+              <a:ext cx="360000" cy="360000"/>
+            </a:xfrm>
+            <a:prstGeom prst="rect">
+              <a:avLst/>
+            </a:prstGeom>
+          </p:spPr>
+          <p:style>
+            <a:lnRef idx="2">
+              <a:schemeClr val="dk1"/>
+            </a:lnRef>
+            <a:fillRef idx="1">
+              <a:schemeClr val="lt1"/>
+            </a:fillRef>
+            <a:effectRef idx="0">
+              <a:schemeClr val="dk1"/>
+            </a:effectRef>
+            <a:fontRef idx="minor">
+              <a:schemeClr val="dk1"/>
+            </a:fontRef>
+          </p:style>
+          <p:txBody>
+            <a:bodyPr rtlCol="0" anchor="ctr"/>
+            <a:lstStyle/>
+            <a:p>
+              <a:pPr algn="ctr"/>
+              <a:endParaRPr lang="zh-CN" altLang="en-US"/>
+            </a:p>
+          </p:txBody>
+        </p:sp>
+        <p:sp>
+          <p:nvSpPr>
+            <p:cNvPr id="32" name="矩形 31"/>
+            <p:cNvSpPr/>
+            <p:nvPr/>
+          </p:nvSpPr>
+          <p:spPr>
+            <a:xfrm>
+              <a:off x="7787007" y="2649681"/>
+              <a:ext cx="360000" cy="360000"/>
+            </a:xfrm>
+            <a:prstGeom prst="rect">
+              <a:avLst/>
+            </a:prstGeom>
+          </p:spPr>
+          <p:style>
+            <a:lnRef idx="2">
+              <a:schemeClr val="dk1"/>
+            </a:lnRef>
+            <a:fillRef idx="1">
+              <a:schemeClr val="lt1"/>
+            </a:fillRef>
+            <a:effectRef idx="0">
+              <a:schemeClr val="dk1"/>
+            </a:effectRef>
+            <a:fontRef idx="minor">
+              <a:schemeClr val="dk1"/>
+            </a:fontRef>
+          </p:style>
+          <p:txBody>
+            <a:bodyPr rtlCol="0" anchor="ctr"/>
+            <a:lstStyle/>
+            <a:p>
+              <a:pPr algn="ctr"/>
+              <a:endParaRPr lang="zh-CN" altLang="en-US"/>
+            </a:p>
+          </p:txBody>
+        </p:sp>
+        <p:sp>
+          <p:nvSpPr>
+            <p:cNvPr id="33" name="矩形 32"/>
+            <p:cNvSpPr/>
+            <p:nvPr/>
+          </p:nvSpPr>
+          <p:spPr>
+            <a:xfrm>
+              <a:off x="7427007" y="2649681"/>
+              <a:ext cx="360000" cy="360000"/>
+            </a:xfrm>
+            <a:prstGeom prst="rect">
+              <a:avLst/>
+            </a:prstGeom>
+          </p:spPr>
+          <p:style>
+            <a:lnRef idx="2">
+              <a:schemeClr val="dk1"/>
+            </a:lnRef>
+            <a:fillRef idx="1">
+              <a:schemeClr val="lt1"/>
+            </a:fillRef>
+            <a:effectRef idx="0">
+              <a:schemeClr val="dk1"/>
+            </a:effectRef>
+            <a:fontRef idx="minor">
+              <a:schemeClr val="dk1"/>
+            </a:fontRef>
+          </p:style>
+          <p:txBody>
+            <a:bodyPr rtlCol="0" anchor="ctr"/>
+            <a:lstStyle/>
+            <a:p>
+              <a:pPr algn="ctr"/>
+              <a:endParaRPr lang="zh-CN" altLang="en-US"/>
+            </a:p>
+          </p:txBody>
+        </p:sp>
+        <p:sp>
+          <p:nvSpPr>
+            <p:cNvPr id="48" name="矩形 47"/>
+            <p:cNvSpPr/>
+            <p:nvPr/>
+          </p:nvSpPr>
+          <p:spPr>
+            <a:xfrm>
+              <a:off x="10675765" y="2649681"/>
+              <a:ext cx="360000" cy="360000"/>
+            </a:xfrm>
+            <a:prstGeom prst="rect">
+              <a:avLst/>
+            </a:prstGeom>
+          </p:spPr>
+          <p:style>
+            <a:lnRef idx="2">
+              <a:schemeClr val="dk1"/>
+            </a:lnRef>
+            <a:fillRef idx="1">
+              <a:schemeClr val="lt1"/>
+            </a:fillRef>
+            <a:effectRef idx="0">
+              <a:schemeClr val="dk1"/>
+            </a:effectRef>
+            <a:fontRef idx="minor">
+              <a:schemeClr val="dk1"/>
+            </a:fontRef>
+          </p:style>
+          <p:txBody>
+            <a:bodyPr rtlCol="0" anchor="ctr"/>
+            <a:lstStyle/>
+            <a:p>
+              <a:pPr algn="ctr"/>
+              <a:endParaRPr lang="zh-CN" altLang="en-US"/>
+            </a:p>
+          </p:txBody>
+        </p:sp>
+        <p:sp>
+          <p:nvSpPr>
+            <p:cNvPr id="49" name="矩形 48"/>
+            <p:cNvSpPr/>
+            <p:nvPr/>
+          </p:nvSpPr>
+          <p:spPr>
+            <a:xfrm>
+              <a:off x="11035765" y="2649681"/>
+              <a:ext cx="360000" cy="360000"/>
+            </a:xfrm>
+            <a:prstGeom prst="rect">
+              <a:avLst/>
+            </a:prstGeom>
+          </p:spPr>
+          <p:style>
+            <a:lnRef idx="2">
+              <a:schemeClr val="dk1"/>
+            </a:lnRef>
+            <a:fillRef idx="1">
+              <a:schemeClr val="lt1"/>
+            </a:fillRef>
+            <a:effectRef idx="0">
+              <a:schemeClr val="dk1"/>
+            </a:effectRef>
+            <a:fontRef idx="minor">
+              <a:schemeClr val="dk1"/>
+            </a:fontRef>
+          </p:style>
+          <p:txBody>
+            <a:bodyPr rtlCol="0" anchor="ctr"/>
+            <a:lstStyle/>
+            <a:p>
+              <a:pPr algn="ctr"/>
+              <a:endParaRPr lang="zh-CN" altLang="en-US"/>
+            </a:p>
+          </p:txBody>
+        </p:sp>
+      </p:grpSp>
+      <p:sp>
+        <p:nvSpPr>
+          <p:cNvPr id="50" name="文本框 49"/>
+          <p:cNvSpPr txBox="1"/>
+          <p:nvPr/>
+        </p:nvSpPr>
+        <p:spPr>
+          <a:xfrm>
+            <a:off x="6425567" y="2092640"/>
+            <a:ext cx="3185487" cy="369332"/>
+          </a:xfrm>
+          <a:prstGeom prst="rect">
+            <a:avLst/>
+          </a:prstGeom>
+          <a:noFill/>
+        </p:spPr>
+        <p:txBody>
+          <a:bodyPr wrap="none" rtlCol="0">
+            <a:spAutoFit/>
+          </a:bodyPr>
+          <a:lstStyle/>
+          <a:p>
+            <a:r>
+              <a:rPr lang="zh-CN" altLang="en-US" dirty="0" smtClean="0">
+                <a:latin typeface="宋体" panose="02010600030101010101" pitchFamily="2" charset="-122"/>
+                <a:ea typeface="宋体" panose="02010600030101010101" pitchFamily="2" charset="-122"/>
+              </a:rPr>
+              <a:t>假定模式串长度为</a:t>
+            </a:r>
+            <a:r>
+              <a:rPr lang="en-US" altLang="zh-CN" dirty="0" smtClean="0">
+                <a:latin typeface="宋体" panose="02010600030101010101" pitchFamily="2" charset="-122"/>
+                <a:ea typeface="宋体" panose="02010600030101010101" pitchFamily="2" charset="-122"/>
+              </a:rPr>
+              <a:t>5</a:t>
+            </a:r>
+            <a:r>
+              <a:rPr lang="zh-CN" altLang="en-US" dirty="0" smtClean="0">
+                <a:latin typeface="宋体" panose="02010600030101010101" pitchFamily="2" charset="-122"/>
+                <a:ea typeface="宋体" panose="02010600030101010101" pitchFamily="2" charset="-122"/>
+              </a:rPr>
+              <a:t>，采样为</a:t>
+            </a:r>
+            <a:r>
+              <a:rPr lang="en-US" altLang="zh-CN" dirty="0" smtClean="0">
+                <a:latin typeface="宋体" panose="02010600030101010101" pitchFamily="2" charset="-122"/>
+                <a:ea typeface="宋体" panose="02010600030101010101" pitchFamily="2" charset="-122"/>
+              </a:rPr>
+              <a:t>2</a:t>
+            </a:r>
+            <a:endParaRPr lang="zh-CN" altLang="en-US" dirty="0">
+              <a:latin typeface="宋体" panose="02010600030101010101" pitchFamily="2" charset="-122"/>
+              <a:ea typeface="宋体" panose="02010600030101010101" pitchFamily="2" charset="-122"/>
+            </a:endParaRPr>
+          </a:p>
+        </p:txBody>
+      </p:sp>
+      <p:grpSp>
+        <p:nvGrpSpPr>
+          <p:cNvPr id="60" name="组合 59"/>
+          <p:cNvGrpSpPr/>
+          <p:nvPr/>
+        </p:nvGrpSpPr>
+        <p:grpSpPr>
+          <a:xfrm>
+            <a:off x="6699275" y="2642557"/>
+            <a:ext cx="721023" cy="360000"/>
+            <a:chOff x="4558396" y="5690754"/>
+            <a:chExt cx="721023" cy="360000"/>
+          </a:xfrm>
+          <a:solidFill>
+            <a:srgbClr val="FF9966"/>
+          </a:solidFill>
+        </p:grpSpPr>
+        <p:sp>
+          <p:nvSpPr>
+            <p:cNvPr id="39" name="矩形 38"/>
+            <p:cNvSpPr/>
+            <p:nvPr/>
+          </p:nvSpPr>
+          <p:spPr>
+            <a:xfrm>
+              <a:off x="4919419" y="5690754"/>
+              <a:ext cx="360000" cy="360000"/>
+            </a:xfrm>
+            <a:prstGeom prst="rect">
+              <a:avLst/>
+            </a:prstGeom>
+            <a:grpFill/>
+          </p:spPr>
+          <p:style>
+            <a:lnRef idx="2">
+              <a:schemeClr val="dk1"/>
+            </a:lnRef>
+            <a:fillRef idx="1">
+              <a:schemeClr val="lt1"/>
+            </a:fillRef>
+            <a:effectRef idx="0">
+              <a:schemeClr val="dk1"/>
+            </a:effectRef>
+            <a:fontRef idx="minor">
+              <a:schemeClr val="dk1"/>
+            </a:fontRef>
+          </p:style>
+          <p:txBody>
+            <a:bodyPr rtlCol="0" anchor="ctr"/>
+            <a:lstStyle/>
+            <a:p>
+              <a:pPr algn="ctr"/>
+              <a:endParaRPr lang="zh-CN" altLang="en-US"/>
+            </a:p>
+          </p:txBody>
+        </p:sp>
+        <p:sp>
+          <p:nvSpPr>
+            <p:cNvPr id="40" name="矩形 39"/>
+            <p:cNvSpPr/>
+            <p:nvPr/>
+          </p:nvSpPr>
+          <p:spPr>
+            <a:xfrm>
+              <a:off x="4558396" y="5690754"/>
+              <a:ext cx="360000" cy="360000"/>
+            </a:xfrm>
+            <a:prstGeom prst="rect">
+              <a:avLst/>
+            </a:prstGeom>
+            <a:grpFill/>
+          </p:spPr>
+          <p:style>
+            <a:lnRef idx="2">
+              <a:schemeClr val="dk1"/>
+            </a:lnRef>
+            <a:fillRef idx="1">
+              <a:schemeClr val="lt1"/>
+            </a:fillRef>
+            <a:effectRef idx="0">
+              <a:schemeClr val="dk1"/>
+            </a:effectRef>
+            <a:fontRef idx="minor">
+              <a:schemeClr val="dk1"/>
+            </a:fontRef>
+          </p:style>
+          <p:txBody>
+            <a:bodyPr rtlCol="0" anchor="ctr"/>
+            <a:lstStyle/>
+            <a:p>
+              <a:pPr algn="ctr"/>
+              <a:endParaRPr lang="zh-CN" altLang="en-US"/>
+            </a:p>
+          </p:txBody>
+        </p:sp>
+      </p:grpSp>
+      <p:grpSp>
+        <p:nvGrpSpPr>
+          <p:cNvPr id="61" name="组合 60"/>
+          <p:cNvGrpSpPr/>
+          <p:nvPr/>
+        </p:nvGrpSpPr>
+        <p:grpSpPr>
+          <a:xfrm>
+            <a:off x="8151260" y="2644039"/>
+            <a:ext cx="721023" cy="360000"/>
+            <a:chOff x="4558396" y="5690754"/>
+            <a:chExt cx="721023" cy="360000"/>
+          </a:xfrm>
+          <a:solidFill>
+            <a:srgbClr val="FF9966"/>
+          </a:solidFill>
+        </p:grpSpPr>
+        <p:sp>
+          <p:nvSpPr>
+            <p:cNvPr id="62" name="矩形 61"/>
+            <p:cNvSpPr/>
+            <p:nvPr/>
+          </p:nvSpPr>
+          <p:spPr>
+            <a:xfrm>
+              <a:off x="4919419" y="5690754"/>
+              <a:ext cx="360000" cy="360000"/>
+            </a:xfrm>
+            <a:prstGeom prst="rect">
+              <a:avLst/>
+            </a:prstGeom>
+            <a:grpFill/>
+          </p:spPr>
+          <p:style>
+            <a:lnRef idx="2">
+              <a:schemeClr val="dk1"/>
+            </a:lnRef>
+            <a:fillRef idx="1">
+              <a:schemeClr val="lt1"/>
+            </a:fillRef>
+            <a:effectRef idx="0">
+              <a:schemeClr val="dk1"/>
+            </a:effectRef>
+            <a:fontRef idx="minor">
+              <a:schemeClr val="dk1"/>
+            </a:fontRef>
+          </p:style>
+          <p:txBody>
+            <a:bodyPr rtlCol="0" anchor="ctr"/>
+            <a:lstStyle/>
+            <a:p>
+              <a:pPr algn="ctr"/>
+              <a:endParaRPr lang="zh-CN" altLang="en-US"/>
+            </a:p>
+          </p:txBody>
+        </p:sp>
+        <p:sp>
+          <p:nvSpPr>
+            <p:cNvPr id="63" name="矩形 62"/>
+            <p:cNvSpPr/>
+            <p:nvPr/>
+          </p:nvSpPr>
+          <p:spPr>
+            <a:xfrm>
+              <a:off x="4558396" y="5690754"/>
+              <a:ext cx="360000" cy="360000"/>
+            </a:xfrm>
+            <a:prstGeom prst="rect">
+              <a:avLst/>
+            </a:prstGeom>
+            <a:grpFill/>
+          </p:spPr>
+          <p:style>
+            <a:lnRef idx="2">
+              <a:schemeClr val="dk1"/>
+            </a:lnRef>
+            <a:fillRef idx="1">
+              <a:schemeClr val="lt1"/>
+            </a:fillRef>
+            <a:effectRef idx="0">
+              <a:schemeClr val="dk1"/>
+            </a:effectRef>
+            <a:fontRef idx="minor">
+              <a:schemeClr val="dk1"/>
+            </a:fontRef>
+          </p:style>
+          <p:txBody>
+            <a:bodyPr rtlCol="0" anchor="ctr"/>
+            <a:lstStyle/>
+            <a:p>
+              <a:pPr algn="ctr"/>
+              <a:endParaRPr lang="zh-CN" altLang="en-US"/>
+            </a:p>
+          </p:txBody>
+        </p:sp>
+      </p:grpSp>
+      <p:grpSp>
+        <p:nvGrpSpPr>
+          <p:cNvPr id="64" name="组合 63"/>
+          <p:cNvGrpSpPr/>
+          <p:nvPr/>
+        </p:nvGrpSpPr>
+        <p:grpSpPr>
+          <a:xfrm>
+            <a:off x="9583095" y="2642557"/>
+            <a:ext cx="721023" cy="360000"/>
+            <a:chOff x="4558396" y="5690754"/>
+            <a:chExt cx="721023" cy="360000"/>
+          </a:xfrm>
+          <a:solidFill>
+            <a:srgbClr val="FF9966"/>
+          </a:solidFill>
+        </p:grpSpPr>
+        <p:sp>
+          <p:nvSpPr>
+            <p:cNvPr id="65" name="矩形 64"/>
+            <p:cNvSpPr/>
+            <p:nvPr/>
+          </p:nvSpPr>
+          <p:spPr>
+            <a:xfrm>
+              <a:off x="4919419" y="5690754"/>
+              <a:ext cx="360000" cy="360000"/>
+            </a:xfrm>
+            <a:prstGeom prst="rect">
+              <a:avLst/>
+            </a:prstGeom>
+            <a:grpFill/>
+          </p:spPr>
+          <p:style>
+            <a:lnRef idx="2">
+              <a:schemeClr val="dk1"/>
+            </a:lnRef>
+            <a:fillRef idx="1">
+              <a:schemeClr val="lt1"/>
+            </a:fillRef>
+            <a:effectRef idx="0">
+              <a:schemeClr val="dk1"/>
+            </a:effectRef>
+            <a:fontRef idx="minor">
+              <a:schemeClr val="dk1"/>
+            </a:fontRef>
+          </p:style>
+          <p:txBody>
+            <a:bodyPr rtlCol="0" anchor="ctr"/>
+            <a:lstStyle/>
+            <a:p>
+              <a:pPr algn="ctr"/>
+              <a:endParaRPr lang="zh-CN" altLang="en-US"/>
+            </a:p>
+          </p:txBody>
+        </p:sp>
+        <p:sp>
+          <p:nvSpPr>
+            <p:cNvPr id="66" name="矩形 65"/>
+            <p:cNvSpPr/>
+            <p:nvPr/>
+          </p:nvSpPr>
+          <p:spPr>
+            <a:xfrm>
+              <a:off x="4558396" y="5690754"/>
+              <a:ext cx="360000" cy="360000"/>
+            </a:xfrm>
+            <a:prstGeom prst="rect">
+              <a:avLst/>
+            </a:prstGeom>
+            <a:grpFill/>
+          </p:spPr>
+          <p:style>
+            <a:lnRef idx="2">
+              <a:schemeClr val="dk1"/>
+            </a:lnRef>
+            <a:fillRef idx="1">
+              <a:schemeClr val="lt1"/>
+            </a:fillRef>
+            <a:effectRef idx="0">
+              <a:schemeClr val="dk1"/>
+            </a:effectRef>
+            <a:fontRef idx="minor">
+              <a:schemeClr val="dk1"/>
+            </a:fontRef>
+          </p:style>
+          <p:txBody>
+            <a:bodyPr rtlCol="0" anchor="ctr"/>
+            <a:lstStyle/>
+            <a:p>
+              <a:pPr algn="ctr"/>
+              <a:endParaRPr lang="zh-CN" altLang="en-US"/>
+            </a:p>
+          </p:txBody>
+        </p:sp>
+      </p:grpSp>
+      <p:grpSp>
+        <p:nvGrpSpPr>
+          <p:cNvPr id="79" name="组合 78"/>
+          <p:cNvGrpSpPr/>
+          <p:nvPr/>
+        </p:nvGrpSpPr>
+        <p:grpSpPr>
+          <a:xfrm>
+            <a:off x="5646233" y="3005997"/>
+            <a:ext cx="1782818" cy="1632682"/>
+            <a:chOff x="5646233" y="3005997"/>
+            <a:chExt cx="1782818" cy="1632682"/>
+          </a:xfrm>
+        </p:grpSpPr>
+        <p:cxnSp>
+          <p:nvCxnSpPr>
+            <p:cNvPr id="67" name="直接连接符 66"/>
+            <p:cNvCxnSpPr/>
+            <p:nvPr/>
+          </p:nvCxnSpPr>
+          <p:spPr>
+            <a:xfrm flipH="1">
+              <a:off x="5646233" y="3005998"/>
+              <a:ext cx="1" cy="1632681"/>
+            </a:xfrm>
+            <a:prstGeom prst="line">
+              <a:avLst/>
+            </a:prstGeom>
+            <a:ln w="19050">
+              <a:solidFill>
+                <a:srgbClr val="00B0F0"/>
+              </a:solidFill>
+              <a:prstDash val="sysDot"/>
+            </a:ln>
+          </p:spPr>
+          <p:style>
+            <a:lnRef idx="1">
+              <a:schemeClr val="accent1"/>
+            </a:lnRef>
+            <a:fillRef idx="0">
+              <a:schemeClr val="accent1"/>
+            </a:fillRef>
+            <a:effectRef idx="0">
+              <a:schemeClr val="accent1"/>
+            </a:effectRef>
+            <a:fontRef idx="minor">
+              <a:schemeClr val="tx1"/>
+            </a:fontRef>
+          </p:style>
+        </p:cxnSp>
+        <p:cxnSp>
+          <p:nvCxnSpPr>
+            <p:cNvPr id="70" name="直接连接符 69"/>
+            <p:cNvCxnSpPr/>
+            <p:nvPr/>
+          </p:nvCxnSpPr>
+          <p:spPr>
+            <a:xfrm flipH="1">
+              <a:off x="7429050" y="3005997"/>
+              <a:ext cx="1" cy="1632681"/>
+            </a:xfrm>
+            <a:prstGeom prst="line">
+              <a:avLst/>
+            </a:prstGeom>
+            <a:ln w="19050">
+              <a:solidFill>
+                <a:srgbClr val="00B0F0"/>
+              </a:solidFill>
+              <a:prstDash val="sysDot"/>
+            </a:ln>
+          </p:spPr>
+          <p:style>
+            <a:lnRef idx="1">
+              <a:schemeClr val="accent1"/>
+            </a:lnRef>
+            <a:fillRef idx="0">
+              <a:schemeClr val="accent1"/>
+            </a:fillRef>
+            <a:effectRef idx="0">
+              <a:schemeClr val="accent1"/>
+            </a:effectRef>
+            <a:fontRef idx="minor">
+              <a:schemeClr val="tx1"/>
+            </a:fontRef>
+          </p:style>
+        </p:cxnSp>
+      </p:grpSp>
+      <p:grpSp>
+        <p:nvGrpSpPr>
+          <p:cNvPr id="80" name="组合 79"/>
+          <p:cNvGrpSpPr/>
+          <p:nvPr/>
+        </p:nvGrpSpPr>
+        <p:grpSpPr>
+          <a:xfrm>
+            <a:off x="6011556" y="3002556"/>
+            <a:ext cx="1794965" cy="1636122"/>
+            <a:chOff x="6011556" y="3002556"/>
+            <a:chExt cx="1794965" cy="1636122"/>
+          </a:xfrm>
+        </p:grpSpPr>
+        <p:cxnSp>
+          <p:nvCxnSpPr>
+            <p:cNvPr id="73" name="直接连接符 72"/>
+            <p:cNvCxnSpPr/>
+            <p:nvPr/>
+          </p:nvCxnSpPr>
+          <p:spPr>
+            <a:xfrm flipH="1">
+              <a:off x="6011556" y="3005997"/>
+              <a:ext cx="1" cy="1632681"/>
+            </a:xfrm>
+            <a:prstGeom prst="line">
+              <a:avLst/>
+            </a:prstGeom>
+            <a:ln w="19050">
+              <a:solidFill>
+                <a:srgbClr val="00B0F0"/>
+              </a:solidFill>
+              <a:prstDash val="sysDot"/>
+            </a:ln>
+          </p:spPr>
+          <p:style>
+            <a:lnRef idx="1">
+              <a:schemeClr val="accent1"/>
+            </a:lnRef>
+            <a:fillRef idx="0">
+              <a:schemeClr val="accent1"/>
+            </a:fillRef>
+            <a:effectRef idx="0">
+              <a:schemeClr val="accent1"/>
+            </a:effectRef>
+            <a:fontRef idx="minor">
+              <a:schemeClr val="tx1"/>
+            </a:fontRef>
+          </p:style>
+        </p:cxnSp>
+        <p:cxnSp>
+          <p:nvCxnSpPr>
+            <p:cNvPr id="74" name="直接连接符 73"/>
+            <p:cNvCxnSpPr/>
+            <p:nvPr/>
+          </p:nvCxnSpPr>
+          <p:spPr>
+            <a:xfrm flipH="1">
+              <a:off x="7806520" y="3002556"/>
+              <a:ext cx="1" cy="1632681"/>
+            </a:xfrm>
+            <a:prstGeom prst="line">
+              <a:avLst/>
+            </a:prstGeom>
+            <a:ln w="19050">
+              <a:solidFill>
+                <a:srgbClr val="00B0F0"/>
+              </a:solidFill>
+              <a:prstDash val="sysDot"/>
+            </a:ln>
+          </p:spPr>
+          <p:style>
+            <a:lnRef idx="1">
+              <a:schemeClr val="accent1"/>
+            </a:lnRef>
+            <a:fillRef idx="0">
+              <a:schemeClr val="accent1"/>
+            </a:fillRef>
+            <a:effectRef idx="0">
+              <a:schemeClr val="accent1"/>
+            </a:effectRef>
+            <a:fontRef idx="minor">
+              <a:schemeClr val="tx1"/>
+            </a:fontRef>
+          </p:style>
+        </p:cxnSp>
+      </p:grpSp>
+      <p:grpSp>
+        <p:nvGrpSpPr>
+          <p:cNvPr id="81" name="组合 80"/>
+          <p:cNvGrpSpPr/>
+          <p:nvPr/>
+        </p:nvGrpSpPr>
+        <p:grpSpPr>
+          <a:xfrm>
+            <a:off x="6342286" y="3013364"/>
+            <a:ext cx="1794965" cy="1636122"/>
+            <a:chOff x="6342286" y="3013364"/>
+            <a:chExt cx="1794965" cy="1636122"/>
+          </a:xfrm>
+        </p:grpSpPr>
+        <p:cxnSp>
+          <p:nvCxnSpPr>
+            <p:cNvPr id="75" name="直接连接符 74"/>
+            <p:cNvCxnSpPr/>
+            <p:nvPr/>
+          </p:nvCxnSpPr>
+          <p:spPr>
+            <a:xfrm flipH="1">
+              <a:off x="6342286" y="3016805"/>
+              <a:ext cx="1" cy="1632681"/>
+            </a:xfrm>
+            <a:prstGeom prst="line">
+              <a:avLst/>
+            </a:prstGeom>
+            <a:ln w="19050">
+              <a:solidFill>
+                <a:srgbClr val="00B0F0"/>
+              </a:solidFill>
+              <a:prstDash val="sysDot"/>
+            </a:ln>
+          </p:spPr>
+          <p:style>
+            <a:lnRef idx="1">
+              <a:schemeClr val="accent1"/>
+            </a:lnRef>
+            <a:fillRef idx="0">
+              <a:schemeClr val="accent1"/>
+            </a:fillRef>
+            <a:effectRef idx="0">
+              <a:schemeClr val="accent1"/>
+            </a:effectRef>
+            <a:fontRef idx="minor">
+              <a:schemeClr val="tx1"/>
+            </a:fontRef>
+          </p:style>
+        </p:cxnSp>
+        <p:cxnSp>
+          <p:nvCxnSpPr>
+            <p:cNvPr id="76" name="直接连接符 75"/>
+            <p:cNvCxnSpPr/>
+            <p:nvPr/>
+          </p:nvCxnSpPr>
+          <p:spPr>
+            <a:xfrm flipH="1">
+              <a:off x="8137250" y="3013364"/>
+              <a:ext cx="1" cy="1632681"/>
+            </a:xfrm>
+            <a:prstGeom prst="line">
+              <a:avLst/>
+            </a:prstGeom>
+            <a:ln w="19050">
+              <a:solidFill>
+                <a:srgbClr val="00B0F0"/>
+              </a:solidFill>
+              <a:prstDash val="sysDot"/>
+            </a:ln>
+          </p:spPr>
+          <p:style>
+            <a:lnRef idx="1">
+              <a:schemeClr val="accent1"/>
+            </a:lnRef>
+            <a:fillRef idx="0">
+              <a:schemeClr val="accent1"/>
+            </a:fillRef>
+            <a:effectRef idx="0">
+              <a:schemeClr val="accent1"/>
+            </a:effectRef>
+            <a:fontRef idx="minor">
+              <a:schemeClr val="tx1"/>
+            </a:fontRef>
+          </p:style>
+        </p:cxnSp>
+      </p:grpSp>
+      <p:grpSp>
+        <p:nvGrpSpPr>
+          <p:cNvPr id="82" name="组合 81"/>
+          <p:cNvGrpSpPr/>
+          <p:nvPr/>
+        </p:nvGrpSpPr>
+        <p:grpSpPr>
+          <a:xfrm>
+            <a:off x="6692488" y="3004039"/>
+            <a:ext cx="1794965" cy="1636122"/>
+            <a:chOff x="6692488" y="3004039"/>
+            <a:chExt cx="1794965" cy="1636122"/>
+          </a:xfrm>
+        </p:grpSpPr>
+        <p:cxnSp>
+          <p:nvCxnSpPr>
+            <p:cNvPr id="77" name="直接连接符 76"/>
+            <p:cNvCxnSpPr/>
+            <p:nvPr/>
+          </p:nvCxnSpPr>
+          <p:spPr>
+            <a:xfrm flipH="1">
+              <a:off x="6692488" y="3007480"/>
+              <a:ext cx="1" cy="1632681"/>
+            </a:xfrm>
+            <a:prstGeom prst="line">
+              <a:avLst/>
+            </a:prstGeom>
+            <a:ln w="19050">
+              <a:solidFill>
+                <a:srgbClr val="00B0F0"/>
+              </a:solidFill>
+              <a:prstDash val="sysDot"/>
+            </a:ln>
+          </p:spPr>
+          <p:style>
+            <a:lnRef idx="1">
+              <a:schemeClr val="accent1"/>
+            </a:lnRef>
+            <a:fillRef idx="0">
+              <a:schemeClr val="accent1"/>
+            </a:fillRef>
+            <a:effectRef idx="0">
+              <a:schemeClr val="accent1"/>
+            </a:effectRef>
+            <a:fontRef idx="minor">
+              <a:schemeClr val="tx1"/>
+            </a:fontRef>
+          </p:style>
+        </p:cxnSp>
+        <p:cxnSp>
+          <p:nvCxnSpPr>
+            <p:cNvPr id="78" name="直接连接符 77"/>
+            <p:cNvCxnSpPr/>
+            <p:nvPr/>
+          </p:nvCxnSpPr>
+          <p:spPr>
+            <a:xfrm flipH="1">
+              <a:off x="8487452" y="3004039"/>
+              <a:ext cx="1" cy="1632681"/>
+            </a:xfrm>
+            <a:prstGeom prst="line">
+              <a:avLst/>
+            </a:prstGeom>
+            <a:ln w="19050">
+              <a:solidFill>
+                <a:srgbClr val="00B0F0"/>
+              </a:solidFill>
+              <a:prstDash val="sysDot"/>
+            </a:ln>
+          </p:spPr>
+          <p:style>
+            <a:lnRef idx="1">
+              <a:schemeClr val="accent1"/>
+            </a:lnRef>
+            <a:fillRef idx="0">
+              <a:schemeClr val="accent1"/>
+            </a:fillRef>
+            <a:effectRef idx="0">
+              <a:schemeClr val="accent1"/>
+            </a:effectRef>
+            <a:fontRef idx="minor">
+              <a:schemeClr val="tx1"/>
+            </a:fontRef>
+          </p:style>
+        </p:cxnSp>
+      </p:grpSp>
+      <p:grpSp>
+        <p:nvGrpSpPr>
+          <p:cNvPr id="84" name="组合 83"/>
+          <p:cNvGrpSpPr/>
+          <p:nvPr/>
+        </p:nvGrpSpPr>
+        <p:grpSpPr>
+          <a:xfrm>
+            <a:off x="7059275" y="3016805"/>
+            <a:ext cx="1794965" cy="1636122"/>
+            <a:chOff x="6692488" y="3004039"/>
+            <a:chExt cx="1794965" cy="1636122"/>
+          </a:xfrm>
+        </p:grpSpPr>
+        <p:cxnSp>
+          <p:nvCxnSpPr>
+            <p:cNvPr id="85" name="直接连接符 84"/>
+            <p:cNvCxnSpPr/>
+            <p:nvPr/>
+          </p:nvCxnSpPr>
+          <p:spPr>
+            <a:xfrm flipH="1">
+              <a:off x="6692488" y="3007480"/>
+              <a:ext cx="1" cy="1632681"/>
+            </a:xfrm>
+            <a:prstGeom prst="line">
+              <a:avLst/>
+            </a:prstGeom>
+            <a:ln w="19050">
+              <a:solidFill>
+                <a:srgbClr val="00B0F0"/>
+              </a:solidFill>
+              <a:prstDash val="sysDot"/>
+            </a:ln>
+          </p:spPr>
+          <p:style>
+            <a:lnRef idx="1">
+              <a:schemeClr val="accent1"/>
+            </a:lnRef>
+            <a:fillRef idx="0">
+              <a:schemeClr val="accent1"/>
+            </a:fillRef>
+            <a:effectRef idx="0">
+              <a:schemeClr val="accent1"/>
+            </a:effectRef>
+            <a:fontRef idx="minor">
+              <a:schemeClr val="tx1"/>
+            </a:fontRef>
+          </p:style>
+        </p:cxnSp>
+        <p:cxnSp>
+          <p:nvCxnSpPr>
+            <p:cNvPr id="86" name="直接连接符 85"/>
+            <p:cNvCxnSpPr/>
+            <p:nvPr/>
+          </p:nvCxnSpPr>
+          <p:spPr>
+            <a:xfrm flipH="1">
+              <a:off x="8487452" y="3004039"/>
+              <a:ext cx="1" cy="1632681"/>
+            </a:xfrm>
+            <a:prstGeom prst="line">
+              <a:avLst/>
+            </a:prstGeom>
+            <a:ln w="19050">
+              <a:solidFill>
+                <a:srgbClr val="00B0F0"/>
+              </a:solidFill>
+              <a:prstDash val="sysDot"/>
+            </a:ln>
+          </p:spPr>
+          <p:style>
+            <a:lnRef idx="1">
+              <a:schemeClr val="accent1"/>
+            </a:lnRef>
+            <a:fillRef idx="0">
+              <a:schemeClr val="accent1"/>
+            </a:fillRef>
+            <a:effectRef idx="0">
+              <a:schemeClr val="accent1"/>
+            </a:effectRef>
+            <a:fontRef idx="minor">
+              <a:schemeClr val="tx1"/>
+            </a:fontRef>
+          </p:style>
+        </p:cxnSp>
+      </p:grpSp>
+      <p:sp>
+        <p:nvSpPr>
+          <p:cNvPr id="87" name="文本框 86"/>
+          <p:cNvSpPr txBox="1"/>
+          <p:nvPr/>
+        </p:nvSpPr>
+        <p:spPr>
+          <a:xfrm>
+            <a:off x="5927844" y="5095948"/>
+            <a:ext cx="5493812" cy="369332"/>
+          </a:xfrm>
+          <a:prstGeom prst="rect">
+            <a:avLst/>
+          </a:prstGeom>
+          <a:noFill/>
+        </p:spPr>
+        <p:txBody>
+          <a:bodyPr wrap="none" rtlCol="0">
+            <a:spAutoFit/>
+          </a:bodyPr>
+          <a:lstStyle/>
+          <a:p>
+            <a:r>
+              <a:rPr lang="zh-CN" altLang="en-US" dirty="0" smtClean="0">
+                <a:latin typeface="宋体" panose="02010600030101010101" pitchFamily="2" charset="-122"/>
+                <a:ea typeface="宋体" panose="02010600030101010101" pitchFamily="2" charset="-122"/>
+              </a:rPr>
+              <a:t>首先将指针放在</a:t>
+            </a:r>
+            <a:r>
+              <a:rPr lang="en-US" altLang="zh-CN" dirty="0" smtClean="0">
+                <a:latin typeface="宋体" panose="02010600030101010101" pitchFamily="2" charset="-122"/>
+                <a:ea typeface="宋体" panose="02010600030101010101" pitchFamily="2" charset="-122"/>
+              </a:rPr>
+              <a:t>5-2</a:t>
+            </a:r>
+            <a:r>
+              <a:rPr lang="zh-CN" altLang="en-US" dirty="0" smtClean="0">
+                <a:latin typeface="宋体" panose="02010600030101010101" pitchFamily="2" charset="-122"/>
+                <a:ea typeface="宋体" panose="02010600030101010101" pitchFamily="2" charset="-122"/>
+              </a:rPr>
+              <a:t>处，然后定长跳转为（</a:t>
+            </a:r>
+            <a:r>
+              <a:rPr lang="en-US" altLang="zh-CN" dirty="0" smtClean="0">
+                <a:latin typeface="宋体" panose="02010600030101010101" pitchFamily="2" charset="-122"/>
+                <a:ea typeface="宋体" panose="02010600030101010101" pitchFamily="2" charset="-122"/>
+              </a:rPr>
+              <a:t>5-2+1</a:t>
+            </a:r>
+            <a:r>
+              <a:rPr lang="zh-CN" altLang="en-US" dirty="0" smtClean="0">
+                <a:latin typeface="宋体" panose="02010600030101010101" pitchFamily="2" charset="-122"/>
+                <a:ea typeface="宋体" panose="02010600030101010101" pitchFamily="2" charset="-122"/>
+              </a:rPr>
+              <a:t>）</a:t>
+            </a:r>
+            <a:r>
+              <a:rPr lang="en-US" altLang="zh-CN" dirty="0" smtClean="0">
+                <a:latin typeface="宋体" panose="02010600030101010101" pitchFamily="2" charset="-122"/>
+                <a:ea typeface="宋体" panose="02010600030101010101" pitchFamily="2" charset="-122"/>
+              </a:rPr>
+              <a:t>=4</a:t>
+            </a:r>
+            <a:endParaRPr lang="zh-CN" altLang="en-US" dirty="0"/>
+          </a:p>
+        </p:txBody>
+      </p:sp>
+      <p:sp>
+        <p:nvSpPr>
+          <p:cNvPr id="88" name="文本框 87"/>
+          <p:cNvSpPr txBox="1"/>
+          <p:nvPr/>
+        </p:nvSpPr>
+        <p:spPr>
+          <a:xfrm>
+            <a:off x="725213" y="2137804"/>
+            <a:ext cx="4180312" cy="369332"/>
+          </a:xfrm>
+          <a:prstGeom prst="rect">
+            <a:avLst/>
+          </a:prstGeom>
+          <a:noFill/>
+        </p:spPr>
+        <p:txBody>
+          <a:bodyPr wrap="none" rtlCol="0">
+            <a:spAutoFit/>
+          </a:bodyPr>
+          <a:lstStyle/>
+          <a:p>
+            <a:r>
+              <a:rPr lang="en-US" altLang="zh-CN" dirty="0" smtClean="0"/>
+              <a:t>Improved Exact Packed String Matching</a:t>
+            </a:r>
+            <a:endParaRPr lang="zh-CN" altLang="en-US" dirty="0"/>
+          </a:p>
+        </p:txBody>
+      </p:sp>
     </p:spTree>
     <p:extLst>
       <p:ext uri="{BB962C8B-B14F-4D97-AF65-F5344CB8AC3E}">
@@ -8273,9 +9869,1583 @@
   <p:timing>
     <p:tnLst>
       <p:par>
-        <p:cTn id="1" dur="indefinite" restart="never" nodeType="tmRoot"/>
+        <p:cTn id="1" dur="indefinite" restart="never" nodeType="tmRoot">
+          <p:childTnLst>
+            <p:seq concurrent="1" nextAc="seek">
+              <p:cTn id="2" dur="indefinite" nodeType="mainSeq">
+                <p:childTnLst>
+                  <p:par>
+                    <p:cTn id="3" fill="hold">
+                      <p:stCondLst>
+                        <p:cond delay="indefinite"/>
+                      </p:stCondLst>
+                      <p:childTnLst>
+                        <p:par>
+                          <p:cTn id="4" fill="hold">
+                            <p:stCondLst>
+                              <p:cond delay="0"/>
+                            </p:stCondLst>
+                            <p:childTnLst>
+                              <p:par>
+                                <p:cTn id="5" presetID="2" presetClass="entr" presetSubtype="4" fill="hold" nodeType="clickEffect">
+                                  <p:stCondLst>
+                                    <p:cond delay="0"/>
+                                  </p:stCondLst>
+                                  <p:childTnLst>
+                                    <p:set>
+                                      <p:cBhvr>
+                                        <p:cTn id="6" dur="1" fill="hold">
+                                          <p:stCondLst>
+                                            <p:cond delay="0"/>
+                                          </p:stCondLst>
+                                        </p:cTn>
+                                        <p:tgtEl>
+                                          <p:spTgt spid="4"/>
+                                        </p:tgtEl>
+                                        <p:attrNameLst>
+                                          <p:attrName>style.visibility</p:attrName>
+                                        </p:attrNameLst>
+                                      </p:cBhvr>
+                                      <p:to>
+                                        <p:strVal val="visible"/>
+                                      </p:to>
+                                    </p:set>
+                                    <p:anim calcmode="lin" valueType="num">
+                                      <p:cBhvr additive="base">
+                                        <p:cTn id="7" dur="500" fill="hold"/>
+                                        <p:tgtEl>
+                                          <p:spTgt spid="4"/>
+                                        </p:tgtEl>
+                                        <p:attrNameLst>
+                                          <p:attrName>ppt_x</p:attrName>
+                                        </p:attrNameLst>
+                                      </p:cBhvr>
+                                      <p:tavLst>
+                                        <p:tav tm="0">
+                                          <p:val>
+                                            <p:strVal val="#ppt_x"/>
+                                          </p:val>
+                                        </p:tav>
+                                        <p:tav tm="100000">
+                                          <p:val>
+                                            <p:strVal val="#ppt_x"/>
+                                          </p:val>
+                                        </p:tav>
+                                      </p:tavLst>
+                                    </p:anim>
+                                    <p:anim calcmode="lin" valueType="num">
+                                      <p:cBhvr additive="base">
+                                        <p:cTn id="8" dur="500" fill="hold"/>
+                                        <p:tgtEl>
+                                          <p:spTgt spid="4"/>
+                                        </p:tgtEl>
+                                        <p:attrNameLst>
+                                          <p:attrName>ppt_y</p:attrName>
+                                        </p:attrNameLst>
+                                      </p:cBhvr>
+                                      <p:tavLst>
+                                        <p:tav tm="0">
+                                          <p:val>
+                                            <p:strVal val="1+#ppt_h/2"/>
+                                          </p:val>
+                                        </p:tav>
+                                        <p:tav tm="100000">
+                                          <p:val>
+                                            <p:strVal val="#ppt_y"/>
+                                          </p:val>
+                                        </p:tav>
+                                      </p:tavLst>
+                                    </p:anim>
+                                  </p:childTnLst>
+                                </p:cTn>
+                              </p:par>
+                            </p:childTnLst>
+                          </p:cTn>
+                        </p:par>
+                      </p:childTnLst>
+                    </p:cTn>
+                  </p:par>
+                  <p:par>
+                    <p:cTn id="9" fill="hold">
+                      <p:stCondLst>
+                        <p:cond delay="indefinite"/>
+                      </p:stCondLst>
+                      <p:childTnLst>
+                        <p:par>
+                          <p:cTn id="10" fill="hold">
+                            <p:stCondLst>
+                              <p:cond delay="0"/>
+                            </p:stCondLst>
+                            <p:childTnLst>
+                              <p:par>
+                                <p:cTn id="11" presetID="2" presetClass="entr" presetSubtype="4" fill="hold" nodeType="clickEffect">
+                                  <p:stCondLst>
+                                    <p:cond delay="0"/>
+                                  </p:stCondLst>
+                                  <p:childTnLst>
+                                    <p:set>
+                                      <p:cBhvr>
+                                        <p:cTn id="12" dur="1" fill="hold">
+                                          <p:stCondLst>
+                                            <p:cond delay="0"/>
+                                          </p:stCondLst>
+                                        </p:cTn>
+                                        <p:tgtEl>
+                                          <p:spTgt spid="51"/>
+                                        </p:tgtEl>
+                                        <p:attrNameLst>
+                                          <p:attrName>style.visibility</p:attrName>
+                                        </p:attrNameLst>
+                                      </p:cBhvr>
+                                      <p:to>
+                                        <p:strVal val="visible"/>
+                                      </p:to>
+                                    </p:set>
+                                    <p:anim calcmode="lin" valueType="num">
+                                      <p:cBhvr additive="base">
+                                        <p:cTn id="13" dur="500" fill="hold"/>
+                                        <p:tgtEl>
+                                          <p:spTgt spid="51"/>
+                                        </p:tgtEl>
+                                        <p:attrNameLst>
+                                          <p:attrName>ppt_x</p:attrName>
+                                        </p:attrNameLst>
+                                      </p:cBhvr>
+                                      <p:tavLst>
+                                        <p:tav tm="0">
+                                          <p:val>
+                                            <p:strVal val="#ppt_x"/>
+                                          </p:val>
+                                        </p:tav>
+                                        <p:tav tm="100000">
+                                          <p:val>
+                                            <p:strVal val="#ppt_x"/>
+                                          </p:val>
+                                        </p:tav>
+                                      </p:tavLst>
+                                    </p:anim>
+                                    <p:anim calcmode="lin" valueType="num">
+                                      <p:cBhvr additive="base">
+                                        <p:cTn id="14" dur="500" fill="hold"/>
+                                        <p:tgtEl>
+                                          <p:spTgt spid="51"/>
+                                        </p:tgtEl>
+                                        <p:attrNameLst>
+                                          <p:attrName>ppt_y</p:attrName>
+                                        </p:attrNameLst>
+                                      </p:cBhvr>
+                                      <p:tavLst>
+                                        <p:tav tm="0">
+                                          <p:val>
+                                            <p:strVal val="1+#ppt_h/2"/>
+                                          </p:val>
+                                        </p:tav>
+                                        <p:tav tm="100000">
+                                          <p:val>
+                                            <p:strVal val="#ppt_y"/>
+                                          </p:val>
+                                        </p:tav>
+                                      </p:tavLst>
+                                    </p:anim>
+                                  </p:childTnLst>
+                                </p:cTn>
+                              </p:par>
+                            </p:childTnLst>
+                          </p:cTn>
+                        </p:par>
+                      </p:childTnLst>
+                    </p:cTn>
+                  </p:par>
+                  <p:par>
+                    <p:cTn id="15" fill="hold">
+                      <p:stCondLst>
+                        <p:cond delay="indefinite"/>
+                      </p:stCondLst>
+                      <p:childTnLst>
+                        <p:par>
+                          <p:cTn id="16" fill="hold">
+                            <p:stCondLst>
+                              <p:cond delay="0"/>
+                            </p:stCondLst>
+                            <p:childTnLst>
+                              <p:par>
+                                <p:cTn id="17" presetID="2" presetClass="entr" presetSubtype="4" fill="hold" grpId="0" nodeType="clickEffect">
+                                  <p:stCondLst>
+                                    <p:cond delay="0"/>
+                                  </p:stCondLst>
+                                  <p:childTnLst>
+                                    <p:set>
+                                      <p:cBhvr>
+                                        <p:cTn id="18" dur="1" fill="hold">
+                                          <p:stCondLst>
+                                            <p:cond delay="0"/>
+                                          </p:stCondLst>
+                                        </p:cTn>
+                                        <p:tgtEl>
+                                          <p:spTgt spid="50"/>
+                                        </p:tgtEl>
+                                        <p:attrNameLst>
+                                          <p:attrName>style.visibility</p:attrName>
+                                        </p:attrNameLst>
+                                      </p:cBhvr>
+                                      <p:to>
+                                        <p:strVal val="visible"/>
+                                      </p:to>
+                                    </p:set>
+                                    <p:anim calcmode="lin" valueType="num">
+                                      <p:cBhvr additive="base">
+                                        <p:cTn id="19" dur="500" fill="hold"/>
+                                        <p:tgtEl>
+                                          <p:spTgt spid="50"/>
+                                        </p:tgtEl>
+                                        <p:attrNameLst>
+                                          <p:attrName>ppt_x</p:attrName>
+                                        </p:attrNameLst>
+                                      </p:cBhvr>
+                                      <p:tavLst>
+                                        <p:tav tm="0">
+                                          <p:val>
+                                            <p:strVal val="#ppt_x"/>
+                                          </p:val>
+                                        </p:tav>
+                                        <p:tav tm="100000">
+                                          <p:val>
+                                            <p:strVal val="#ppt_x"/>
+                                          </p:val>
+                                        </p:tav>
+                                      </p:tavLst>
+                                    </p:anim>
+                                    <p:anim calcmode="lin" valueType="num">
+                                      <p:cBhvr additive="base">
+                                        <p:cTn id="20" dur="500" fill="hold"/>
+                                        <p:tgtEl>
+                                          <p:spTgt spid="50"/>
+                                        </p:tgtEl>
+                                        <p:attrNameLst>
+                                          <p:attrName>ppt_y</p:attrName>
+                                        </p:attrNameLst>
+                                      </p:cBhvr>
+                                      <p:tavLst>
+                                        <p:tav tm="0">
+                                          <p:val>
+                                            <p:strVal val="1+#ppt_h/2"/>
+                                          </p:val>
+                                        </p:tav>
+                                        <p:tav tm="100000">
+                                          <p:val>
+                                            <p:strVal val="#ppt_y"/>
+                                          </p:val>
+                                        </p:tav>
+                                      </p:tavLst>
+                                    </p:anim>
+                                  </p:childTnLst>
+                                </p:cTn>
+                              </p:par>
+                            </p:childTnLst>
+                          </p:cTn>
+                        </p:par>
+                      </p:childTnLst>
+                    </p:cTn>
+                  </p:par>
+                  <p:par>
+                    <p:cTn id="21" fill="hold">
+                      <p:stCondLst>
+                        <p:cond delay="indefinite"/>
+                      </p:stCondLst>
+                      <p:childTnLst>
+                        <p:par>
+                          <p:cTn id="22" fill="hold">
+                            <p:stCondLst>
+                              <p:cond delay="0"/>
+                            </p:stCondLst>
+                            <p:childTnLst>
+                              <p:par>
+                                <p:cTn id="23" presetID="2" presetClass="entr" presetSubtype="4" fill="hold" grpId="0" nodeType="clickEffect">
+                                  <p:stCondLst>
+                                    <p:cond delay="0"/>
+                                  </p:stCondLst>
+                                  <p:childTnLst>
+                                    <p:set>
+                                      <p:cBhvr>
+                                        <p:cTn id="24" dur="1" fill="hold">
+                                          <p:stCondLst>
+                                            <p:cond delay="0"/>
+                                          </p:stCondLst>
+                                        </p:cTn>
+                                        <p:tgtEl>
+                                          <p:spTgt spid="87"/>
+                                        </p:tgtEl>
+                                        <p:attrNameLst>
+                                          <p:attrName>style.visibility</p:attrName>
+                                        </p:attrNameLst>
+                                      </p:cBhvr>
+                                      <p:to>
+                                        <p:strVal val="visible"/>
+                                      </p:to>
+                                    </p:set>
+                                    <p:anim calcmode="lin" valueType="num">
+                                      <p:cBhvr additive="base">
+                                        <p:cTn id="25" dur="500" fill="hold"/>
+                                        <p:tgtEl>
+                                          <p:spTgt spid="87"/>
+                                        </p:tgtEl>
+                                        <p:attrNameLst>
+                                          <p:attrName>ppt_x</p:attrName>
+                                        </p:attrNameLst>
+                                      </p:cBhvr>
+                                      <p:tavLst>
+                                        <p:tav tm="0">
+                                          <p:val>
+                                            <p:strVal val="#ppt_x"/>
+                                          </p:val>
+                                        </p:tav>
+                                        <p:tav tm="100000">
+                                          <p:val>
+                                            <p:strVal val="#ppt_x"/>
+                                          </p:val>
+                                        </p:tav>
+                                      </p:tavLst>
+                                    </p:anim>
+                                    <p:anim calcmode="lin" valueType="num">
+                                      <p:cBhvr additive="base">
+                                        <p:cTn id="26" dur="500" fill="hold"/>
+                                        <p:tgtEl>
+                                          <p:spTgt spid="87"/>
+                                        </p:tgtEl>
+                                        <p:attrNameLst>
+                                          <p:attrName>ppt_y</p:attrName>
+                                        </p:attrNameLst>
+                                      </p:cBhvr>
+                                      <p:tavLst>
+                                        <p:tav tm="0">
+                                          <p:val>
+                                            <p:strVal val="1+#ppt_h/2"/>
+                                          </p:val>
+                                        </p:tav>
+                                        <p:tav tm="100000">
+                                          <p:val>
+                                            <p:strVal val="#ppt_y"/>
+                                          </p:val>
+                                        </p:tav>
+                                      </p:tavLst>
+                                    </p:anim>
+                                  </p:childTnLst>
+                                </p:cTn>
+                              </p:par>
+                            </p:childTnLst>
+                          </p:cTn>
+                        </p:par>
+                      </p:childTnLst>
+                    </p:cTn>
+                  </p:par>
+                  <p:par>
+                    <p:cTn id="27" fill="hold">
+                      <p:stCondLst>
+                        <p:cond delay="indefinite"/>
+                      </p:stCondLst>
+                      <p:childTnLst>
+                        <p:par>
+                          <p:cTn id="28" fill="hold">
+                            <p:stCondLst>
+                              <p:cond delay="0"/>
+                            </p:stCondLst>
+                            <p:childTnLst>
+                              <p:par>
+                                <p:cTn id="29" presetID="2" presetClass="entr" presetSubtype="4" fill="hold" nodeType="clickEffect">
+                                  <p:stCondLst>
+                                    <p:cond delay="0"/>
+                                  </p:stCondLst>
+                                  <p:childTnLst>
+                                    <p:set>
+                                      <p:cBhvr>
+                                        <p:cTn id="30" dur="1" fill="hold">
+                                          <p:stCondLst>
+                                            <p:cond delay="0"/>
+                                          </p:stCondLst>
+                                        </p:cTn>
+                                        <p:tgtEl>
+                                          <p:spTgt spid="60"/>
+                                        </p:tgtEl>
+                                        <p:attrNameLst>
+                                          <p:attrName>style.visibility</p:attrName>
+                                        </p:attrNameLst>
+                                      </p:cBhvr>
+                                      <p:to>
+                                        <p:strVal val="visible"/>
+                                      </p:to>
+                                    </p:set>
+                                    <p:anim calcmode="lin" valueType="num">
+                                      <p:cBhvr additive="base">
+                                        <p:cTn id="31" dur="500" fill="hold"/>
+                                        <p:tgtEl>
+                                          <p:spTgt spid="60"/>
+                                        </p:tgtEl>
+                                        <p:attrNameLst>
+                                          <p:attrName>ppt_x</p:attrName>
+                                        </p:attrNameLst>
+                                      </p:cBhvr>
+                                      <p:tavLst>
+                                        <p:tav tm="0">
+                                          <p:val>
+                                            <p:strVal val="#ppt_x"/>
+                                          </p:val>
+                                        </p:tav>
+                                        <p:tav tm="100000">
+                                          <p:val>
+                                            <p:strVal val="#ppt_x"/>
+                                          </p:val>
+                                        </p:tav>
+                                      </p:tavLst>
+                                    </p:anim>
+                                    <p:anim calcmode="lin" valueType="num">
+                                      <p:cBhvr additive="base">
+                                        <p:cTn id="32" dur="500" fill="hold"/>
+                                        <p:tgtEl>
+                                          <p:spTgt spid="60"/>
+                                        </p:tgtEl>
+                                        <p:attrNameLst>
+                                          <p:attrName>ppt_y</p:attrName>
+                                        </p:attrNameLst>
+                                      </p:cBhvr>
+                                      <p:tavLst>
+                                        <p:tav tm="0">
+                                          <p:val>
+                                            <p:strVal val="1+#ppt_h/2"/>
+                                          </p:val>
+                                        </p:tav>
+                                        <p:tav tm="100000">
+                                          <p:val>
+                                            <p:strVal val="#ppt_y"/>
+                                          </p:val>
+                                        </p:tav>
+                                      </p:tavLst>
+                                    </p:anim>
+                                  </p:childTnLst>
+                                </p:cTn>
+                              </p:par>
+                            </p:childTnLst>
+                          </p:cTn>
+                        </p:par>
+                      </p:childTnLst>
+                    </p:cTn>
+                  </p:par>
+                  <p:par>
+                    <p:cTn id="33" fill="hold">
+                      <p:stCondLst>
+                        <p:cond delay="indefinite"/>
+                      </p:stCondLst>
+                      <p:childTnLst>
+                        <p:par>
+                          <p:cTn id="34" fill="hold">
+                            <p:stCondLst>
+                              <p:cond delay="0"/>
+                            </p:stCondLst>
+                            <p:childTnLst>
+                              <p:par>
+                                <p:cTn id="35" presetID="2" presetClass="entr" presetSubtype="4" fill="hold" nodeType="clickEffect">
+                                  <p:stCondLst>
+                                    <p:cond delay="0"/>
+                                  </p:stCondLst>
+                                  <p:childTnLst>
+                                    <p:set>
+                                      <p:cBhvr>
+                                        <p:cTn id="36" dur="1" fill="hold">
+                                          <p:stCondLst>
+                                            <p:cond delay="0"/>
+                                          </p:stCondLst>
+                                        </p:cTn>
+                                        <p:tgtEl>
+                                          <p:spTgt spid="61"/>
+                                        </p:tgtEl>
+                                        <p:attrNameLst>
+                                          <p:attrName>style.visibility</p:attrName>
+                                        </p:attrNameLst>
+                                      </p:cBhvr>
+                                      <p:to>
+                                        <p:strVal val="visible"/>
+                                      </p:to>
+                                    </p:set>
+                                    <p:anim calcmode="lin" valueType="num">
+                                      <p:cBhvr additive="base">
+                                        <p:cTn id="37" dur="500" fill="hold"/>
+                                        <p:tgtEl>
+                                          <p:spTgt spid="61"/>
+                                        </p:tgtEl>
+                                        <p:attrNameLst>
+                                          <p:attrName>ppt_x</p:attrName>
+                                        </p:attrNameLst>
+                                      </p:cBhvr>
+                                      <p:tavLst>
+                                        <p:tav tm="0">
+                                          <p:val>
+                                            <p:strVal val="#ppt_x"/>
+                                          </p:val>
+                                        </p:tav>
+                                        <p:tav tm="100000">
+                                          <p:val>
+                                            <p:strVal val="#ppt_x"/>
+                                          </p:val>
+                                        </p:tav>
+                                      </p:tavLst>
+                                    </p:anim>
+                                    <p:anim calcmode="lin" valueType="num">
+                                      <p:cBhvr additive="base">
+                                        <p:cTn id="38" dur="500" fill="hold"/>
+                                        <p:tgtEl>
+                                          <p:spTgt spid="61"/>
+                                        </p:tgtEl>
+                                        <p:attrNameLst>
+                                          <p:attrName>ppt_y</p:attrName>
+                                        </p:attrNameLst>
+                                      </p:cBhvr>
+                                      <p:tavLst>
+                                        <p:tav tm="0">
+                                          <p:val>
+                                            <p:strVal val="1+#ppt_h/2"/>
+                                          </p:val>
+                                        </p:tav>
+                                        <p:tav tm="100000">
+                                          <p:val>
+                                            <p:strVal val="#ppt_y"/>
+                                          </p:val>
+                                        </p:tav>
+                                      </p:tavLst>
+                                    </p:anim>
+                                  </p:childTnLst>
+                                </p:cTn>
+                              </p:par>
+                            </p:childTnLst>
+                          </p:cTn>
+                        </p:par>
+                      </p:childTnLst>
+                    </p:cTn>
+                  </p:par>
+                  <p:par>
+                    <p:cTn id="39" fill="hold">
+                      <p:stCondLst>
+                        <p:cond delay="indefinite"/>
+                      </p:stCondLst>
+                      <p:childTnLst>
+                        <p:par>
+                          <p:cTn id="40" fill="hold">
+                            <p:stCondLst>
+                              <p:cond delay="0"/>
+                            </p:stCondLst>
+                            <p:childTnLst>
+                              <p:par>
+                                <p:cTn id="41" presetID="2" presetClass="entr" presetSubtype="4" fill="hold" nodeType="clickEffect">
+                                  <p:stCondLst>
+                                    <p:cond delay="0"/>
+                                  </p:stCondLst>
+                                  <p:childTnLst>
+                                    <p:set>
+                                      <p:cBhvr>
+                                        <p:cTn id="42" dur="1" fill="hold">
+                                          <p:stCondLst>
+                                            <p:cond delay="0"/>
+                                          </p:stCondLst>
+                                        </p:cTn>
+                                        <p:tgtEl>
+                                          <p:spTgt spid="64"/>
+                                        </p:tgtEl>
+                                        <p:attrNameLst>
+                                          <p:attrName>style.visibility</p:attrName>
+                                        </p:attrNameLst>
+                                      </p:cBhvr>
+                                      <p:to>
+                                        <p:strVal val="visible"/>
+                                      </p:to>
+                                    </p:set>
+                                    <p:anim calcmode="lin" valueType="num">
+                                      <p:cBhvr additive="base">
+                                        <p:cTn id="43" dur="500" fill="hold"/>
+                                        <p:tgtEl>
+                                          <p:spTgt spid="64"/>
+                                        </p:tgtEl>
+                                        <p:attrNameLst>
+                                          <p:attrName>ppt_x</p:attrName>
+                                        </p:attrNameLst>
+                                      </p:cBhvr>
+                                      <p:tavLst>
+                                        <p:tav tm="0">
+                                          <p:val>
+                                            <p:strVal val="#ppt_x"/>
+                                          </p:val>
+                                        </p:tav>
+                                        <p:tav tm="100000">
+                                          <p:val>
+                                            <p:strVal val="#ppt_x"/>
+                                          </p:val>
+                                        </p:tav>
+                                      </p:tavLst>
+                                    </p:anim>
+                                    <p:anim calcmode="lin" valueType="num">
+                                      <p:cBhvr additive="base">
+                                        <p:cTn id="44" dur="500" fill="hold"/>
+                                        <p:tgtEl>
+                                          <p:spTgt spid="64"/>
+                                        </p:tgtEl>
+                                        <p:attrNameLst>
+                                          <p:attrName>ppt_y</p:attrName>
+                                        </p:attrNameLst>
+                                      </p:cBhvr>
+                                      <p:tavLst>
+                                        <p:tav tm="0">
+                                          <p:val>
+                                            <p:strVal val="1+#ppt_h/2"/>
+                                          </p:val>
+                                        </p:tav>
+                                        <p:tav tm="100000">
+                                          <p:val>
+                                            <p:strVal val="#ppt_y"/>
+                                          </p:val>
+                                        </p:tav>
+                                      </p:tavLst>
+                                    </p:anim>
+                                  </p:childTnLst>
+                                </p:cTn>
+                              </p:par>
+                            </p:childTnLst>
+                          </p:cTn>
+                        </p:par>
+                      </p:childTnLst>
+                    </p:cTn>
+                  </p:par>
+                  <p:par>
+                    <p:cTn id="45" fill="hold">
+                      <p:stCondLst>
+                        <p:cond delay="indefinite"/>
+                      </p:stCondLst>
+                      <p:childTnLst>
+                        <p:par>
+                          <p:cTn id="46" fill="hold">
+                            <p:stCondLst>
+                              <p:cond delay="0"/>
+                            </p:stCondLst>
+                            <p:childTnLst>
+                              <p:par>
+                                <p:cTn id="47" presetID="2" presetClass="entr" presetSubtype="4" fill="hold" nodeType="clickEffect">
+                                  <p:stCondLst>
+                                    <p:cond delay="0"/>
+                                  </p:stCondLst>
+                                  <p:childTnLst>
+                                    <p:set>
+                                      <p:cBhvr>
+                                        <p:cTn id="48" dur="1" fill="hold">
+                                          <p:stCondLst>
+                                            <p:cond delay="0"/>
+                                          </p:stCondLst>
+                                        </p:cTn>
+                                        <p:tgtEl>
+                                          <p:spTgt spid="79"/>
+                                        </p:tgtEl>
+                                        <p:attrNameLst>
+                                          <p:attrName>style.visibility</p:attrName>
+                                        </p:attrNameLst>
+                                      </p:cBhvr>
+                                      <p:to>
+                                        <p:strVal val="visible"/>
+                                      </p:to>
+                                    </p:set>
+                                    <p:anim calcmode="lin" valueType="num">
+                                      <p:cBhvr additive="base">
+                                        <p:cTn id="49" dur="500" fill="hold"/>
+                                        <p:tgtEl>
+                                          <p:spTgt spid="79"/>
+                                        </p:tgtEl>
+                                        <p:attrNameLst>
+                                          <p:attrName>ppt_x</p:attrName>
+                                        </p:attrNameLst>
+                                      </p:cBhvr>
+                                      <p:tavLst>
+                                        <p:tav tm="0">
+                                          <p:val>
+                                            <p:strVal val="#ppt_x"/>
+                                          </p:val>
+                                        </p:tav>
+                                        <p:tav tm="100000">
+                                          <p:val>
+                                            <p:strVal val="#ppt_x"/>
+                                          </p:val>
+                                        </p:tav>
+                                      </p:tavLst>
+                                    </p:anim>
+                                    <p:anim calcmode="lin" valueType="num">
+                                      <p:cBhvr additive="base">
+                                        <p:cTn id="50" dur="500" fill="hold"/>
+                                        <p:tgtEl>
+                                          <p:spTgt spid="79"/>
+                                        </p:tgtEl>
+                                        <p:attrNameLst>
+                                          <p:attrName>ppt_y</p:attrName>
+                                        </p:attrNameLst>
+                                      </p:cBhvr>
+                                      <p:tavLst>
+                                        <p:tav tm="0">
+                                          <p:val>
+                                            <p:strVal val="1+#ppt_h/2"/>
+                                          </p:val>
+                                        </p:tav>
+                                        <p:tav tm="100000">
+                                          <p:val>
+                                            <p:strVal val="#ppt_y"/>
+                                          </p:val>
+                                        </p:tav>
+                                      </p:tavLst>
+                                    </p:anim>
+                                  </p:childTnLst>
+                                </p:cTn>
+                              </p:par>
+                            </p:childTnLst>
+                          </p:cTn>
+                        </p:par>
+                      </p:childTnLst>
+                    </p:cTn>
+                  </p:par>
+                  <p:par>
+                    <p:cTn id="51" fill="hold">
+                      <p:stCondLst>
+                        <p:cond delay="indefinite"/>
+                      </p:stCondLst>
+                      <p:childTnLst>
+                        <p:par>
+                          <p:cTn id="52" fill="hold">
+                            <p:stCondLst>
+                              <p:cond delay="0"/>
+                            </p:stCondLst>
+                            <p:childTnLst>
+                              <p:par>
+                                <p:cTn id="53" presetID="2" presetClass="exit" presetSubtype="4" fill="hold" nodeType="clickEffect">
+                                  <p:stCondLst>
+                                    <p:cond delay="0"/>
+                                  </p:stCondLst>
+                                  <p:childTnLst>
+                                    <p:anim calcmode="lin" valueType="num">
+                                      <p:cBhvr additive="base">
+                                        <p:cTn id="54" dur="500"/>
+                                        <p:tgtEl>
+                                          <p:spTgt spid="79"/>
+                                        </p:tgtEl>
+                                        <p:attrNameLst>
+                                          <p:attrName>ppt_x</p:attrName>
+                                        </p:attrNameLst>
+                                      </p:cBhvr>
+                                      <p:tavLst>
+                                        <p:tav tm="0">
+                                          <p:val>
+                                            <p:strVal val="ppt_x"/>
+                                          </p:val>
+                                        </p:tav>
+                                        <p:tav tm="100000">
+                                          <p:val>
+                                            <p:strVal val="ppt_x"/>
+                                          </p:val>
+                                        </p:tav>
+                                      </p:tavLst>
+                                    </p:anim>
+                                    <p:anim calcmode="lin" valueType="num">
+                                      <p:cBhvr additive="base">
+                                        <p:cTn id="55" dur="500"/>
+                                        <p:tgtEl>
+                                          <p:spTgt spid="79"/>
+                                        </p:tgtEl>
+                                        <p:attrNameLst>
+                                          <p:attrName>ppt_y</p:attrName>
+                                        </p:attrNameLst>
+                                      </p:cBhvr>
+                                      <p:tavLst>
+                                        <p:tav tm="0">
+                                          <p:val>
+                                            <p:strVal val="ppt_y"/>
+                                          </p:val>
+                                        </p:tav>
+                                        <p:tav tm="100000">
+                                          <p:val>
+                                            <p:strVal val="1+ppt_h/2"/>
+                                          </p:val>
+                                        </p:tav>
+                                      </p:tavLst>
+                                    </p:anim>
+                                    <p:set>
+                                      <p:cBhvr>
+                                        <p:cTn id="56" dur="1" fill="hold">
+                                          <p:stCondLst>
+                                            <p:cond delay="499"/>
+                                          </p:stCondLst>
+                                        </p:cTn>
+                                        <p:tgtEl>
+                                          <p:spTgt spid="79"/>
+                                        </p:tgtEl>
+                                        <p:attrNameLst>
+                                          <p:attrName>style.visibility</p:attrName>
+                                        </p:attrNameLst>
+                                      </p:cBhvr>
+                                      <p:to>
+                                        <p:strVal val="hidden"/>
+                                      </p:to>
+                                    </p:set>
+                                  </p:childTnLst>
+                                </p:cTn>
+                              </p:par>
+                            </p:childTnLst>
+                          </p:cTn>
+                        </p:par>
+                      </p:childTnLst>
+                    </p:cTn>
+                  </p:par>
+                  <p:par>
+                    <p:cTn id="57" fill="hold">
+                      <p:stCondLst>
+                        <p:cond delay="indefinite"/>
+                      </p:stCondLst>
+                      <p:childTnLst>
+                        <p:par>
+                          <p:cTn id="58" fill="hold">
+                            <p:stCondLst>
+                              <p:cond delay="0"/>
+                            </p:stCondLst>
+                            <p:childTnLst>
+                              <p:par>
+                                <p:cTn id="59" presetID="2" presetClass="entr" presetSubtype="4" fill="hold" nodeType="clickEffect">
+                                  <p:stCondLst>
+                                    <p:cond delay="0"/>
+                                  </p:stCondLst>
+                                  <p:childTnLst>
+                                    <p:set>
+                                      <p:cBhvr>
+                                        <p:cTn id="60" dur="1" fill="hold">
+                                          <p:stCondLst>
+                                            <p:cond delay="0"/>
+                                          </p:stCondLst>
+                                        </p:cTn>
+                                        <p:tgtEl>
+                                          <p:spTgt spid="80"/>
+                                        </p:tgtEl>
+                                        <p:attrNameLst>
+                                          <p:attrName>style.visibility</p:attrName>
+                                        </p:attrNameLst>
+                                      </p:cBhvr>
+                                      <p:to>
+                                        <p:strVal val="visible"/>
+                                      </p:to>
+                                    </p:set>
+                                    <p:anim calcmode="lin" valueType="num">
+                                      <p:cBhvr additive="base">
+                                        <p:cTn id="61" dur="500" fill="hold"/>
+                                        <p:tgtEl>
+                                          <p:spTgt spid="80"/>
+                                        </p:tgtEl>
+                                        <p:attrNameLst>
+                                          <p:attrName>ppt_x</p:attrName>
+                                        </p:attrNameLst>
+                                      </p:cBhvr>
+                                      <p:tavLst>
+                                        <p:tav tm="0">
+                                          <p:val>
+                                            <p:strVal val="#ppt_x"/>
+                                          </p:val>
+                                        </p:tav>
+                                        <p:tav tm="100000">
+                                          <p:val>
+                                            <p:strVal val="#ppt_x"/>
+                                          </p:val>
+                                        </p:tav>
+                                      </p:tavLst>
+                                    </p:anim>
+                                    <p:anim calcmode="lin" valueType="num">
+                                      <p:cBhvr additive="base">
+                                        <p:cTn id="62" dur="500" fill="hold"/>
+                                        <p:tgtEl>
+                                          <p:spTgt spid="80"/>
+                                        </p:tgtEl>
+                                        <p:attrNameLst>
+                                          <p:attrName>ppt_y</p:attrName>
+                                        </p:attrNameLst>
+                                      </p:cBhvr>
+                                      <p:tavLst>
+                                        <p:tav tm="0">
+                                          <p:val>
+                                            <p:strVal val="1+#ppt_h/2"/>
+                                          </p:val>
+                                        </p:tav>
+                                        <p:tav tm="100000">
+                                          <p:val>
+                                            <p:strVal val="#ppt_y"/>
+                                          </p:val>
+                                        </p:tav>
+                                      </p:tavLst>
+                                    </p:anim>
+                                  </p:childTnLst>
+                                </p:cTn>
+                              </p:par>
+                            </p:childTnLst>
+                          </p:cTn>
+                        </p:par>
+                      </p:childTnLst>
+                    </p:cTn>
+                  </p:par>
+                  <p:par>
+                    <p:cTn id="63" fill="hold">
+                      <p:stCondLst>
+                        <p:cond delay="indefinite"/>
+                      </p:stCondLst>
+                      <p:childTnLst>
+                        <p:par>
+                          <p:cTn id="64" fill="hold">
+                            <p:stCondLst>
+                              <p:cond delay="0"/>
+                            </p:stCondLst>
+                            <p:childTnLst>
+                              <p:par>
+                                <p:cTn id="65" presetID="2" presetClass="exit" presetSubtype="4" fill="hold" nodeType="clickEffect">
+                                  <p:stCondLst>
+                                    <p:cond delay="0"/>
+                                  </p:stCondLst>
+                                  <p:childTnLst>
+                                    <p:anim calcmode="lin" valueType="num">
+                                      <p:cBhvr additive="base">
+                                        <p:cTn id="66" dur="500"/>
+                                        <p:tgtEl>
+                                          <p:spTgt spid="80"/>
+                                        </p:tgtEl>
+                                        <p:attrNameLst>
+                                          <p:attrName>ppt_x</p:attrName>
+                                        </p:attrNameLst>
+                                      </p:cBhvr>
+                                      <p:tavLst>
+                                        <p:tav tm="0">
+                                          <p:val>
+                                            <p:strVal val="ppt_x"/>
+                                          </p:val>
+                                        </p:tav>
+                                        <p:tav tm="100000">
+                                          <p:val>
+                                            <p:strVal val="ppt_x"/>
+                                          </p:val>
+                                        </p:tav>
+                                      </p:tavLst>
+                                    </p:anim>
+                                    <p:anim calcmode="lin" valueType="num">
+                                      <p:cBhvr additive="base">
+                                        <p:cTn id="67" dur="500"/>
+                                        <p:tgtEl>
+                                          <p:spTgt spid="80"/>
+                                        </p:tgtEl>
+                                        <p:attrNameLst>
+                                          <p:attrName>ppt_y</p:attrName>
+                                        </p:attrNameLst>
+                                      </p:cBhvr>
+                                      <p:tavLst>
+                                        <p:tav tm="0">
+                                          <p:val>
+                                            <p:strVal val="ppt_y"/>
+                                          </p:val>
+                                        </p:tav>
+                                        <p:tav tm="100000">
+                                          <p:val>
+                                            <p:strVal val="1+ppt_h/2"/>
+                                          </p:val>
+                                        </p:tav>
+                                      </p:tavLst>
+                                    </p:anim>
+                                    <p:set>
+                                      <p:cBhvr>
+                                        <p:cTn id="68" dur="1" fill="hold">
+                                          <p:stCondLst>
+                                            <p:cond delay="499"/>
+                                          </p:stCondLst>
+                                        </p:cTn>
+                                        <p:tgtEl>
+                                          <p:spTgt spid="80"/>
+                                        </p:tgtEl>
+                                        <p:attrNameLst>
+                                          <p:attrName>style.visibility</p:attrName>
+                                        </p:attrNameLst>
+                                      </p:cBhvr>
+                                      <p:to>
+                                        <p:strVal val="hidden"/>
+                                      </p:to>
+                                    </p:set>
+                                  </p:childTnLst>
+                                </p:cTn>
+                              </p:par>
+                            </p:childTnLst>
+                          </p:cTn>
+                        </p:par>
+                      </p:childTnLst>
+                    </p:cTn>
+                  </p:par>
+                  <p:par>
+                    <p:cTn id="69" fill="hold">
+                      <p:stCondLst>
+                        <p:cond delay="indefinite"/>
+                      </p:stCondLst>
+                      <p:childTnLst>
+                        <p:par>
+                          <p:cTn id="70" fill="hold">
+                            <p:stCondLst>
+                              <p:cond delay="0"/>
+                            </p:stCondLst>
+                            <p:childTnLst>
+                              <p:par>
+                                <p:cTn id="71" presetID="2" presetClass="entr" presetSubtype="4" fill="hold" nodeType="clickEffect">
+                                  <p:stCondLst>
+                                    <p:cond delay="0"/>
+                                  </p:stCondLst>
+                                  <p:childTnLst>
+                                    <p:set>
+                                      <p:cBhvr>
+                                        <p:cTn id="72" dur="1" fill="hold">
+                                          <p:stCondLst>
+                                            <p:cond delay="0"/>
+                                          </p:stCondLst>
+                                        </p:cTn>
+                                        <p:tgtEl>
+                                          <p:spTgt spid="81"/>
+                                        </p:tgtEl>
+                                        <p:attrNameLst>
+                                          <p:attrName>style.visibility</p:attrName>
+                                        </p:attrNameLst>
+                                      </p:cBhvr>
+                                      <p:to>
+                                        <p:strVal val="visible"/>
+                                      </p:to>
+                                    </p:set>
+                                    <p:anim calcmode="lin" valueType="num">
+                                      <p:cBhvr additive="base">
+                                        <p:cTn id="73" dur="500" fill="hold"/>
+                                        <p:tgtEl>
+                                          <p:spTgt spid="81"/>
+                                        </p:tgtEl>
+                                        <p:attrNameLst>
+                                          <p:attrName>ppt_x</p:attrName>
+                                        </p:attrNameLst>
+                                      </p:cBhvr>
+                                      <p:tavLst>
+                                        <p:tav tm="0">
+                                          <p:val>
+                                            <p:strVal val="#ppt_x"/>
+                                          </p:val>
+                                        </p:tav>
+                                        <p:tav tm="100000">
+                                          <p:val>
+                                            <p:strVal val="#ppt_x"/>
+                                          </p:val>
+                                        </p:tav>
+                                      </p:tavLst>
+                                    </p:anim>
+                                    <p:anim calcmode="lin" valueType="num">
+                                      <p:cBhvr additive="base">
+                                        <p:cTn id="74" dur="500" fill="hold"/>
+                                        <p:tgtEl>
+                                          <p:spTgt spid="81"/>
+                                        </p:tgtEl>
+                                        <p:attrNameLst>
+                                          <p:attrName>ppt_y</p:attrName>
+                                        </p:attrNameLst>
+                                      </p:cBhvr>
+                                      <p:tavLst>
+                                        <p:tav tm="0">
+                                          <p:val>
+                                            <p:strVal val="1+#ppt_h/2"/>
+                                          </p:val>
+                                        </p:tav>
+                                        <p:tav tm="100000">
+                                          <p:val>
+                                            <p:strVal val="#ppt_y"/>
+                                          </p:val>
+                                        </p:tav>
+                                      </p:tavLst>
+                                    </p:anim>
+                                  </p:childTnLst>
+                                </p:cTn>
+                              </p:par>
+                            </p:childTnLst>
+                          </p:cTn>
+                        </p:par>
+                      </p:childTnLst>
+                    </p:cTn>
+                  </p:par>
+                  <p:par>
+                    <p:cTn id="75" fill="hold">
+                      <p:stCondLst>
+                        <p:cond delay="indefinite"/>
+                      </p:stCondLst>
+                      <p:childTnLst>
+                        <p:par>
+                          <p:cTn id="76" fill="hold">
+                            <p:stCondLst>
+                              <p:cond delay="0"/>
+                            </p:stCondLst>
+                            <p:childTnLst>
+                              <p:par>
+                                <p:cTn id="77" presetID="2" presetClass="exit" presetSubtype="4" fill="hold" nodeType="clickEffect">
+                                  <p:stCondLst>
+                                    <p:cond delay="0"/>
+                                  </p:stCondLst>
+                                  <p:childTnLst>
+                                    <p:anim calcmode="lin" valueType="num">
+                                      <p:cBhvr additive="base">
+                                        <p:cTn id="78" dur="500"/>
+                                        <p:tgtEl>
+                                          <p:spTgt spid="81"/>
+                                        </p:tgtEl>
+                                        <p:attrNameLst>
+                                          <p:attrName>ppt_x</p:attrName>
+                                        </p:attrNameLst>
+                                      </p:cBhvr>
+                                      <p:tavLst>
+                                        <p:tav tm="0">
+                                          <p:val>
+                                            <p:strVal val="ppt_x"/>
+                                          </p:val>
+                                        </p:tav>
+                                        <p:tav tm="100000">
+                                          <p:val>
+                                            <p:strVal val="ppt_x"/>
+                                          </p:val>
+                                        </p:tav>
+                                      </p:tavLst>
+                                    </p:anim>
+                                    <p:anim calcmode="lin" valueType="num">
+                                      <p:cBhvr additive="base">
+                                        <p:cTn id="79" dur="500"/>
+                                        <p:tgtEl>
+                                          <p:spTgt spid="81"/>
+                                        </p:tgtEl>
+                                        <p:attrNameLst>
+                                          <p:attrName>ppt_y</p:attrName>
+                                        </p:attrNameLst>
+                                      </p:cBhvr>
+                                      <p:tavLst>
+                                        <p:tav tm="0">
+                                          <p:val>
+                                            <p:strVal val="ppt_y"/>
+                                          </p:val>
+                                        </p:tav>
+                                        <p:tav tm="100000">
+                                          <p:val>
+                                            <p:strVal val="1+ppt_h/2"/>
+                                          </p:val>
+                                        </p:tav>
+                                      </p:tavLst>
+                                    </p:anim>
+                                    <p:set>
+                                      <p:cBhvr>
+                                        <p:cTn id="80" dur="1" fill="hold">
+                                          <p:stCondLst>
+                                            <p:cond delay="499"/>
+                                          </p:stCondLst>
+                                        </p:cTn>
+                                        <p:tgtEl>
+                                          <p:spTgt spid="81"/>
+                                        </p:tgtEl>
+                                        <p:attrNameLst>
+                                          <p:attrName>style.visibility</p:attrName>
+                                        </p:attrNameLst>
+                                      </p:cBhvr>
+                                      <p:to>
+                                        <p:strVal val="hidden"/>
+                                      </p:to>
+                                    </p:set>
+                                  </p:childTnLst>
+                                </p:cTn>
+                              </p:par>
+                            </p:childTnLst>
+                          </p:cTn>
+                        </p:par>
+                      </p:childTnLst>
+                    </p:cTn>
+                  </p:par>
+                  <p:par>
+                    <p:cTn id="81" fill="hold">
+                      <p:stCondLst>
+                        <p:cond delay="indefinite"/>
+                      </p:stCondLst>
+                      <p:childTnLst>
+                        <p:par>
+                          <p:cTn id="82" fill="hold">
+                            <p:stCondLst>
+                              <p:cond delay="0"/>
+                            </p:stCondLst>
+                            <p:childTnLst>
+                              <p:par>
+                                <p:cTn id="83" presetID="2" presetClass="entr" presetSubtype="4" fill="hold" nodeType="clickEffect">
+                                  <p:stCondLst>
+                                    <p:cond delay="0"/>
+                                  </p:stCondLst>
+                                  <p:childTnLst>
+                                    <p:set>
+                                      <p:cBhvr>
+                                        <p:cTn id="84" dur="1" fill="hold">
+                                          <p:stCondLst>
+                                            <p:cond delay="0"/>
+                                          </p:stCondLst>
+                                        </p:cTn>
+                                        <p:tgtEl>
+                                          <p:spTgt spid="82"/>
+                                        </p:tgtEl>
+                                        <p:attrNameLst>
+                                          <p:attrName>style.visibility</p:attrName>
+                                        </p:attrNameLst>
+                                      </p:cBhvr>
+                                      <p:to>
+                                        <p:strVal val="visible"/>
+                                      </p:to>
+                                    </p:set>
+                                    <p:anim calcmode="lin" valueType="num">
+                                      <p:cBhvr additive="base">
+                                        <p:cTn id="85" dur="500" fill="hold"/>
+                                        <p:tgtEl>
+                                          <p:spTgt spid="82"/>
+                                        </p:tgtEl>
+                                        <p:attrNameLst>
+                                          <p:attrName>ppt_x</p:attrName>
+                                        </p:attrNameLst>
+                                      </p:cBhvr>
+                                      <p:tavLst>
+                                        <p:tav tm="0">
+                                          <p:val>
+                                            <p:strVal val="#ppt_x"/>
+                                          </p:val>
+                                        </p:tav>
+                                        <p:tav tm="100000">
+                                          <p:val>
+                                            <p:strVal val="#ppt_x"/>
+                                          </p:val>
+                                        </p:tav>
+                                      </p:tavLst>
+                                    </p:anim>
+                                    <p:anim calcmode="lin" valueType="num">
+                                      <p:cBhvr additive="base">
+                                        <p:cTn id="86" dur="500" fill="hold"/>
+                                        <p:tgtEl>
+                                          <p:spTgt spid="82"/>
+                                        </p:tgtEl>
+                                        <p:attrNameLst>
+                                          <p:attrName>ppt_y</p:attrName>
+                                        </p:attrNameLst>
+                                      </p:cBhvr>
+                                      <p:tavLst>
+                                        <p:tav tm="0">
+                                          <p:val>
+                                            <p:strVal val="1+#ppt_h/2"/>
+                                          </p:val>
+                                        </p:tav>
+                                        <p:tav tm="100000">
+                                          <p:val>
+                                            <p:strVal val="#ppt_y"/>
+                                          </p:val>
+                                        </p:tav>
+                                      </p:tavLst>
+                                    </p:anim>
+                                  </p:childTnLst>
+                                </p:cTn>
+                              </p:par>
+                            </p:childTnLst>
+                          </p:cTn>
+                        </p:par>
+                      </p:childTnLst>
+                    </p:cTn>
+                  </p:par>
+                  <p:par>
+                    <p:cTn id="87" fill="hold">
+                      <p:stCondLst>
+                        <p:cond delay="indefinite"/>
+                      </p:stCondLst>
+                      <p:childTnLst>
+                        <p:par>
+                          <p:cTn id="88" fill="hold">
+                            <p:stCondLst>
+                              <p:cond delay="0"/>
+                            </p:stCondLst>
+                            <p:childTnLst>
+                              <p:par>
+                                <p:cTn id="89" presetID="2" presetClass="exit" presetSubtype="4" fill="hold" nodeType="clickEffect">
+                                  <p:stCondLst>
+                                    <p:cond delay="0"/>
+                                  </p:stCondLst>
+                                  <p:childTnLst>
+                                    <p:anim calcmode="lin" valueType="num">
+                                      <p:cBhvr additive="base">
+                                        <p:cTn id="90" dur="500"/>
+                                        <p:tgtEl>
+                                          <p:spTgt spid="82"/>
+                                        </p:tgtEl>
+                                        <p:attrNameLst>
+                                          <p:attrName>ppt_x</p:attrName>
+                                        </p:attrNameLst>
+                                      </p:cBhvr>
+                                      <p:tavLst>
+                                        <p:tav tm="0">
+                                          <p:val>
+                                            <p:strVal val="ppt_x"/>
+                                          </p:val>
+                                        </p:tav>
+                                        <p:tav tm="100000">
+                                          <p:val>
+                                            <p:strVal val="ppt_x"/>
+                                          </p:val>
+                                        </p:tav>
+                                      </p:tavLst>
+                                    </p:anim>
+                                    <p:anim calcmode="lin" valueType="num">
+                                      <p:cBhvr additive="base">
+                                        <p:cTn id="91" dur="500"/>
+                                        <p:tgtEl>
+                                          <p:spTgt spid="82"/>
+                                        </p:tgtEl>
+                                        <p:attrNameLst>
+                                          <p:attrName>ppt_y</p:attrName>
+                                        </p:attrNameLst>
+                                      </p:cBhvr>
+                                      <p:tavLst>
+                                        <p:tav tm="0">
+                                          <p:val>
+                                            <p:strVal val="ppt_y"/>
+                                          </p:val>
+                                        </p:tav>
+                                        <p:tav tm="100000">
+                                          <p:val>
+                                            <p:strVal val="1+ppt_h/2"/>
+                                          </p:val>
+                                        </p:tav>
+                                      </p:tavLst>
+                                    </p:anim>
+                                    <p:set>
+                                      <p:cBhvr>
+                                        <p:cTn id="92" dur="1" fill="hold">
+                                          <p:stCondLst>
+                                            <p:cond delay="499"/>
+                                          </p:stCondLst>
+                                        </p:cTn>
+                                        <p:tgtEl>
+                                          <p:spTgt spid="82"/>
+                                        </p:tgtEl>
+                                        <p:attrNameLst>
+                                          <p:attrName>style.visibility</p:attrName>
+                                        </p:attrNameLst>
+                                      </p:cBhvr>
+                                      <p:to>
+                                        <p:strVal val="hidden"/>
+                                      </p:to>
+                                    </p:set>
+                                  </p:childTnLst>
+                                </p:cTn>
+                              </p:par>
+                            </p:childTnLst>
+                          </p:cTn>
+                        </p:par>
+                      </p:childTnLst>
+                    </p:cTn>
+                  </p:par>
+                  <p:par>
+                    <p:cTn id="93" fill="hold">
+                      <p:stCondLst>
+                        <p:cond delay="indefinite"/>
+                      </p:stCondLst>
+                      <p:childTnLst>
+                        <p:par>
+                          <p:cTn id="94" fill="hold">
+                            <p:stCondLst>
+                              <p:cond delay="0"/>
+                            </p:stCondLst>
+                            <p:childTnLst>
+                              <p:par>
+                                <p:cTn id="95" presetID="2" presetClass="entr" presetSubtype="4" fill="hold" nodeType="clickEffect">
+                                  <p:stCondLst>
+                                    <p:cond delay="0"/>
+                                  </p:stCondLst>
+                                  <p:childTnLst>
+                                    <p:set>
+                                      <p:cBhvr>
+                                        <p:cTn id="96" dur="1" fill="hold">
+                                          <p:stCondLst>
+                                            <p:cond delay="0"/>
+                                          </p:stCondLst>
+                                        </p:cTn>
+                                        <p:tgtEl>
+                                          <p:spTgt spid="84"/>
+                                        </p:tgtEl>
+                                        <p:attrNameLst>
+                                          <p:attrName>style.visibility</p:attrName>
+                                        </p:attrNameLst>
+                                      </p:cBhvr>
+                                      <p:to>
+                                        <p:strVal val="visible"/>
+                                      </p:to>
+                                    </p:set>
+                                    <p:anim calcmode="lin" valueType="num">
+                                      <p:cBhvr additive="base">
+                                        <p:cTn id="97" dur="500" fill="hold"/>
+                                        <p:tgtEl>
+                                          <p:spTgt spid="84"/>
+                                        </p:tgtEl>
+                                        <p:attrNameLst>
+                                          <p:attrName>ppt_x</p:attrName>
+                                        </p:attrNameLst>
+                                      </p:cBhvr>
+                                      <p:tavLst>
+                                        <p:tav tm="0">
+                                          <p:val>
+                                            <p:strVal val="#ppt_x"/>
+                                          </p:val>
+                                        </p:tav>
+                                        <p:tav tm="100000">
+                                          <p:val>
+                                            <p:strVal val="#ppt_x"/>
+                                          </p:val>
+                                        </p:tav>
+                                      </p:tavLst>
+                                    </p:anim>
+                                    <p:anim calcmode="lin" valueType="num">
+                                      <p:cBhvr additive="base">
+                                        <p:cTn id="98" dur="500" fill="hold"/>
+                                        <p:tgtEl>
+                                          <p:spTgt spid="84"/>
+                                        </p:tgtEl>
+                                        <p:attrNameLst>
+                                          <p:attrName>ppt_y</p:attrName>
+                                        </p:attrNameLst>
+                                      </p:cBhvr>
+                                      <p:tavLst>
+                                        <p:tav tm="0">
+                                          <p:val>
+                                            <p:strVal val="1+#ppt_h/2"/>
+                                          </p:val>
+                                        </p:tav>
+                                        <p:tav tm="100000">
+                                          <p:val>
+                                            <p:strVal val="#ppt_y"/>
+                                          </p:val>
+                                        </p:tav>
+                                      </p:tavLst>
+                                    </p:anim>
+                                  </p:childTnLst>
+                                </p:cTn>
+                              </p:par>
+                            </p:childTnLst>
+                          </p:cTn>
+                        </p:par>
+                      </p:childTnLst>
+                    </p:cTn>
+                  </p:par>
+                  <p:par>
+                    <p:cTn id="99" fill="hold">
+                      <p:stCondLst>
+                        <p:cond delay="indefinite"/>
+                      </p:stCondLst>
+                      <p:childTnLst>
+                        <p:par>
+                          <p:cTn id="100" fill="hold">
+                            <p:stCondLst>
+                              <p:cond delay="0"/>
+                            </p:stCondLst>
+                            <p:childTnLst>
+                              <p:par>
+                                <p:cTn id="101" presetID="2" presetClass="exit" presetSubtype="4" fill="hold" nodeType="clickEffect">
+                                  <p:stCondLst>
+                                    <p:cond delay="0"/>
+                                  </p:stCondLst>
+                                  <p:childTnLst>
+                                    <p:anim calcmode="lin" valueType="num">
+                                      <p:cBhvr additive="base">
+                                        <p:cTn id="102" dur="500"/>
+                                        <p:tgtEl>
+                                          <p:spTgt spid="84"/>
+                                        </p:tgtEl>
+                                        <p:attrNameLst>
+                                          <p:attrName>ppt_x</p:attrName>
+                                        </p:attrNameLst>
+                                      </p:cBhvr>
+                                      <p:tavLst>
+                                        <p:tav tm="0">
+                                          <p:val>
+                                            <p:strVal val="ppt_x"/>
+                                          </p:val>
+                                        </p:tav>
+                                        <p:tav tm="100000">
+                                          <p:val>
+                                            <p:strVal val="ppt_x"/>
+                                          </p:val>
+                                        </p:tav>
+                                      </p:tavLst>
+                                    </p:anim>
+                                    <p:anim calcmode="lin" valueType="num">
+                                      <p:cBhvr additive="base">
+                                        <p:cTn id="103" dur="500"/>
+                                        <p:tgtEl>
+                                          <p:spTgt spid="84"/>
+                                        </p:tgtEl>
+                                        <p:attrNameLst>
+                                          <p:attrName>ppt_y</p:attrName>
+                                        </p:attrNameLst>
+                                      </p:cBhvr>
+                                      <p:tavLst>
+                                        <p:tav tm="0">
+                                          <p:val>
+                                            <p:strVal val="ppt_y"/>
+                                          </p:val>
+                                        </p:tav>
+                                        <p:tav tm="100000">
+                                          <p:val>
+                                            <p:strVal val="1+ppt_h/2"/>
+                                          </p:val>
+                                        </p:tav>
+                                      </p:tavLst>
+                                    </p:anim>
+                                    <p:set>
+                                      <p:cBhvr>
+                                        <p:cTn id="104" dur="1" fill="hold">
+                                          <p:stCondLst>
+                                            <p:cond delay="499"/>
+                                          </p:stCondLst>
+                                        </p:cTn>
+                                        <p:tgtEl>
+                                          <p:spTgt spid="84"/>
+                                        </p:tgtEl>
+                                        <p:attrNameLst>
+                                          <p:attrName>style.visibility</p:attrName>
+                                        </p:attrNameLst>
+                                      </p:cBhvr>
+                                      <p:to>
+                                        <p:strVal val="hidden"/>
+                                      </p:to>
+                                    </p:set>
+                                  </p:childTnLst>
+                                </p:cTn>
+                              </p:par>
+                            </p:childTnLst>
+                          </p:cTn>
+                        </p:par>
+                      </p:childTnLst>
+                    </p:cTn>
+                  </p:par>
+                </p:childTnLst>
+              </p:cTn>
+              <p:prevCondLst>
+                <p:cond evt="onPrev" delay="0">
+                  <p:tgtEl>
+                    <p:sldTgt/>
+                  </p:tgtEl>
+                </p:cond>
+              </p:prevCondLst>
+              <p:nextCondLst>
+                <p:cond evt="onNext" delay="0">
+                  <p:tgtEl>
+                    <p:sldTgt/>
+                  </p:tgtEl>
+                </p:cond>
+              </p:nextCondLst>
+            </p:seq>
+          </p:childTnLst>
+        </p:cTn>
       </p:par>
     </p:tnLst>
+    <p:bldLst>
+      <p:bldP spid="50" grpId="0"/>
+      <p:bldP spid="87" grpId="0"/>
+    </p:bldLst>
   </p:timing>
 </p:sld>
 </file>
@@ -8324,735 +11494,6 @@
           </a:p>
         </p:txBody>
       </p:sp>
-      <p:graphicFrame>
-        <p:nvGraphicFramePr>
-          <p:cNvPr id="4" name="内容占位符 3"/>
-          <p:cNvGraphicFramePr>
-            <a:graphicFrameLocks noGrp="1"/>
-          </p:cNvGraphicFramePr>
-          <p:nvPr>
-            <p:ph idx="1"/>
-            <p:extLst>
-              <p:ext uri="{D42A27DB-BD31-4B8C-83A1-F6EECF244321}">
-                <p14:modId xmlns:p14="http://schemas.microsoft.com/office/powerpoint/2010/main" val="1426472014"/>
-              </p:ext>
-            </p:extLst>
-          </p:nvPr>
-        </p:nvGraphicFramePr>
-        <p:xfrm>
-          <a:off x="3408216" y="2047008"/>
-          <a:ext cx="5538357" cy="3605647"/>
-        </p:xfrm>
-        <a:graphic>
-          <a:graphicData uri="http://schemas.openxmlformats.org/drawingml/2006/table">
-            <a:tbl>
-              <a:tblPr firstRow="1" firstCol="1" bandRow="1">
-                <a:tableStyleId>{5C22544A-7EE6-4342-B048-85BDC9FD1C3A}</a:tableStyleId>
-              </a:tblPr>
-              <a:tblGrid>
-                <a:gridCol w="546872"/>
-                <a:gridCol w="4991485"/>
-              </a:tblGrid>
-              <a:tr h="364322">
-                <a:tc gridSpan="2">
-                  <a:txBody>
-                    <a:bodyPr/>
-                    <a:lstStyle/>
-                    <a:p>
-                      <a:pPr algn="ctr">
-                        <a:lnSpc>
-                          <a:spcPts val="2200"/>
-                        </a:lnSpc>
-                        <a:spcAft>
-                          <a:spcPts val="0"/>
-                        </a:spcAft>
-                      </a:pPr>
-                      <a:r>
-                        <a:rPr lang="en-US" sz="2000" kern="100" dirty="0">
-                          <a:effectLst/>
-                        </a:rPr>
-                        <a:t>IEPSM1</a:t>
-                      </a:r>
-                      <a:r>
-                        <a:rPr lang="zh-CN" sz="2000" kern="100" dirty="0">
-                          <a:effectLst/>
-                        </a:rPr>
-                        <a:t>算法</a:t>
-                      </a:r>
-                      <a:endParaRPr lang="zh-CN" sz="1600" kern="100" dirty="0">
-                        <a:effectLst/>
-                        <a:latin typeface="Times New Roman" panose="02020603050405020304" pitchFamily="18" charset="0"/>
-                        <a:ea typeface="宋体" panose="02010600030101010101" pitchFamily="2" charset="-122"/>
-                      </a:endParaRPr>
-                    </a:p>
-                  </a:txBody>
-                  <a:tcPr marL="68580" marR="68580" marT="0" marB="0"/>
-                </a:tc>
-                <a:tc hMerge="1">
-                  <a:txBody>
-                    <a:bodyPr/>
-                    <a:lstStyle/>
-                    <a:p>
-                      <a:endParaRPr lang="zh-CN" altLang="en-US"/>
-                    </a:p>
-                  </a:txBody>
-                  <a:tcPr/>
-                </a:tc>
-              </a:tr>
-              <a:tr h="3241325">
-                <a:tc>
-                  <a:txBody>
-                    <a:bodyPr/>
-                    <a:lstStyle/>
-                    <a:p>
-                      <a:pPr algn="just">
-                        <a:spcBef>
-                          <a:spcPts val="900"/>
-                        </a:spcBef>
-                        <a:spcAft>
-                          <a:spcPts val="0"/>
-                        </a:spcAft>
-                      </a:pPr>
-                      <a:r>
-                        <a:rPr lang="en-US" sz="1400" kern="50">
-                          <a:effectLst/>
-                        </a:rPr>
-                        <a:t>01</a:t>
-                      </a:r>
-                      <a:endParaRPr lang="zh-CN" sz="1400" kern="50">
-                        <a:effectLst/>
-                      </a:endParaRPr>
-                    </a:p>
-                    <a:p>
-                      <a:pPr algn="just">
-                        <a:spcAft>
-                          <a:spcPts val="0"/>
-                        </a:spcAft>
-                      </a:pPr>
-                      <a:r>
-                        <a:rPr lang="en-US" sz="1400" kern="50">
-                          <a:effectLst/>
-                        </a:rPr>
-                        <a:t>02</a:t>
-                      </a:r>
-                      <a:endParaRPr lang="zh-CN" sz="1400" kern="50">
-                        <a:effectLst/>
-                      </a:endParaRPr>
-                    </a:p>
-                    <a:p>
-                      <a:pPr algn="just">
-                        <a:spcAft>
-                          <a:spcPts val="0"/>
-                        </a:spcAft>
-                      </a:pPr>
-                      <a:r>
-                        <a:rPr lang="en-US" sz="1400" kern="50">
-                          <a:effectLst/>
-                        </a:rPr>
-                        <a:t>03</a:t>
-                      </a:r>
-                      <a:endParaRPr lang="zh-CN" sz="1400" kern="50">
-                        <a:effectLst/>
-                      </a:endParaRPr>
-                    </a:p>
-                    <a:p>
-                      <a:pPr algn="just">
-                        <a:spcAft>
-                          <a:spcPts val="0"/>
-                        </a:spcAft>
-                      </a:pPr>
-                      <a:r>
-                        <a:rPr lang="en-US" sz="1400" kern="50">
-                          <a:effectLst/>
-                        </a:rPr>
-                        <a:t>04</a:t>
-                      </a:r>
-                      <a:endParaRPr lang="zh-CN" sz="1400" kern="50">
-                        <a:effectLst/>
-                      </a:endParaRPr>
-                    </a:p>
-                    <a:p>
-                      <a:pPr algn="just">
-                        <a:spcAft>
-                          <a:spcPts val="0"/>
-                        </a:spcAft>
-                      </a:pPr>
-                      <a:r>
-                        <a:rPr lang="en-US" sz="1400" kern="50">
-                          <a:effectLst/>
-                        </a:rPr>
-                        <a:t>05</a:t>
-                      </a:r>
-                      <a:endParaRPr lang="zh-CN" sz="1400" kern="50">
-                        <a:effectLst/>
-                      </a:endParaRPr>
-                    </a:p>
-                    <a:p>
-                      <a:pPr algn="just">
-                        <a:spcAft>
-                          <a:spcPts val="0"/>
-                        </a:spcAft>
-                      </a:pPr>
-                      <a:r>
-                        <a:rPr lang="en-US" sz="1400" kern="50">
-                          <a:effectLst/>
-                        </a:rPr>
-                        <a:t>06</a:t>
-                      </a:r>
-                      <a:endParaRPr lang="zh-CN" sz="1400" kern="50">
-                        <a:effectLst/>
-                      </a:endParaRPr>
-                    </a:p>
-                    <a:p>
-                      <a:pPr algn="just">
-                        <a:spcAft>
-                          <a:spcPts val="0"/>
-                        </a:spcAft>
-                      </a:pPr>
-                      <a:r>
-                        <a:rPr lang="en-US" sz="1400" kern="50">
-                          <a:effectLst/>
-                        </a:rPr>
-                        <a:t>07</a:t>
-                      </a:r>
-                      <a:endParaRPr lang="zh-CN" sz="1400" kern="50">
-                        <a:effectLst/>
-                      </a:endParaRPr>
-                    </a:p>
-                    <a:p>
-                      <a:pPr algn="just">
-                        <a:spcAft>
-                          <a:spcPts val="0"/>
-                        </a:spcAft>
-                      </a:pPr>
-                      <a:r>
-                        <a:rPr lang="en-US" sz="1400" kern="50">
-                          <a:effectLst/>
-                        </a:rPr>
-                        <a:t>08</a:t>
-                      </a:r>
-                      <a:endParaRPr lang="zh-CN" sz="1400" kern="50">
-                        <a:effectLst/>
-                      </a:endParaRPr>
-                    </a:p>
-                    <a:p>
-                      <a:pPr algn="just">
-                        <a:spcAft>
-                          <a:spcPts val="0"/>
-                        </a:spcAft>
-                      </a:pPr>
-                      <a:r>
-                        <a:rPr lang="en-US" sz="1400" kern="50">
-                          <a:effectLst/>
-                        </a:rPr>
-                        <a:t>09</a:t>
-                      </a:r>
-                      <a:endParaRPr lang="zh-CN" sz="1400" kern="50">
-                        <a:effectLst/>
-                      </a:endParaRPr>
-                    </a:p>
-                    <a:p>
-                      <a:pPr algn="just">
-                        <a:spcAft>
-                          <a:spcPts val="0"/>
-                        </a:spcAft>
-                      </a:pPr>
-                      <a:r>
-                        <a:rPr lang="en-US" sz="1400" kern="50">
-                          <a:effectLst/>
-                        </a:rPr>
-                        <a:t>10</a:t>
-                      </a:r>
-                      <a:endParaRPr lang="zh-CN" sz="1400" kern="50">
-                        <a:effectLst/>
-                      </a:endParaRPr>
-                    </a:p>
-                    <a:p>
-                      <a:pPr algn="just">
-                        <a:spcAft>
-                          <a:spcPts val="0"/>
-                        </a:spcAft>
-                      </a:pPr>
-                      <a:r>
-                        <a:rPr lang="en-US" sz="1400" kern="50">
-                          <a:effectLst/>
-                        </a:rPr>
-                        <a:t>11</a:t>
-                      </a:r>
-                      <a:endParaRPr lang="zh-CN" sz="1400" kern="50">
-                        <a:effectLst/>
-                      </a:endParaRPr>
-                    </a:p>
-                    <a:p>
-                      <a:pPr algn="just">
-                        <a:spcAft>
-                          <a:spcPts val="0"/>
-                        </a:spcAft>
-                      </a:pPr>
-                      <a:r>
-                        <a:rPr lang="en-US" sz="1400" kern="50">
-                          <a:effectLst/>
-                        </a:rPr>
-                        <a:t>12</a:t>
-                      </a:r>
-                      <a:endParaRPr lang="zh-CN" sz="1400" kern="50">
-                        <a:effectLst/>
-                      </a:endParaRPr>
-                    </a:p>
-                    <a:p>
-                      <a:pPr algn="just">
-                        <a:spcAft>
-                          <a:spcPts val="0"/>
-                        </a:spcAft>
-                      </a:pPr>
-                      <a:r>
-                        <a:rPr lang="en-US" sz="1400" kern="50">
-                          <a:effectLst/>
-                        </a:rPr>
-                        <a:t>13</a:t>
-                      </a:r>
-                      <a:endParaRPr lang="zh-CN" sz="1400" kern="50">
-                        <a:effectLst/>
-                      </a:endParaRPr>
-                    </a:p>
-                    <a:p>
-                      <a:pPr algn="just">
-                        <a:spcAft>
-                          <a:spcPts val="0"/>
-                        </a:spcAft>
-                      </a:pPr>
-                      <a:r>
-                        <a:rPr lang="en-US" sz="1400" kern="50">
-                          <a:effectLst/>
-                        </a:rPr>
-                        <a:t>14</a:t>
-                      </a:r>
-                      <a:endParaRPr lang="zh-CN" sz="1400" kern="50">
-                        <a:effectLst/>
-                        <a:latin typeface="DejaVu Sans Mono"/>
-                        <a:ea typeface="AR PL KaitiM GB"/>
-                        <a:cs typeface="DejaVu Sans Mono"/>
-                      </a:endParaRPr>
-                    </a:p>
-                  </a:txBody>
-                  <a:tcPr marL="68580" marR="68580" marT="0" marB="0"/>
-                </a:tc>
-                <a:tc>
-                  <a:txBody>
-                    <a:bodyPr/>
-                    <a:lstStyle/>
-                    <a:p>
-                      <a:pPr algn="just">
-                        <a:spcBef>
-                          <a:spcPts val="900"/>
-                        </a:spcBef>
-                        <a:spcAft>
-                          <a:spcPts val="0"/>
-                        </a:spcAft>
-                      </a:pPr>
-                      <a:r>
-                        <a:rPr lang="en-US" sz="1400" kern="50" dirty="0">
-                          <a:effectLst/>
-                        </a:rPr>
-                        <a:t>Prepare(</a:t>
-                      </a:r>
-                      <a:r>
-                        <a:rPr lang="en-US" sz="1400" kern="50" dirty="0" err="1">
-                          <a:effectLst/>
-                        </a:rPr>
-                        <a:t>P,m,T,n</a:t>
-                      </a:r>
-                      <a:r>
-                        <a:rPr lang="en-US" sz="1400" kern="50" dirty="0">
-                          <a:effectLst/>
-                        </a:rPr>
-                        <a:t>)</a:t>
-                      </a:r>
-                      <a:endParaRPr lang="zh-CN" sz="1400" kern="50" dirty="0">
-                        <a:effectLst/>
-                      </a:endParaRPr>
-                    </a:p>
-                    <a:p>
-                      <a:pPr algn="just">
-                        <a:spcAft>
-                          <a:spcPts val="0"/>
-                        </a:spcAft>
-                      </a:pPr>
-                      <a:r>
-                        <a:rPr lang="en-US" sz="1400" kern="50" dirty="0">
-                          <a:effectLst/>
-                        </a:rPr>
-                        <a:t>For </a:t>
-                      </a:r>
-                      <a:r>
-                        <a:rPr lang="en-US" sz="1400" kern="50" dirty="0" err="1">
-                          <a:effectLst/>
-                        </a:rPr>
-                        <a:t>i</a:t>
-                      </a:r>
-                      <a:r>
-                        <a:rPr lang="en-US" sz="1400" kern="50" dirty="0">
-                          <a:effectLst/>
-                        </a:rPr>
-                        <a:t> </a:t>
-                      </a:r>
-                      <a:r>
-                        <a:rPr lang="zh-CN" sz="1400" kern="50" dirty="0">
-                          <a:effectLst/>
-                        </a:rPr>
-                        <a:t>←</a:t>
-                      </a:r>
-                      <a:r>
-                        <a:rPr lang="en-US" sz="1400" kern="50" dirty="0">
-                          <a:effectLst/>
-                        </a:rPr>
-                        <a:t> 0 to m-α do</a:t>
-                      </a:r>
-                      <a:endParaRPr lang="zh-CN" sz="1400" kern="50" dirty="0">
-                        <a:effectLst/>
-                      </a:endParaRPr>
-                    </a:p>
-                    <a:p>
-                      <a:pPr algn="just">
-                        <a:spcAft>
-                          <a:spcPts val="0"/>
-                        </a:spcAft>
-                      </a:pPr>
-                      <a:r>
-                        <a:rPr lang="en-US" sz="1400" kern="50" dirty="0">
-                          <a:effectLst/>
-                        </a:rPr>
-                        <a:t>h= </a:t>
-                      </a:r>
-                      <a:r>
-                        <a:rPr lang="en-US" sz="1400" kern="50" dirty="0" err="1">
-                          <a:effectLst/>
-                        </a:rPr>
-                        <a:t>wscrc</a:t>
-                      </a:r>
-                      <a:r>
-                        <a:rPr lang="en-US" sz="1400" kern="50" dirty="0">
-                          <a:effectLst/>
-                        </a:rPr>
-                        <a:t>(</a:t>
-                      </a:r>
-                      <a:r>
-                        <a:rPr lang="en-US" sz="1400" kern="50" dirty="0" err="1">
-                          <a:effectLst/>
-                        </a:rPr>
-                        <a:t>P+i</a:t>
-                      </a:r>
-                      <a:r>
-                        <a:rPr lang="en-US" sz="1400" kern="50" dirty="0">
-                          <a:effectLst/>
-                        </a:rPr>
-                        <a:t>)</a:t>
-                      </a:r>
-                      <a:endParaRPr lang="zh-CN" sz="1400" kern="50" dirty="0">
-                        <a:effectLst/>
-                      </a:endParaRPr>
-                    </a:p>
-                    <a:p>
-                      <a:pPr algn="just">
-                        <a:spcAft>
-                          <a:spcPts val="0"/>
-                        </a:spcAft>
-                      </a:pPr>
-                      <a:r>
-                        <a:rPr lang="en-US" sz="1400" kern="50" dirty="0">
-                          <a:effectLst/>
-                        </a:rPr>
-                        <a:t> shift[h].</a:t>
-                      </a:r>
-                      <a:r>
-                        <a:rPr lang="en-US" sz="1400" kern="50" dirty="0" err="1">
-                          <a:effectLst/>
-                        </a:rPr>
-                        <a:t>pos</a:t>
-                      </a:r>
-                      <a:r>
-                        <a:rPr lang="en-US" sz="1400" kern="50" dirty="0">
-                          <a:effectLst/>
-                        </a:rPr>
-                        <a:t> = </a:t>
-                      </a:r>
-                      <a:r>
-                        <a:rPr lang="en-US" sz="1400" kern="50" dirty="0" err="1">
-                          <a:effectLst/>
-                        </a:rPr>
-                        <a:t>i</a:t>
-                      </a:r>
-                      <a:endParaRPr lang="zh-CN" sz="1400" kern="50" dirty="0">
-                        <a:effectLst/>
-                      </a:endParaRPr>
-                    </a:p>
-                    <a:p>
-                      <a:pPr algn="just">
-                        <a:spcAft>
-                          <a:spcPts val="0"/>
-                        </a:spcAft>
-                      </a:pPr>
-                      <a:r>
-                        <a:rPr lang="en-US" sz="1400" kern="50" dirty="0">
-                          <a:effectLst/>
-                        </a:rPr>
-                        <a:t> shift[h].fingerprint = </a:t>
-                      </a:r>
-                      <a:r>
-                        <a:rPr lang="en-US" sz="1400" kern="50" dirty="0" err="1">
-                          <a:effectLst/>
-                        </a:rPr>
-                        <a:t>P+i</a:t>
-                      </a:r>
-                      <a:endParaRPr lang="zh-CN" sz="1400" kern="50" dirty="0">
-                        <a:effectLst/>
-                      </a:endParaRPr>
-                    </a:p>
-                    <a:p>
-                      <a:pPr algn="just">
-                        <a:spcAft>
-                          <a:spcPts val="0"/>
-                        </a:spcAft>
-                      </a:pPr>
-                      <a:r>
-                        <a:rPr lang="en-US" sz="1400" kern="50" dirty="0">
-                          <a:effectLst/>
-                        </a:rPr>
-                        <a:t>Search(</a:t>
-                      </a:r>
-                      <a:r>
-                        <a:rPr lang="en-US" sz="1400" kern="50" dirty="0" err="1">
-                          <a:effectLst/>
-                        </a:rPr>
-                        <a:t>P,m,T,n</a:t>
-                      </a:r>
-                      <a:r>
-                        <a:rPr lang="en-US" sz="1400" kern="50" dirty="0">
-                          <a:effectLst/>
-                        </a:rPr>
-                        <a:t>)</a:t>
-                      </a:r>
-                      <a:endParaRPr lang="zh-CN" sz="1400" kern="50" dirty="0">
-                        <a:effectLst/>
-                      </a:endParaRPr>
-                    </a:p>
-                    <a:p>
-                      <a:pPr algn="just">
-                        <a:spcAft>
-                          <a:spcPts val="0"/>
-                        </a:spcAft>
-                      </a:pPr>
-                      <a:r>
-                        <a:rPr lang="en-US" sz="1400" kern="50" dirty="0">
-                          <a:effectLst/>
-                        </a:rPr>
-                        <a:t>For  </a:t>
-                      </a:r>
-                      <a:r>
-                        <a:rPr lang="en-US" sz="1400" kern="50" dirty="0" err="1">
-                          <a:effectLst/>
-                        </a:rPr>
-                        <a:t>i</a:t>
-                      </a:r>
-                      <a:r>
-                        <a:rPr lang="en-US" sz="1400" kern="50" dirty="0">
-                          <a:effectLst/>
-                        </a:rPr>
-                        <a:t> </a:t>
-                      </a:r>
-                      <a:r>
-                        <a:rPr lang="zh-CN" sz="1400" kern="50" dirty="0">
-                          <a:effectLst/>
-                        </a:rPr>
-                        <a:t>←</a:t>
-                      </a:r>
-                      <a:r>
-                        <a:rPr lang="en-US" sz="1400" kern="50" dirty="0">
-                          <a:effectLst/>
-                        </a:rPr>
-                        <a:t>0 to n-α do</a:t>
-                      </a:r>
-                      <a:endParaRPr lang="zh-CN" sz="1400" kern="50" dirty="0">
-                        <a:effectLst/>
-                      </a:endParaRPr>
-                    </a:p>
-                    <a:p>
-                      <a:pPr indent="243840" algn="just">
-                        <a:spcAft>
-                          <a:spcPts val="0"/>
-                        </a:spcAft>
-                      </a:pPr>
-                      <a:r>
-                        <a:rPr lang="en-US" sz="1400" kern="50" dirty="0">
-                          <a:effectLst/>
-                        </a:rPr>
-                        <a:t>h = </a:t>
-                      </a:r>
-                      <a:r>
-                        <a:rPr lang="en-US" sz="1400" kern="50" dirty="0" err="1">
-                          <a:effectLst/>
-                        </a:rPr>
-                        <a:t>wscrc</a:t>
-                      </a:r>
-                      <a:r>
-                        <a:rPr lang="en-US" sz="1400" kern="50" dirty="0">
-                          <a:effectLst/>
-                        </a:rPr>
-                        <a:t>(</a:t>
-                      </a:r>
-                      <a:r>
-                        <a:rPr lang="en-US" sz="1400" kern="50" dirty="0" err="1">
-                          <a:effectLst/>
-                        </a:rPr>
-                        <a:t>T+i</a:t>
-                      </a:r>
-                      <a:r>
-                        <a:rPr lang="en-US" sz="1400" kern="50" dirty="0">
-                          <a:effectLst/>
-                        </a:rPr>
-                        <a:t>)</a:t>
-                      </a:r>
-                      <a:endParaRPr lang="zh-CN" sz="1400" kern="50" dirty="0">
-                        <a:effectLst/>
-                      </a:endParaRPr>
-                    </a:p>
-                    <a:p>
-                      <a:pPr indent="243840" algn="just">
-                        <a:spcAft>
-                          <a:spcPts val="0"/>
-                        </a:spcAft>
-                      </a:pPr>
-                      <a:r>
-                        <a:rPr lang="en-US" sz="1400" kern="50" dirty="0">
-                          <a:effectLst/>
-                        </a:rPr>
-                        <a:t>f = </a:t>
-                      </a:r>
-                      <a:r>
-                        <a:rPr lang="en-US" sz="1400" kern="50" dirty="0" err="1">
-                          <a:effectLst/>
-                        </a:rPr>
-                        <a:t>T+i</a:t>
-                      </a:r>
-                      <a:endParaRPr lang="zh-CN" sz="1400" kern="50" dirty="0">
-                        <a:effectLst/>
-                      </a:endParaRPr>
-                    </a:p>
-                    <a:p>
-                      <a:pPr indent="243840" algn="just">
-                        <a:spcAft>
-                          <a:spcPts val="0"/>
-                        </a:spcAft>
-                      </a:pPr>
-                      <a:r>
-                        <a:rPr lang="en-US" sz="1400" kern="50" dirty="0">
-                          <a:effectLst/>
-                        </a:rPr>
-                        <a:t>p = shift[h]</a:t>
-                      </a:r>
-                      <a:endParaRPr lang="zh-CN" sz="1400" kern="50" dirty="0">
-                        <a:effectLst/>
-                      </a:endParaRPr>
-                    </a:p>
-                    <a:p>
-                      <a:pPr indent="243840" algn="just">
-                        <a:spcAft>
-                          <a:spcPts val="0"/>
-                        </a:spcAft>
-                      </a:pPr>
-                      <a:r>
-                        <a:rPr lang="en-US" sz="1400" kern="50" dirty="0">
-                          <a:effectLst/>
-                        </a:rPr>
-                        <a:t>while(p!=null)</a:t>
-                      </a:r>
-                      <a:endParaRPr lang="zh-CN" sz="1400" kern="50" dirty="0">
-                        <a:effectLst/>
-                      </a:endParaRPr>
-                    </a:p>
-                    <a:p>
-                      <a:pPr indent="243840" algn="just">
-                        <a:spcAft>
-                          <a:spcPts val="0"/>
-                        </a:spcAft>
-                      </a:pPr>
-                      <a:r>
-                        <a:rPr lang="en-US" sz="1400" kern="50" dirty="0">
-                          <a:effectLst/>
-                        </a:rPr>
-                        <a:t>    if f == </a:t>
-                      </a:r>
-                      <a:r>
-                        <a:rPr lang="en-US" sz="1400" kern="50" dirty="0" err="1">
-                          <a:effectLst/>
-                        </a:rPr>
-                        <a:t>p.fingerprint</a:t>
-                      </a:r>
-                      <a:endParaRPr lang="zh-CN" sz="1400" kern="50" dirty="0">
-                        <a:effectLst/>
-                      </a:endParaRPr>
-                    </a:p>
-                    <a:p>
-                      <a:pPr indent="243840" algn="just">
-                        <a:spcAft>
-                          <a:spcPts val="0"/>
-                        </a:spcAft>
-                      </a:pPr>
-                      <a:r>
-                        <a:rPr lang="en-US" sz="1400" kern="50" dirty="0">
-                          <a:effectLst/>
-                        </a:rPr>
-                        <a:t>        </a:t>
-                      </a:r>
-                      <a:r>
-                        <a:rPr lang="en-US" sz="1400" kern="50" dirty="0" err="1">
-                          <a:effectLst/>
-                        </a:rPr>
-                        <a:t>memcmp</a:t>
-                      </a:r>
-                      <a:r>
-                        <a:rPr lang="en-US" sz="1400" kern="50" dirty="0">
-                          <a:effectLst/>
-                        </a:rPr>
-                        <a:t>(P,T)</a:t>
-                      </a:r>
-                      <a:endParaRPr lang="zh-CN" sz="1400" kern="50" dirty="0">
-                        <a:effectLst/>
-                      </a:endParaRPr>
-                    </a:p>
-                    <a:p>
-                      <a:pPr indent="243840" algn="just">
-                        <a:spcAft>
-                          <a:spcPts val="0"/>
-                        </a:spcAft>
-                      </a:pPr>
-                      <a:r>
-                        <a:rPr lang="en-US" sz="1400" kern="50" dirty="0">
-                          <a:effectLst/>
-                        </a:rPr>
-                        <a:t>    p = </a:t>
-                      </a:r>
-                      <a:r>
-                        <a:rPr lang="en-US" sz="1400" kern="50" dirty="0" err="1">
-                          <a:effectLst/>
-                        </a:rPr>
-                        <a:t>p.next</a:t>
-                      </a:r>
-                      <a:endParaRPr lang="zh-CN" sz="1400" kern="50" dirty="0">
-                        <a:effectLst/>
-                        <a:latin typeface="DejaVu Sans Mono"/>
-                        <a:ea typeface="AR PL KaitiM GB"/>
-                        <a:cs typeface="DejaVu Sans Mono"/>
-                      </a:endParaRPr>
-                    </a:p>
-                  </a:txBody>
-                  <a:tcPr marL="68580" marR="68580" marT="0" marB="0"/>
-                </a:tc>
-              </a:tr>
-            </a:tbl>
-          </a:graphicData>
-        </a:graphic>
-      </p:graphicFrame>
       <p:sp>
         <p:nvSpPr>
           <p:cNvPr id="5" name="Rectangle 1"/>
@@ -9340,6 +11781,737 @@
           </a:p>
         </p:txBody>
       </p:sp>
+      <p:graphicFrame>
+        <p:nvGraphicFramePr>
+          <p:cNvPr id="7" name="内容占位符 6"/>
+          <p:cNvGraphicFramePr>
+            <a:graphicFrameLocks noGrp="1"/>
+          </p:cNvGraphicFramePr>
+          <p:nvPr>
+            <p:ph idx="1"/>
+            <p:extLst>
+              <p:ext uri="{D42A27DB-BD31-4B8C-83A1-F6EECF244321}">
+                <p14:modId xmlns:p14="http://schemas.microsoft.com/office/powerpoint/2010/main" val="637218503"/>
+              </p:ext>
+            </p:extLst>
+          </p:nvPr>
+        </p:nvGraphicFramePr>
+        <p:xfrm>
+          <a:off x="2970223" y="2137804"/>
+          <a:ext cx="5038660" cy="3651294"/>
+        </p:xfrm>
+        <a:graphic>
+          <a:graphicData uri="http://schemas.openxmlformats.org/drawingml/2006/table">
+            <a:tbl>
+              <a:tblPr firstRow="1" firstCol="1" bandRow="1">
+                <a:tableStyleId>{5C22544A-7EE6-4342-B048-85BDC9FD1C3A}</a:tableStyleId>
+              </a:tblPr>
+              <a:tblGrid>
+                <a:gridCol w="497530"/>
+                <a:gridCol w="4541130"/>
+              </a:tblGrid>
+              <a:tr h="345975">
+                <a:tc gridSpan="2">
+                  <a:txBody>
+                    <a:bodyPr/>
+                    <a:lstStyle/>
+                    <a:p>
+                      <a:pPr algn="ctr">
+                        <a:lnSpc>
+                          <a:spcPts val="2200"/>
+                        </a:lnSpc>
+                        <a:spcAft>
+                          <a:spcPts val="0"/>
+                        </a:spcAft>
+                      </a:pPr>
+                      <a:r>
+                        <a:rPr lang="en-US" sz="2000" kern="100">
+                          <a:effectLst/>
+                        </a:rPr>
+                        <a:t>IEPSM1</a:t>
+                      </a:r>
+                      <a:r>
+                        <a:rPr lang="zh-CN" sz="2000" kern="100">
+                          <a:effectLst/>
+                        </a:rPr>
+                        <a:t>算法</a:t>
+                      </a:r>
+                      <a:endParaRPr lang="zh-CN" sz="1600" kern="100">
+                        <a:effectLst/>
+                        <a:latin typeface="Times New Roman" panose="02020603050405020304" pitchFamily="18" charset="0"/>
+                        <a:ea typeface="宋体" panose="02010600030101010101" pitchFamily="2" charset="-122"/>
+                      </a:endParaRPr>
+                    </a:p>
+                  </a:txBody>
+                  <a:tcPr marL="68580" marR="68580" marT="0" marB="0"/>
+                </a:tc>
+                <a:tc hMerge="1">
+                  <a:txBody>
+                    <a:bodyPr/>
+                    <a:lstStyle/>
+                    <a:p>
+                      <a:endParaRPr lang="zh-CN" altLang="en-US"/>
+                    </a:p>
+                  </a:txBody>
+                  <a:tcPr/>
+                </a:tc>
+              </a:tr>
+              <a:tr h="3305319">
+                <a:tc>
+                  <a:txBody>
+                    <a:bodyPr/>
+                    <a:lstStyle/>
+                    <a:p>
+                      <a:pPr algn="just">
+                        <a:spcBef>
+                          <a:spcPts val="900"/>
+                        </a:spcBef>
+                        <a:spcAft>
+                          <a:spcPts val="0"/>
+                        </a:spcAft>
+                      </a:pPr>
+                      <a:r>
+                        <a:rPr lang="en-US" sz="1400" kern="50">
+                          <a:effectLst/>
+                        </a:rPr>
+                        <a:t>01</a:t>
+                      </a:r>
+                      <a:endParaRPr lang="zh-CN" sz="1400" kern="50">
+                        <a:effectLst/>
+                      </a:endParaRPr>
+                    </a:p>
+                    <a:p>
+                      <a:pPr algn="just">
+                        <a:spcAft>
+                          <a:spcPts val="0"/>
+                        </a:spcAft>
+                      </a:pPr>
+                      <a:r>
+                        <a:rPr lang="en-US" sz="1400" kern="50">
+                          <a:effectLst/>
+                        </a:rPr>
+                        <a:t>02</a:t>
+                      </a:r>
+                      <a:endParaRPr lang="zh-CN" sz="1400" kern="50">
+                        <a:effectLst/>
+                      </a:endParaRPr>
+                    </a:p>
+                    <a:p>
+                      <a:pPr algn="just">
+                        <a:spcAft>
+                          <a:spcPts val="0"/>
+                        </a:spcAft>
+                      </a:pPr>
+                      <a:r>
+                        <a:rPr lang="en-US" sz="1400" kern="50">
+                          <a:effectLst/>
+                        </a:rPr>
+                        <a:t>03</a:t>
+                      </a:r>
+                      <a:endParaRPr lang="zh-CN" sz="1400" kern="50">
+                        <a:effectLst/>
+                      </a:endParaRPr>
+                    </a:p>
+                    <a:p>
+                      <a:pPr algn="just">
+                        <a:spcAft>
+                          <a:spcPts val="0"/>
+                        </a:spcAft>
+                      </a:pPr>
+                      <a:r>
+                        <a:rPr lang="en-US" sz="1400" kern="50">
+                          <a:effectLst/>
+                        </a:rPr>
+                        <a:t>04</a:t>
+                      </a:r>
+                      <a:endParaRPr lang="zh-CN" sz="1400" kern="50">
+                        <a:effectLst/>
+                      </a:endParaRPr>
+                    </a:p>
+                    <a:p>
+                      <a:pPr algn="just">
+                        <a:spcAft>
+                          <a:spcPts val="0"/>
+                        </a:spcAft>
+                      </a:pPr>
+                      <a:r>
+                        <a:rPr lang="en-US" sz="1400" kern="50">
+                          <a:effectLst/>
+                        </a:rPr>
+                        <a:t>05</a:t>
+                      </a:r>
+                      <a:endParaRPr lang="zh-CN" sz="1400" kern="50">
+                        <a:effectLst/>
+                      </a:endParaRPr>
+                    </a:p>
+                    <a:p>
+                      <a:pPr algn="just">
+                        <a:spcAft>
+                          <a:spcPts val="0"/>
+                        </a:spcAft>
+                      </a:pPr>
+                      <a:r>
+                        <a:rPr lang="en-US" sz="1400" kern="50">
+                          <a:effectLst/>
+                        </a:rPr>
+                        <a:t>06</a:t>
+                      </a:r>
+                      <a:endParaRPr lang="zh-CN" sz="1400" kern="50">
+                        <a:effectLst/>
+                      </a:endParaRPr>
+                    </a:p>
+                    <a:p>
+                      <a:pPr algn="just">
+                        <a:spcAft>
+                          <a:spcPts val="0"/>
+                        </a:spcAft>
+                      </a:pPr>
+                      <a:r>
+                        <a:rPr lang="en-US" sz="1400" kern="50">
+                          <a:effectLst/>
+                        </a:rPr>
+                        <a:t>07</a:t>
+                      </a:r>
+                      <a:endParaRPr lang="zh-CN" sz="1400" kern="50">
+                        <a:effectLst/>
+                      </a:endParaRPr>
+                    </a:p>
+                    <a:p>
+                      <a:pPr algn="just">
+                        <a:spcAft>
+                          <a:spcPts val="0"/>
+                        </a:spcAft>
+                      </a:pPr>
+                      <a:r>
+                        <a:rPr lang="en-US" sz="1400" kern="50">
+                          <a:effectLst/>
+                        </a:rPr>
+                        <a:t>08</a:t>
+                      </a:r>
+                      <a:endParaRPr lang="zh-CN" sz="1400" kern="50">
+                        <a:effectLst/>
+                      </a:endParaRPr>
+                    </a:p>
+                    <a:p>
+                      <a:pPr algn="just">
+                        <a:spcAft>
+                          <a:spcPts val="0"/>
+                        </a:spcAft>
+                      </a:pPr>
+                      <a:r>
+                        <a:rPr lang="en-US" sz="1400" kern="50">
+                          <a:effectLst/>
+                        </a:rPr>
+                        <a:t>09</a:t>
+                      </a:r>
+                      <a:endParaRPr lang="zh-CN" sz="1400" kern="50">
+                        <a:effectLst/>
+                      </a:endParaRPr>
+                    </a:p>
+                    <a:p>
+                      <a:pPr algn="just">
+                        <a:spcAft>
+                          <a:spcPts val="0"/>
+                        </a:spcAft>
+                      </a:pPr>
+                      <a:r>
+                        <a:rPr lang="en-US" sz="1400" kern="50">
+                          <a:effectLst/>
+                        </a:rPr>
+                        <a:t>10</a:t>
+                      </a:r>
+                      <a:endParaRPr lang="zh-CN" sz="1400" kern="50">
+                        <a:effectLst/>
+                      </a:endParaRPr>
+                    </a:p>
+                    <a:p>
+                      <a:pPr algn="just">
+                        <a:spcAft>
+                          <a:spcPts val="0"/>
+                        </a:spcAft>
+                      </a:pPr>
+                      <a:r>
+                        <a:rPr lang="en-US" sz="1400" kern="50">
+                          <a:effectLst/>
+                        </a:rPr>
+                        <a:t>11</a:t>
+                      </a:r>
+                      <a:endParaRPr lang="zh-CN" sz="1400" kern="50">
+                        <a:effectLst/>
+                      </a:endParaRPr>
+                    </a:p>
+                    <a:p>
+                      <a:pPr algn="just">
+                        <a:spcAft>
+                          <a:spcPts val="0"/>
+                        </a:spcAft>
+                      </a:pPr>
+                      <a:r>
+                        <a:rPr lang="en-US" sz="1400" kern="50">
+                          <a:effectLst/>
+                        </a:rPr>
+                        <a:t>12</a:t>
+                      </a:r>
+                      <a:endParaRPr lang="zh-CN" sz="1400" kern="50">
+                        <a:effectLst/>
+                      </a:endParaRPr>
+                    </a:p>
+                    <a:p>
+                      <a:pPr algn="just">
+                        <a:spcAft>
+                          <a:spcPts val="0"/>
+                        </a:spcAft>
+                      </a:pPr>
+                      <a:r>
+                        <a:rPr lang="en-US" sz="1400" kern="50">
+                          <a:effectLst/>
+                        </a:rPr>
+                        <a:t>13</a:t>
+                      </a:r>
+                      <a:endParaRPr lang="zh-CN" sz="1400" kern="50">
+                        <a:effectLst/>
+                      </a:endParaRPr>
+                    </a:p>
+                    <a:p>
+                      <a:pPr algn="just">
+                        <a:spcAft>
+                          <a:spcPts val="0"/>
+                        </a:spcAft>
+                      </a:pPr>
+                      <a:r>
+                        <a:rPr lang="en-US" sz="1400" kern="50">
+                          <a:effectLst/>
+                        </a:rPr>
+                        <a:t>14</a:t>
+                      </a:r>
+                      <a:endParaRPr lang="zh-CN" sz="1400" kern="50">
+                        <a:effectLst/>
+                      </a:endParaRPr>
+                    </a:p>
+                    <a:p>
+                      <a:pPr algn="just">
+                        <a:spcAft>
+                          <a:spcPts val="0"/>
+                        </a:spcAft>
+                      </a:pPr>
+                      <a:r>
+                        <a:rPr lang="en-US" sz="1400" kern="50">
+                          <a:effectLst/>
+                        </a:rPr>
+                        <a:t>15</a:t>
+                      </a:r>
+                      <a:endParaRPr lang="zh-CN" sz="1400" kern="50">
+                        <a:effectLst/>
+                        <a:latin typeface="DejaVu Sans Mono"/>
+                        <a:ea typeface="AR PL KaitiM GB"/>
+                        <a:cs typeface="DejaVu Sans Mono"/>
+                      </a:endParaRPr>
+                    </a:p>
+                  </a:txBody>
+                  <a:tcPr marL="68580" marR="68580" marT="0" marB="0"/>
+                </a:tc>
+                <a:tc>
+                  <a:txBody>
+                    <a:bodyPr/>
+                    <a:lstStyle/>
+                    <a:p>
+                      <a:pPr algn="just">
+                        <a:spcBef>
+                          <a:spcPts val="900"/>
+                        </a:spcBef>
+                        <a:spcAft>
+                          <a:spcPts val="0"/>
+                        </a:spcAft>
+                      </a:pPr>
+                      <a:r>
+                        <a:rPr lang="en-US" sz="1400" kern="50" dirty="0">
+                          <a:effectLst/>
+                        </a:rPr>
+                        <a:t>Prepare(</a:t>
+                      </a:r>
+                      <a:r>
+                        <a:rPr lang="en-US" sz="1400" kern="50" dirty="0" err="1">
+                          <a:effectLst/>
+                        </a:rPr>
+                        <a:t>P,m,T,n</a:t>
+                      </a:r>
+                      <a:r>
+                        <a:rPr lang="en-US" sz="1400" kern="50" dirty="0">
+                          <a:effectLst/>
+                        </a:rPr>
+                        <a:t>)</a:t>
+                      </a:r>
+                      <a:endParaRPr lang="zh-CN" sz="1400" kern="50" dirty="0">
+                        <a:effectLst/>
+                      </a:endParaRPr>
+                    </a:p>
+                    <a:p>
+                      <a:pPr algn="just">
+                        <a:spcAft>
+                          <a:spcPts val="0"/>
+                        </a:spcAft>
+                      </a:pPr>
+                      <a:r>
+                        <a:rPr lang="en-US" sz="1400" kern="50" dirty="0">
+                          <a:effectLst/>
+                        </a:rPr>
+                        <a:t>For </a:t>
+                      </a:r>
+                      <a:r>
+                        <a:rPr lang="en-US" sz="1400" kern="50" dirty="0" err="1">
+                          <a:effectLst/>
+                        </a:rPr>
+                        <a:t>i</a:t>
+                      </a:r>
+                      <a:r>
+                        <a:rPr lang="en-US" sz="1400" kern="50" dirty="0">
+                          <a:effectLst/>
+                        </a:rPr>
+                        <a:t> </a:t>
+                      </a:r>
+                      <a:r>
+                        <a:rPr lang="zh-CN" sz="1400" kern="50" dirty="0">
+                          <a:effectLst/>
+                        </a:rPr>
+                        <a:t>←</a:t>
+                      </a:r>
+                      <a:r>
+                        <a:rPr lang="en-US" sz="1400" kern="50" dirty="0">
+                          <a:effectLst/>
+                        </a:rPr>
+                        <a:t> 0 to m-α do</a:t>
+                      </a:r>
+                      <a:endParaRPr lang="zh-CN" sz="1400" kern="50" dirty="0">
+                        <a:effectLst/>
+                      </a:endParaRPr>
+                    </a:p>
+                    <a:p>
+                      <a:pPr algn="just">
+                        <a:spcAft>
+                          <a:spcPts val="0"/>
+                        </a:spcAft>
+                      </a:pPr>
+                      <a:r>
+                        <a:rPr lang="en-US" sz="1400" kern="50" dirty="0">
+                          <a:effectLst/>
+                        </a:rPr>
+                        <a:t>h= </a:t>
+                      </a:r>
+                      <a:r>
+                        <a:rPr lang="en-US" sz="1400" kern="50" dirty="0" err="1">
+                          <a:effectLst/>
+                        </a:rPr>
+                        <a:t>wscrc</a:t>
+                      </a:r>
+                      <a:r>
+                        <a:rPr lang="en-US" sz="1400" kern="50" dirty="0">
+                          <a:effectLst/>
+                        </a:rPr>
+                        <a:t>(</a:t>
+                      </a:r>
+                      <a:r>
+                        <a:rPr lang="en-US" sz="1400" kern="50" dirty="0" err="1">
+                          <a:effectLst/>
+                        </a:rPr>
+                        <a:t>P+i</a:t>
+                      </a:r>
+                      <a:r>
+                        <a:rPr lang="en-US" sz="1400" kern="50" dirty="0">
+                          <a:effectLst/>
+                        </a:rPr>
+                        <a:t>)</a:t>
+                      </a:r>
+                      <a:endParaRPr lang="zh-CN" sz="1400" kern="50" dirty="0">
+                        <a:effectLst/>
+                      </a:endParaRPr>
+                    </a:p>
+                    <a:p>
+                      <a:pPr algn="just">
+                        <a:spcAft>
+                          <a:spcPts val="0"/>
+                        </a:spcAft>
+                      </a:pPr>
+                      <a:r>
+                        <a:rPr lang="en-US" sz="1400" kern="50" dirty="0">
+                          <a:effectLst/>
+                        </a:rPr>
+                        <a:t> shift[h].</a:t>
+                      </a:r>
+                      <a:r>
+                        <a:rPr lang="en-US" sz="1400" kern="50" dirty="0" err="1">
+                          <a:effectLst/>
+                        </a:rPr>
+                        <a:t>pos</a:t>
+                      </a:r>
+                      <a:r>
+                        <a:rPr lang="en-US" sz="1400" kern="50" dirty="0">
+                          <a:effectLst/>
+                        </a:rPr>
+                        <a:t> = </a:t>
+                      </a:r>
+                      <a:r>
+                        <a:rPr lang="en-US" sz="1400" kern="50" dirty="0" err="1">
+                          <a:effectLst/>
+                        </a:rPr>
+                        <a:t>i</a:t>
+                      </a:r>
+                      <a:endParaRPr lang="zh-CN" sz="1400" kern="50" dirty="0">
+                        <a:effectLst/>
+                      </a:endParaRPr>
+                    </a:p>
+                    <a:p>
+                      <a:pPr algn="just">
+                        <a:spcAft>
+                          <a:spcPts val="0"/>
+                        </a:spcAft>
+                      </a:pPr>
+                      <a:r>
+                        <a:rPr lang="en-US" sz="1400" kern="50" dirty="0">
+                          <a:effectLst/>
+                        </a:rPr>
+                        <a:t> shift[h].fingerprint = </a:t>
+                      </a:r>
+                      <a:r>
+                        <a:rPr lang="en-US" sz="1400" kern="50" dirty="0" err="1">
+                          <a:effectLst/>
+                        </a:rPr>
+                        <a:t>P+i</a:t>
+                      </a:r>
+                      <a:endParaRPr lang="zh-CN" sz="1400" kern="50" dirty="0">
+                        <a:effectLst/>
+                      </a:endParaRPr>
+                    </a:p>
+                    <a:p>
+                      <a:pPr algn="just">
+                        <a:spcAft>
+                          <a:spcPts val="0"/>
+                        </a:spcAft>
+                      </a:pPr>
+                      <a:r>
+                        <a:rPr lang="en-US" sz="1400" kern="50" dirty="0">
+                          <a:effectLst/>
+                        </a:rPr>
+                        <a:t>Search(</a:t>
+                      </a:r>
+                      <a:r>
+                        <a:rPr lang="en-US" sz="1400" kern="50" dirty="0" err="1">
+                          <a:effectLst/>
+                        </a:rPr>
+                        <a:t>P,m,T,n</a:t>
+                      </a:r>
+                      <a:r>
+                        <a:rPr lang="en-US" sz="1400" kern="50" dirty="0">
+                          <a:effectLst/>
+                        </a:rPr>
+                        <a:t>)</a:t>
+                      </a:r>
+                      <a:endParaRPr lang="zh-CN" sz="1400" kern="50" dirty="0">
+                        <a:effectLst/>
+                      </a:endParaRPr>
+                    </a:p>
+                    <a:p>
+                      <a:pPr algn="just">
+                        <a:spcAft>
+                          <a:spcPts val="0"/>
+                        </a:spcAft>
+                      </a:pPr>
+                      <a:r>
+                        <a:rPr lang="en-US" sz="1400" kern="50" dirty="0">
+                          <a:effectLst/>
+                        </a:rPr>
+                        <a:t>While T &lt; Tend do</a:t>
+                      </a:r>
+                      <a:endParaRPr lang="zh-CN" sz="1400" kern="50" dirty="0">
+                        <a:effectLst/>
+                      </a:endParaRPr>
+                    </a:p>
+                    <a:p>
+                      <a:pPr indent="243840" algn="just">
+                        <a:spcAft>
+                          <a:spcPts val="0"/>
+                        </a:spcAft>
+                      </a:pPr>
+                      <a:r>
+                        <a:rPr lang="en-US" sz="1400" kern="50" dirty="0">
+                          <a:effectLst/>
+                        </a:rPr>
+                        <a:t>h = </a:t>
+                      </a:r>
+                      <a:r>
+                        <a:rPr lang="en-US" sz="1400" kern="50" dirty="0" err="1">
+                          <a:effectLst/>
+                        </a:rPr>
+                        <a:t>wscrc</a:t>
+                      </a:r>
+                      <a:r>
+                        <a:rPr lang="en-US" sz="1400" kern="50" dirty="0">
+                          <a:effectLst/>
+                        </a:rPr>
+                        <a:t>(T)</a:t>
+                      </a:r>
+                      <a:endParaRPr lang="zh-CN" sz="1400" kern="50" dirty="0">
+                        <a:effectLst/>
+                      </a:endParaRPr>
+                    </a:p>
+                    <a:p>
+                      <a:pPr indent="243840" algn="just">
+                        <a:spcAft>
+                          <a:spcPts val="0"/>
+                        </a:spcAft>
+                      </a:pPr>
+                      <a:r>
+                        <a:rPr lang="en-US" sz="1400" kern="50" dirty="0">
+                          <a:effectLst/>
+                        </a:rPr>
+                        <a:t>f = T</a:t>
+                      </a:r>
+                      <a:endParaRPr lang="zh-CN" sz="1400" kern="50" dirty="0">
+                        <a:effectLst/>
+                      </a:endParaRPr>
+                    </a:p>
+                    <a:p>
+                      <a:pPr indent="243840" algn="just">
+                        <a:spcAft>
+                          <a:spcPts val="0"/>
+                        </a:spcAft>
+                      </a:pPr>
+                      <a:r>
+                        <a:rPr lang="en-US" sz="1400" kern="50" dirty="0">
+                          <a:effectLst/>
+                        </a:rPr>
+                        <a:t>p = shift[h]</a:t>
+                      </a:r>
+                      <a:endParaRPr lang="zh-CN" sz="1400" kern="50" dirty="0">
+                        <a:effectLst/>
+                      </a:endParaRPr>
+                    </a:p>
+                    <a:p>
+                      <a:pPr indent="243840" algn="just">
+                        <a:spcAft>
+                          <a:spcPts val="0"/>
+                        </a:spcAft>
+                      </a:pPr>
+                      <a:r>
+                        <a:rPr lang="en-US" sz="1400" kern="50" dirty="0">
+                          <a:effectLst/>
+                        </a:rPr>
+                        <a:t>while(p!=null)</a:t>
+                      </a:r>
+                      <a:endParaRPr lang="zh-CN" sz="1400" kern="50" dirty="0">
+                        <a:effectLst/>
+                      </a:endParaRPr>
+                    </a:p>
+                    <a:p>
+                      <a:pPr indent="243840" algn="just">
+                        <a:spcAft>
+                          <a:spcPts val="0"/>
+                        </a:spcAft>
+                      </a:pPr>
+                      <a:r>
+                        <a:rPr lang="en-US" sz="1400" kern="50" dirty="0">
+                          <a:effectLst/>
+                        </a:rPr>
+                        <a:t>    if f == </a:t>
+                      </a:r>
+                      <a:r>
+                        <a:rPr lang="en-US" sz="1400" kern="50" dirty="0" err="1">
+                          <a:effectLst/>
+                        </a:rPr>
+                        <a:t>p.fingerprint</a:t>
+                      </a:r>
+                      <a:endParaRPr lang="zh-CN" sz="1400" kern="50" dirty="0">
+                        <a:effectLst/>
+                      </a:endParaRPr>
+                    </a:p>
+                    <a:p>
+                      <a:pPr indent="243840" algn="just">
+                        <a:spcAft>
+                          <a:spcPts val="0"/>
+                        </a:spcAft>
+                      </a:pPr>
+                      <a:r>
+                        <a:rPr lang="en-US" sz="1400" kern="50" dirty="0">
+                          <a:effectLst/>
+                        </a:rPr>
+                        <a:t>        </a:t>
+                      </a:r>
+                      <a:r>
+                        <a:rPr lang="en-US" sz="1400" kern="50" dirty="0" err="1">
+                          <a:effectLst/>
+                        </a:rPr>
+                        <a:t>memcmp</a:t>
+                      </a:r>
+                      <a:r>
+                        <a:rPr lang="en-US" sz="1400" kern="50" dirty="0">
+                          <a:effectLst/>
+                        </a:rPr>
+                        <a:t>(P,T-</a:t>
+                      </a:r>
+                      <a:r>
+                        <a:rPr lang="en-US" sz="1400" kern="50" dirty="0" err="1">
+                          <a:effectLst/>
+                        </a:rPr>
+                        <a:t>p.pos</a:t>
+                      </a:r>
+                      <a:r>
+                        <a:rPr lang="en-US" sz="1400" kern="50" dirty="0">
+                          <a:effectLst/>
+                        </a:rPr>
+                        <a:t>)</a:t>
+                      </a:r>
+                      <a:endParaRPr lang="zh-CN" sz="1400" kern="50" dirty="0">
+                        <a:effectLst/>
+                      </a:endParaRPr>
+                    </a:p>
+                    <a:p>
+                      <a:pPr indent="243840" algn="just">
+                        <a:spcAft>
+                          <a:spcPts val="0"/>
+                        </a:spcAft>
+                      </a:pPr>
+                      <a:r>
+                        <a:rPr lang="en-US" sz="1400" kern="50" dirty="0">
+                          <a:effectLst/>
+                        </a:rPr>
+                        <a:t>    p = </a:t>
+                      </a:r>
+                      <a:r>
+                        <a:rPr lang="en-US" sz="1400" kern="50" dirty="0" err="1">
+                          <a:effectLst/>
+                        </a:rPr>
+                        <a:t>p.next</a:t>
+                      </a:r>
+                      <a:endParaRPr lang="zh-CN" sz="1400" kern="50" dirty="0">
+                        <a:effectLst/>
+                      </a:endParaRPr>
+                    </a:p>
+                    <a:p>
+                      <a:pPr indent="243840" algn="just">
+                        <a:spcAft>
+                          <a:spcPts val="0"/>
+                        </a:spcAft>
+                      </a:pPr>
+                      <a:r>
+                        <a:rPr lang="en-US" sz="1400" kern="50" dirty="0">
+                          <a:effectLst/>
+                        </a:rPr>
+                        <a:t>T += (m-α+1)</a:t>
+                      </a:r>
+                      <a:endParaRPr lang="zh-CN" sz="1400" kern="50" dirty="0">
+                        <a:effectLst/>
+                        <a:latin typeface="DejaVu Sans Mono"/>
+                        <a:ea typeface="AR PL KaitiM GB"/>
+                        <a:cs typeface="DejaVu Sans Mono"/>
+                      </a:endParaRPr>
+                    </a:p>
+                  </a:txBody>
+                  <a:tcPr marL="68580" marR="68580" marT="0" marB="0"/>
+                </a:tc>
+              </a:tr>
+            </a:tbl>
+          </a:graphicData>
+        </a:graphic>
+      </p:graphicFrame>
     </p:spTree>
     <p:extLst>
       <p:ext uri="{BB962C8B-B14F-4D97-AF65-F5344CB8AC3E}">
@@ -9408,7 +12580,7 @@
         <mc:Choice xmlns:a14="http://schemas.microsoft.com/office/drawing/2010/main" Requires="a14">
           <p:graphicFrame>
             <p:nvGraphicFramePr>
-              <p:cNvPr id="4" name="内容占位符 3"/>
+              <p:cNvPr id="6" name="内容占位符 5"/>
               <p:cNvGraphicFramePr>
                 <a:graphicFrameLocks noGrp="1"/>
               </p:cNvGraphicFramePr>
@@ -9416,14 +12588,14 @@
                 <p:ph idx="1"/>
                 <p:extLst>
                   <p:ext uri="{D42A27DB-BD31-4B8C-83A1-F6EECF244321}">
-                    <p14:modId xmlns:p14="http://schemas.microsoft.com/office/powerpoint/2010/main" val="2736594825"/>
+                    <p14:modId xmlns:p14="http://schemas.microsoft.com/office/powerpoint/2010/main" val="2708460150"/>
                   </p:ext>
                 </p:extLst>
               </p:nvPr>
             </p:nvGraphicFramePr>
             <p:xfrm>
-              <a:off x="3138055" y="1984664"/>
-              <a:ext cx="5444836" cy="3948545"/>
+              <a:off x="3329677" y="2049517"/>
+              <a:ext cx="4729655" cy="3386433"/>
             </p:xfrm>
             <a:graphic>
               <a:graphicData uri="http://schemas.openxmlformats.org/drawingml/2006/table">
@@ -9432,10 +12604,10 @@
                     <a:tableStyleId>{5C22544A-7EE6-4342-B048-85BDC9FD1C3A}</a:tableStyleId>
                   </a:tblPr>
                   <a:tblGrid>
-                    <a:gridCol w="537637"/>
-                    <a:gridCol w="4907199"/>
+                    <a:gridCol w="467019"/>
+                    <a:gridCol w="4262636"/>
                   </a:tblGrid>
-                  <a:tr h="367775">
+                  <a:tr h="403288">
                     <a:tc gridSpan="2">
                       <a:txBody>
                         <a:bodyPr/>
@@ -9450,18 +12622,18 @@
                             </a:spcAft>
                           </a:pPr>
                           <a:r>
-                            <a:rPr lang="en-US" sz="2000" kern="100" dirty="0">
+                            <a:rPr lang="en-US" sz="2000" kern="100">
                               <a:effectLst/>
                             </a:rPr>
                             <a:t>IEPSM2</a:t>
                           </a:r>
                           <a:r>
-                            <a:rPr lang="zh-CN" sz="2000" kern="100" dirty="0">
+                            <a:rPr lang="zh-CN" sz="2000" kern="100">
                               <a:effectLst/>
                             </a:rPr>
                             <a:t>算法</a:t>
                           </a:r>
-                          <a:endParaRPr lang="zh-CN" sz="1600" kern="100" dirty="0">
+                          <a:endParaRPr lang="zh-CN" sz="1600" kern="100">
                             <a:effectLst/>
                             <a:latin typeface="Times New Roman" panose="02020603050405020304" pitchFamily="18" charset="0"/>
                             <a:ea typeface="宋体" panose="02010600030101010101" pitchFamily="2" charset="-122"/>
@@ -9481,7 +12653,7 @@
                       <a:tcPr/>
                     </a:tc>
                   </a:tr>
-                  <a:tr h="3580770">
+                  <a:tr h="2983145">
                     <a:tc>
                       <a:txBody>
                         <a:bodyPr/>
@@ -9679,70 +12851,6 @@
                           </a:r>
                           <a:endParaRPr lang="zh-CN" sz="1400" kern="50">
                             <a:effectLst/>
-                          </a:endParaRPr>
-                        </a:p>
-                        <a:p>
-                          <a:pPr algn="just">
-                            <a:spcAft>
-                              <a:spcPts val="0"/>
-                            </a:spcAft>
-                          </a:pPr>
-                          <a:r>
-                            <a:rPr lang="en-US" sz="1400" kern="50">
-                              <a:effectLst/>
-                            </a:rPr>
-                            <a:t>13</a:t>
-                          </a:r>
-                          <a:endParaRPr lang="zh-CN" sz="1400" kern="50">
-                            <a:effectLst/>
-                          </a:endParaRPr>
-                        </a:p>
-                        <a:p>
-                          <a:pPr algn="just">
-                            <a:spcAft>
-                              <a:spcPts val="0"/>
-                            </a:spcAft>
-                          </a:pPr>
-                          <a:r>
-                            <a:rPr lang="en-US" sz="1400" kern="50">
-                              <a:effectLst/>
-                            </a:rPr>
-                            <a:t>14</a:t>
-                          </a:r>
-                          <a:endParaRPr lang="zh-CN" sz="1400" kern="50">
-                            <a:effectLst/>
-                          </a:endParaRPr>
-                        </a:p>
-                        <a:p>
-                          <a:pPr algn="just">
-                            <a:spcAft>
-                              <a:spcPts val="0"/>
-                            </a:spcAft>
-                          </a:pPr>
-                          <a:r>
-                            <a:rPr lang="en-US" sz="1400" kern="50">
-                              <a:effectLst/>
-                            </a:rPr>
-                            <a:t>15</a:t>
-                          </a:r>
-                          <a:endParaRPr lang="zh-CN" sz="1400" kern="50">
-                            <a:effectLst/>
-                          </a:endParaRPr>
-                        </a:p>
-                        <a:p>
-                          <a:pPr algn="just">
-                            <a:spcAft>
-                              <a:spcPts val="0"/>
-                            </a:spcAft>
-                          </a:pPr>
-                          <a:r>
-                            <a:rPr lang="en-US" sz="1400" kern="50">
-                              <a:effectLst/>
-                            </a:rPr>
-                            <a:t>16</a:t>
-                          </a:r>
-                          <a:endParaRPr lang="zh-CN" sz="1400" kern="50">
-                            <a:effectLst/>
                             <a:latin typeface="DejaVu Sans Mono"/>
                             <a:ea typeface="AR PL KaitiM GB"/>
                             <a:cs typeface="DejaVu Sans Mono"/>
@@ -9802,13 +12910,13 @@
                             <a:rPr lang="zh-CN" sz="1400" kern="50" dirty="0">
                               <a:effectLst/>
                             </a:rPr>
-                            <a:t>←</a:t>
+                            <a:t>← </a:t>
                           </a:r>
                           <a:r>
                             <a:rPr lang="en-US" sz="1400" kern="50" dirty="0">
                               <a:effectLst/>
                             </a:rPr>
-                            <a:t> min{m,α/2}</a:t>
+                            <a:t>4</a:t>
                           </a:r>
                           <a:endParaRPr lang="zh-CN" sz="1400" kern="50" dirty="0">
                             <a:effectLst/>
@@ -9920,7 +13028,7 @@
                             <a:rPr lang="en-US" sz="1400" kern="50" dirty="0">
                               <a:effectLst/>
                             </a:rPr>
-                            <a:t>    R </a:t>
+                            <a:t>    r </a:t>
                           </a:r>
                           <a:r>
                             <a:rPr lang="zh-CN" sz="1400" kern="50" dirty="0">
@@ -10049,63 +13157,54 @@
                             <a:rPr lang="en-US" sz="1400" kern="50" dirty="0">
                               <a:effectLst/>
                             </a:rPr>
-                            <a:t>    If m = m1 then</a:t>
-                          </a:r>
-                          <a:endParaRPr lang="zh-CN" sz="1400" kern="50" dirty="0">
-                            <a:effectLst/>
-                          </a:endParaRPr>
-                        </a:p>
-                        <a:p>
-                          <a:pPr indent="243840" algn="just">
-                            <a:spcAft>
-                              <a:spcPts val="0"/>
-                            </a:spcAft>
-                          </a:pPr>
-                          <a:r>
-                            <a:rPr lang="en-US" sz="1400" kern="50" dirty="0">
-                              <a:effectLst/>
-                            </a:rPr>
-                            <a:t>      report occurrences at </a:t>
+                            <a:t>    </a:t>
                           </a:r>
                           <a:r>
                             <a:rPr lang="en-US" sz="1400" kern="50" dirty="0" err="1">
                               <a:effectLst/>
                             </a:rPr>
-                            <a:t>i</a:t>
+                            <a:t>Memcmp</a:t>
                           </a:r>
                           <a:r>
                             <a:rPr lang="en-US" sz="1400" kern="50" dirty="0">
                               <a:effectLst/>
                             </a:rPr>
-                            <a:t>α+{r}</a:t>
+                            <a:t>(P,T+</a:t>
                           </a:r>
-                          <a:endParaRPr lang="zh-CN" sz="1400" kern="50" dirty="0">
-                            <a:effectLst/>
-                          </a:endParaRPr>
-                        </a:p>
-                        <a:p>
-                          <a:pPr indent="243840" algn="just">
-                            <a:spcAft>
-                              <a:spcPts val="0"/>
-                            </a:spcAft>
-                          </a:pPr>
+                          <a14:m>
+                            <m:oMath xmlns:m="http://schemas.openxmlformats.org/officeDocument/2006/math">
+                              <m:sSup>
+                                <m:sSupPr>
+                                  <m:ctrlPr>
+                                    <a:rPr lang="zh-CN" sz="1400" kern="50">
+                                      <a:effectLst/>
+                                    </a:rPr>
+                                  </m:ctrlPr>
+                                </m:sSupPr>
+                                <m:e>
+                                  <m:r>
+                                    <a:rPr lang="en-US" sz="1400" kern="50">
+                                      <a:effectLst/>
+                                    </a:rPr>
+                                    <m:t>𝑟</m:t>
+                                  </m:r>
+                                </m:e>
+                                <m:sup>
+                                  <m:r>
+                                    <a:rPr lang="en-US" sz="1400" kern="50">
+                                      <a:effectLst/>
+                                    </a:rPr>
+                                    <m:t>′</m:t>
+                                  </m:r>
+                                </m:sup>
+                              </m:sSup>
+                            </m:oMath>
+                          </a14:m>
                           <a:r>
                             <a:rPr lang="en-US" sz="1400" kern="50" dirty="0">
                               <a:effectLst/>
                             </a:rPr>
-                            <a:t>    else check positions </a:t>
-                          </a:r>
-                          <a:r>
-                            <a:rPr lang="en-US" sz="1400" kern="50" dirty="0" err="1">
-                              <a:effectLst/>
-                            </a:rPr>
-                            <a:t>i</a:t>
-                          </a:r>
-                          <a:r>
-                            <a:rPr lang="en-US" sz="1400" kern="50" dirty="0">
-                              <a:effectLst/>
-                            </a:rPr>
-                            <a:t>α+{r}</a:t>
+                            <a:t>)</a:t>
                           </a:r>
                           <a:endParaRPr lang="zh-CN" sz="1400" kern="50" dirty="0">
                             <a:effectLst/>
@@ -10243,7 +13342,7 @@
                             <a:rPr lang="en-US" sz="1400" kern="50" dirty="0">
                               <a:effectLst/>
                             </a:rPr>
-                            <a:t>R </a:t>
+                            <a:t>r </a:t>
                           </a:r>
                           <a:r>
                             <a:rPr lang="zh-CN" sz="1400" kern="50" dirty="0">
@@ -10325,72 +13424,57 @@
                           </a:endParaRPr>
                         </a:p>
                         <a:p>
-                          <a:pPr indent="254000" algn="just">
+                          <a:pPr indent="444500" algn="just">
                             <a:spcAft>
                               <a:spcPts val="0"/>
                             </a:spcAft>
                           </a:pPr>
                           <a:r>
-                            <a:rPr lang="en-US" sz="1400" kern="50" dirty="0">
-                              <a:effectLst/>
-                            </a:rPr>
-                            <a:t>If m = m1 then</a:t>
-                          </a:r>
-                          <a:endParaRPr lang="zh-CN" sz="1400" kern="50" dirty="0">
-                            <a:effectLst/>
-                          </a:endParaRPr>
-                        </a:p>
-                        <a:p>
-                          <a:pPr indent="243840" algn="just">
-                            <a:spcAft>
-                              <a:spcPts val="0"/>
-                            </a:spcAft>
-                          </a:pPr>
-                          <a:r>
-                            <a:rPr lang="en-US" sz="1400" kern="50" dirty="0">
-                              <a:effectLst/>
-                            </a:rPr>
-                            <a:t>      Report occurrences at </a:t>
-                          </a:r>
-                          <a:r>
                             <a:rPr lang="en-US" sz="1400" kern="50" dirty="0" err="1">
                               <a:effectLst/>
                             </a:rPr>
-                            <a:t>i</a:t>
+                            <a:t>Memcmp</a:t>
                           </a:r>
                           <a:r>
                             <a:rPr lang="en-US" sz="1400" kern="50" dirty="0">
                               <a:effectLst/>
                             </a:rPr>
-                            <a:t>α+α/2+{r}</a:t>
+                            <a:t>(P,T+</a:t>
                           </a:r>
-                          <a:endParaRPr lang="zh-CN" sz="1400" kern="50" dirty="0">
-                            <a:effectLst/>
-                          </a:endParaRPr>
-                        </a:p>
-                        <a:p>
-                          <a:pPr indent="243840" algn="just">
-                            <a:spcAft>
-                              <a:spcPts val="0"/>
-                            </a:spcAft>
-                          </a:pPr>
+                          <a14:m>
+                            <m:oMath xmlns:m="http://schemas.openxmlformats.org/officeDocument/2006/math">
+                              <m:sSup>
+                                <m:sSupPr>
+                                  <m:ctrlPr>
+                                    <a:rPr lang="zh-CN" sz="1400" kern="50">
+                                      <a:effectLst/>
+                                    </a:rPr>
+                                  </m:ctrlPr>
+                                </m:sSupPr>
+                                <m:e>
+                                  <m:r>
+                                    <a:rPr lang="en-US" sz="1400" kern="50">
+                                      <a:effectLst/>
+                                    </a:rPr>
+                                    <m:t>𝑟</m:t>
+                                  </m:r>
+                                </m:e>
+                                <m:sup>
+                                  <m:r>
+                                    <a:rPr lang="en-US" sz="1400" kern="50">
+                                      <a:effectLst/>
+                                    </a:rPr>
+                                    <m:t>′</m:t>
+                                  </m:r>
+                                </m:sup>
+                              </m:sSup>
+                            </m:oMath>
+                          </a14:m>
                           <a:r>
                             <a:rPr lang="en-US" sz="1400" kern="50" dirty="0">
                               <a:effectLst/>
                             </a:rPr>
-                            <a:t>else check positions </a:t>
-                          </a:r>
-                          <a:r>
-                            <a:rPr lang="en-US" sz="1400" kern="50" dirty="0" err="1">
-                              <a:effectLst/>
-                            </a:rPr>
-                            <a:t>i</a:t>
-                          </a:r>
-                          <a:r>
-                            <a:rPr lang="en-US" sz="1400" kern="50" dirty="0">
-                              <a:effectLst/>
-                            </a:rPr>
-                            <a:t>α+α/2+{r}</a:t>
+                            <a:t>)</a:t>
                           </a:r>
                           <a:endParaRPr lang="zh-CN" sz="1400" kern="50" dirty="0">
                             <a:effectLst/>
@@ -10411,7 +13495,7 @@
         <mc:Fallback>
           <p:graphicFrame>
             <p:nvGraphicFramePr>
-              <p:cNvPr id="4" name="内容占位符 3"/>
+              <p:cNvPr id="6" name="内容占位符 5"/>
               <p:cNvGraphicFramePr>
                 <a:graphicFrameLocks noGrp="1"/>
               </p:cNvGraphicFramePr>
@@ -10419,14 +13503,14 @@
                 <p:ph idx="1"/>
                 <p:extLst>
                   <p:ext uri="{D42A27DB-BD31-4B8C-83A1-F6EECF244321}">
-                    <p14:modId xmlns:p14="http://schemas.microsoft.com/office/powerpoint/2010/main" val="2736594825"/>
+                    <p14:modId xmlns:p14="http://schemas.microsoft.com/office/powerpoint/2010/main" val="2708460150"/>
                   </p:ext>
                 </p:extLst>
               </p:nvPr>
             </p:nvGraphicFramePr>
             <p:xfrm>
-              <a:off x="3138055" y="1984664"/>
-              <a:ext cx="5444836" cy="3948545"/>
+              <a:off x="3329677" y="2049517"/>
+              <a:ext cx="4729655" cy="3386433"/>
             </p:xfrm>
             <a:graphic>
               <a:graphicData uri="http://schemas.openxmlformats.org/drawingml/2006/table">
@@ -10435,10 +13519,10 @@
                     <a:tableStyleId>{5C22544A-7EE6-4342-B048-85BDC9FD1C3A}</a:tableStyleId>
                   </a:tblPr>
                   <a:tblGrid>
-                    <a:gridCol w="537637"/>
-                    <a:gridCol w="4907199"/>
+                    <a:gridCol w="467019"/>
+                    <a:gridCol w="4262636"/>
                   </a:tblGrid>
-                  <a:tr h="367775">
+                  <a:tr h="403288">
                     <a:tc gridSpan="2">
                       <a:txBody>
                         <a:bodyPr/>
@@ -10453,18 +13537,18 @@
                             </a:spcAft>
                           </a:pPr>
                           <a:r>
-                            <a:rPr lang="en-US" sz="2000" kern="100" dirty="0">
+                            <a:rPr lang="en-US" sz="2000" kern="100">
                               <a:effectLst/>
                             </a:rPr>
                             <a:t>IEPSM2</a:t>
                           </a:r>
                           <a:r>
-                            <a:rPr lang="zh-CN" sz="2000" kern="100" dirty="0">
+                            <a:rPr lang="zh-CN" sz="2000" kern="100">
                               <a:effectLst/>
                             </a:rPr>
                             <a:t>算法</a:t>
                           </a:r>
-                          <a:endParaRPr lang="zh-CN" sz="1600" kern="100" dirty="0">
+                          <a:endParaRPr lang="zh-CN" sz="1600" kern="100">
                             <a:effectLst/>
                             <a:latin typeface="Times New Roman" panose="02020603050405020304" pitchFamily="18" charset="0"/>
                             <a:ea typeface="宋体" panose="02010600030101010101" pitchFamily="2" charset="-122"/>
@@ -10484,7 +13568,7 @@
                       <a:tcPr/>
                     </a:tc>
                   </a:tr>
-                  <a:tr h="3580770">
+                  <a:tr h="2983145">
                     <a:tc>
                       <a:txBody>
                         <a:bodyPr/>
@@ -10682,70 +13766,6 @@
                           </a:r>
                           <a:endParaRPr lang="zh-CN" sz="1400" kern="50">
                             <a:effectLst/>
-                          </a:endParaRPr>
-                        </a:p>
-                        <a:p>
-                          <a:pPr algn="just">
-                            <a:spcAft>
-                              <a:spcPts val="0"/>
-                            </a:spcAft>
-                          </a:pPr>
-                          <a:r>
-                            <a:rPr lang="en-US" sz="1400" kern="50">
-                              <a:effectLst/>
-                            </a:rPr>
-                            <a:t>13</a:t>
-                          </a:r>
-                          <a:endParaRPr lang="zh-CN" sz="1400" kern="50">
-                            <a:effectLst/>
-                          </a:endParaRPr>
-                        </a:p>
-                        <a:p>
-                          <a:pPr algn="just">
-                            <a:spcAft>
-                              <a:spcPts val="0"/>
-                            </a:spcAft>
-                          </a:pPr>
-                          <a:r>
-                            <a:rPr lang="en-US" sz="1400" kern="50">
-                              <a:effectLst/>
-                            </a:rPr>
-                            <a:t>14</a:t>
-                          </a:r>
-                          <a:endParaRPr lang="zh-CN" sz="1400" kern="50">
-                            <a:effectLst/>
-                          </a:endParaRPr>
-                        </a:p>
-                        <a:p>
-                          <a:pPr algn="just">
-                            <a:spcAft>
-                              <a:spcPts val="0"/>
-                            </a:spcAft>
-                          </a:pPr>
-                          <a:r>
-                            <a:rPr lang="en-US" sz="1400" kern="50">
-                              <a:effectLst/>
-                            </a:rPr>
-                            <a:t>15</a:t>
-                          </a:r>
-                          <a:endParaRPr lang="zh-CN" sz="1400" kern="50">
-                            <a:effectLst/>
-                          </a:endParaRPr>
-                        </a:p>
-                        <a:p>
-                          <a:pPr algn="just">
-                            <a:spcAft>
-                              <a:spcPts val="0"/>
-                            </a:spcAft>
-                          </a:pPr>
-                          <a:r>
-                            <a:rPr lang="en-US" sz="1400" kern="50">
-                              <a:effectLst/>
-                            </a:rPr>
-                            <a:t>16</a:t>
-                          </a:r>
-                          <a:endParaRPr lang="zh-CN" sz="1400" kern="50">
-                            <a:effectLst/>
                             <a:latin typeface="DejaVu Sans Mono"/>
                             <a:ea typeface="AR PL KaitiM GB"/>
                             <a:cs typeface="DejaVu Sans Mono"/>
@@ -10766,7 +13786,7 @@
                         <a:blipFill rotWithShape="0">
                           <a:blip r:embed="rId2"/>
                           <a:stretch>
-                            <a:fillRect l="-11042" t="-12903" r="-620" b="-340"/>
+                            <a:fillRect l="-11143" t="-16939" r="-571" b="-408"/>
                           </a:stretch>
                         </a:blipFill>
                       </a:tcPr>
@@ -10831,89 +13851,6 @@
           <a:lstStyle/>
           <a:p>
             <a:r>
-              <a:rPr lang="en-US" altLang="zh-CN" dirty="0" smtClean="0"/>
-              <a:t>IEPSM</a:t>
-            </a:r>
-            <a:r>
-              <a:rPr lang="zh-CN" altLang="en-US" dirty="0" smtClean="0"/>
-              <a:t>算法（四）</a:t>
-            </a:r>
-            <a:endParaRPr lang="zh-CN" altLang="en-US" dirty="0"/>
-          </a:p>
-        </p:txBody>
-      </p:sp>
-      <p:sp>
-        <p:nvSpPr>
-          <p:cNvPr id="3" name="内容占位符 2"/>
-          <p:cNvSpPr>
-            <a:spLocks noGrp="1"/>
-          </p:cNvSpPr>
-          <p:nvPr>
-            <p:ph idx="1"/>
-          </p:nvPr>
-        </p:nvSpPr>
-        <p:spPr/>
-        <p:txBody>
-          <a:bodyPr/>
-          <a:lstStyle/>
-          <a:p>
-            <a:endParaRPr lang="zh-CN" altLang="en-US"/>
-          </a:p>
-        </p:txBody>
-      </p:sp>
-    </p:spTree>
-    <p:extLst>
-      <p:ext uri="{BB962C8B-B14F-4D97-AF65-F5344CB8AC3E}">
-        <p14:creationId xmlns:p14="http://schemas.microsoft.com/office/powerpoint/2010/main" val="774405329"/>
-      </p:ext>
-    </p:extLst>
-  </p:cSld>
-  <p:clrMapOvr>
-    <a:masterClrMapping/>
-  </p:clrMapOvr>
-  <p:timing>
-    <p:tnLst>
-      <p:par>
-        <p:cTn id="1" dur="indefinite" restart="never" nodeType="tmRoot"/>
-      </p:par>
-    </p:tnLst>
-  </p:timing>
-</p:sld>
-</file>
-
-<file path=ppt/slides/slide14.xml><?xml version="1.0" encoding="utf-8"?>
-<p:sld xmlns:a="http://schemas.openxmlformats.org/drawingml/2006/main" xmlns:r="http://schemas.openxmlformats.org/officeDocument/2006/relationships" xmlns:p="http://schemas.openxmlformats.org/presentationml/2006/main">
-  <p:cSld>
-    <p:spTree>
-      <p:nvGrpSpPr>
-        <p:cNvPr id="1" name=""/>
-        <p:cNvGrpSpPr/>
-        <p:nvPr/>
-      </p:nvGrpSpPr>
-      <p:grpSpPr>
-        <a:xfrm>
-          <a:off x="0" y="0"/>
-          <a:ext cx="0" cy="0"/>
-          <a:chOff x="0" y="0"/>
-          <a:chExt cx="0" cy="0"/>
-        </a:xfrm>
-      </p:grpSpPr>
-      <p:sp>
-        <p:nvSpPr>
-          <p:cNvPr id="2" name="标题 1"/>
-          <p:cNvSpPr>
-            <a:spLocks noGrp="1"/>
-          </p:cNvSpPr>
-          <p:nvPr>
-            <p:ph type="title"/>
-          </p:nvPr>
-        </p:nvSpPr>
-        <p:spPr/>
-        <p:txBody>
-          <a:bodyPr/>
-          <a:lstStyle/>
-          <a:p>
-            <a:r>
               <a:rPr lang="zh-CN" altLang="en-US" dirty="0" smtClean="0"/>
               <a:t>算法实验</a:t>
             </a:r>
@@ -10939,14 +13876,14 @@
             <p:ph idx="1"/>
             <p:extLst>
               <p:ext uri="{D42A27DB-BD31-4B8C-83A1-F6EECF244321}">
-                <p14:modId xmlns:p14="http://schemas.microsoft.com/office/powerpoint/2010/main" val="2975769515"/>
+                <p14:modId xmlns:p14="http://schemas.microsoft.com/office/powerpoint/2010/main" val="3648477729"/>
               </p:ext>
             </p:extLst>
           </p:nvPr>
         </p:nvGraphicFramePr>
         <p:xfrm>
           <a:off x="793085" y="2028118"/>
-          <a:ext cx="7976841" cy="1581734"/>
+          <a:ext cx="8423652" cy="1432054"/>
         </p:xfrm>
         <a:graphic>
           <a:graphicData uri="http://schemas.openxmlformats.org/drawingml/2006/table">
@@ -10955,22 +13892,22 @@
                 <a:tableStyleId>{5C22544A-7EE6-4342-B048-85BDC9FD1C3A}</a:tableStyleId>
               </a:tblPr>
               <a:tblGrid>
-                <a:gridCol w="486862"/>
-                <a:gridCol w="536086"/>
-                <a:gridCol w="536086"/>
-                <a:gridCol w="532505"/>
-                <a:gridCol w="532505"/>
-                <a:gridCol w="486862"/>
-                <a:gridCol w="486862"/>
-                <a:gridCol w="486862"/>
-                <a:gridCol w="486862"/>
-                <a:gridCol w="486862"/>
-                <a:gridCol w="486862"/>
-                <a:gridCol w="486862"/>
-                <a:gridCol w="486862"/>
-                <a:gridCol w="486862"/>
-                <a:gridCol w="486862"/>
-                <a:gridCol w="484177"/>
+                <a:gridCol w="514133"/>
+                <a:gridCol w="566114"/>
+                <a:gridCol w="566114"/>
+                <a:gridCol w="562332"/>
+                <a:gridCol w="562332"/>
+                <a:gridCol w="514133"/>
+                <a:gridCol w="514133"/>
+                <a:gridCol w="514133"/>
+                <a:gridCol w="514133"/>
+                <a:gridCol w="514133"/>
+                <a:gridCol w="514133"/>
+                <a:gridCol w="514133"/>
+                <a:gridCol w="514133"/>
+                <a:gridCol w="514133"/>
+                <a:gridCol w="514133"/>
+                <a:gridCol w="511297"/>
               </a:tblGrid>
               <a:tr h="210134">
                 <a:tc>
@@ -11513,14 +14450,14 @@
                         </a:spcAft>
                       </a:pPr>
                       <a:r>
-                        <a:rPr lang="en-US" sz="900" kern="0" dirty="0">
+                        <a:rPr lang="en-US" sz="900" b="1" i="1" kern="0" dirty="0">
                           <a:effectLst/>
                           <a:latin typeface="宋体" panose="02010600030101010101" pitchFamily="2" charset="-122"/>
                           <a:ea typeface="宋体" panose="02010600030101010101" pitchFamily="2" charset="-122"/>
                         </a:rPr>
                         <a:t>1833.65 </a:t>
                       </a:r>
-                      <a:endParaRPr lang="zh-CN" sz="1400" kern="100" dirty="0">
+                      <a:endParaRPr lang="zh-CN" sz="1400" b="1" i="1" kern="100" dirty="0">
                         <a:solidFill>
                           <a:srgbClr val="000000"/>
                         </a:solidFill>
@@ -12042,14 +14979,14 @@
                         </a:spcAft>
                       </a:pPr>
                       <a:r>
-                        <a:rPr lang="en-US" sz="900" kern="0">
+                        <a:rPr lang="en-US" sz="900" kern="0" dirty="0">
                           <a:effectLst/>
                           <a:latin typeface="宋体" panose="02010600030101010101" pitchFamily="2" charset="-122"/>
                           <a:ea typeface="宋体" panose="02010600030101010101" pitchFamily="2" charset="-122"/>
                         </a:rPr>
                         <a:t>1350.44 </a:t>
                       </a:r>
-                      <a:endParaRPr lang="zh-CN" sz="1400" kern="100">
+                      <a:endParaRPr lang="zh-CN" sz="1400" kern="100" dirty="0">
                         <a:solidFill>
                           <a:srgbClr val="000000"/>
                         </a:solidFill>
@@ -12540,14 +15477,14 @@
                         </a:spcAft>
                       </a:pPr>
                       <a:r>
-                        <a:rPr lang="en-US" sz="900" kern="0">
+                        <a:rPr lang="en-US" sz="900" b="1" i="1" kern="0" dirty="0">
                           <a:effectLst/>
                           <a:latin typeface="宋体" panose="02010600030101010101" pitchFamily="2" charset="-122"/>
                           <a:ea typeface="宋体" panose="02010600030101010101" pitchFamily="2" charset="-122"/>
                         </a:rPr>
                         <a:t>1345.82 </a:t>
                       </a:r>
-                      <a:endParaRPr lang="zh-CN" sz="1400" kern="100">
+                      <a:endParaRPr lang="zh-CN" sz="1400" b="1" i="1" kern="100" dirty="0">
                         <a:solidFill>
                           <a:srgbClr val="000000"/>
                         </a:solidFill>
@@ -12571,14 +15508,14 @@
                         </a:spcAft>
                       </a:pPr>
                       <a:r>
-                        <a:rPr lang="en-US" sz="900" kern="0" dirty="0">
+                        <a:rPr lang="en-US" sz="900" b="1" i="1" kern="0" dirty="0">
                           <a:effectLst/>
                           <a:latin typeface="宋体" panose="02010600030101010101" pitchFamily="2" charset="-122"/>
                           <a:ea typeface="宋体" panose="02010600030101010101" pitchFamily="2" charset="-122"/>
                         </a:rPr>
                         <a:t>992.15 </a:t>
                       </a:r>
-                      <a:endParaRPr lang="zh-CN" sz="1400" kern="100" dirty="0">
+                      <a:endParaRPr lang="zh-CN" sz="1400" b="1" i="1" kern="100" dirty="0">
                         <a:solidFill>
                           <a:srgbClr val="000000"/>
                         </a:solidFill>
@@ -12602,14 +15539,14 @@
                         </a:spcAft>
                       </a:pPr>
                       <a:r>
-                        <a:rPr lang="en-US" sz="900" kern="0">
+                        <a:rPr lang="en-US" sz="900" b="1" i="1" kern="0" dirty="0">
                           <a:effectLst/>
                           <a:latin typeface="宋体" panose="02010600030101010101" pitchFamily="2" charset="-122"/>
                           <a:ea typeface="宋体" panose="02010600030101010101" pitchFamily="2" charset="-122"/>
                         </a:rPr>
                         <a:t>807.76 </a:t>
                       </a:r>
-                      <a:endParaRPr lang="zh-CN" sz="1400" kern="100">
+                      <a:endParaRPr lang="zh-CN" sz="1400" b="1" i="1" kern="100" dirty="0">
                         <a:solidFill>
                           <a:srgbClr val="000000"/>
                         </a:solidFill>
@@ -12633,14 +15570,14 @@
                         </a:spcAft>
                       </a:pPr>
                       <a:r>
-                        <a:rPr lang="en-US" sz="900" kern="0">
+                        <a:rPr lang="en-US" sz="900" b="1" i="1" kern="0" dirty="0">
                           <a:effectLst/>
                           <a:latin typeface="宋体" panose="02010600030101010101" pitchFamily="2" charset="-122"/>
                           <a:ea typeface="宋体" panose="02010600030101010101" pitchFamily="2" charset="-122"/>
                         </a:rPr>
                         <a:t>683.10 </a:t>
                       </a:r>
-                      <a:endParaRPr lang="zh-CN" sz="1400" kern="100">
+                      <a:endParaRPr lang="zh-CN" sz="1400" b="1" i="1" kern="100" dirty="0">
                         <a:solidFill>
                           <a:srgbClr val="000000"/>
                         </a:solidFill>
@@ -12664,14 +15601,14 @@
                         </a:spcAft>
                       </a:pPr>
                       <a:r>
-                        <a:rPr lang="en-US" sz="900" kern="0">
+                        <a:rPr lang="en-US" sz="900" b="1" i="1" kern="0" dirty="0">
                           <a:effectLst/>
                           <a:latin typeface="宋体" panose="02010600030101010101" pitchFamily="2" charset="-122"/>
                           <a:ea typeface="宋体" panose="02010600030101010101" pitchFamily="2" charset="-122"/>
                         </a:rPr>
                         <a:t>582.12 </a:t>
                       </a:r>
-                      <a:endParaRPr lang="zh-CN" sz="1400" kern="100">
+                      <a:endParaRPr lang="zh-CN" sz="1400" b="1" i="1" kern="100" dirty="0">
                         <a:solidFill>
                           <a:srgbClr val="000000"/>
                         </a:solidFill>
@@ -12695,14 +15632,14 @@
                         </a:spcAft>
                       </a:pPr>
                       <a:r>
-                        <a:rPr lang="en-US" sz="900" kern="0" dirty="0">
+                        <a:rPr lang="en-US" sz="900" b="1" i="1" kern="0" dirty="0">
                           <a:effectLst/>
                           <a:latin typeface="宋体" panose="02010600030101010101" pitchFamily="2" charset="-122"/>
                           <a:ea typeface="宋体" panose="02010600030101010101" pitchFamily="2" charset="-122"/>
                         </a:rPr>
                         <a:t>517.52 </a:t>
                       </a:r>
-                      <a:endParaRPr lang="zh-CN" sz="1400" kern="100" dirty="0">
+                      <a:endParaRPr lang="zh-CN" sz="1400" b="1" i="1" kern="100" dirty="0">
                         <a:solidFill>
                           <a:srgbClr val="000000"/>
                         </a:solidFill>
@@ -13722,14 +16659,14 @@
                         </a:spcAft>
                       </a:pPr>
                       <a:r>
-                        <a:rPr lang="en-US" sz="900" kern="0">
+                        <a:rPr lang="en-US" sz="900" b="1" i="1" kern="0" dirty="0">
                           <a:effectLst/>
                           <a:latin typeface="宋体" panose="02010600030101010101" pitchFamily="2" charset="-122"/>
                           <a:ea typeface="宋体" panose="02010600030101010101" pitchFamily="2" charset="-122"/>
                         </a:rPr>
                         <a:t>466.46 </a:t>
                       </a:r>
-                      <a:endParaRPr lang="zh-CN" sz="1400" kern="100">
+                      <a:endParaRPr lang="zh-CN" sz="1400" b="1" i="1" kern="100" dirty="0">
                         <a:solidFill>
                           <a:srgbClr val="000000"/>
                         </a:solidFill>
@@ -13753,14 +16690,14 @@
                         </a:spcAft>
                       </a:pPr>
                       <a:r>
-                        <a:rPr lang="en-US" sz="900" kern="0">
+                        <a:rPr lang="en-US" sz="900" b="1" i="1" kern="0" dirty="0">
                           <a:effectLst/>
                           <a:latin typeface="宋体" panose="02010600030101010101" pitchFamily="2" charset="-122"/>
                           <a:ea typeface="宋体" panose="02010600030101010101" pitchFamily="2" charset="-122"/>
                         </a:rPr>
                         <a:t>445.42 </a:t>
                       </a:r>
-                      <a:endParaRPr lang="zh-CN" sz="1400" kern="100">
+                      <a:endParaRPr lang="zh-CN" sz="1400" b="1" i="1" kern="100" dirty="0">
                         <a:solidFill>
                           <a:srgbClr val="000000"/>
                         </a:solidFill>
@@ -13784,14 +16721,14 @@
                         </a:spcAft>
                       </a:pPr>
                       <a:r>
-                        <a:rPr lang="en-US" sz="900" kern="0">
+                        <a:rPr lang="en-US" sz="900" b="1" i="1" kern="0" dirty="0">
                           <a:effectLst/>
                           <a:latin typeface="宋体" panose="02010600030101010101" pitchFamily="2" charset="-122"/>
                           <a:ea typeface="宋体" panose="02010600030101010101" pitchFamily="2" charset="-122"/>
                         </a:rPr>
                         <a:t>351.45 </a:t>
                       </a:r>
-                      <a:endParaRPr lang="zh-CN" sz="1400" kern="100">
+                      <a:endParaRPr lang="zh-CN" sz="1400" b="1" i="1" kern="100" dirty="0">
                         <a:solidFill>
                           <a:srgbClr val="000000"/>
                         </a:solidFill>
@@ -13815,14 +16752,14 @@
                         </a:spcAft>
                       </a:pPr>
                       <a:r>
-                        <a:rPr lang="en-US" sz="900" kern="0">
+                        <a:rPr lang="en-US" sz="900" b="1" i="1" kern="0" dirty="0">
                           <a:effectLst/>
                           <a:latin typeface="宋体" panose="02010600030101010101" pitchFamily="2" charset="-122"/>
                           <a:ea typeface="宋体" panose="02010600030101010101" pitchFamily="2" charset="-122"/>
                         </a:rPr>
                         <a:t>303.27 </a:t>
                       </a:r>
-                      <a:endParaRPr lang="zh-CN" sz="1400" kern="100">
+                      <a:endParaRPr lang="zh-CN" sz="1400" b="1" i="1" kern="100" dirty="0">
                         <a:solidFill>
                           <a:srgbClr val="000000"/>
                         </a:solidFill>
@@ -13846,14 +16783,14 @@
                         </a:spcAft>
                       </a:pPr>
                       <a:r>
-                        <a:rPr lang="en-US" sz="900" kern="0">
+                        <a:rPr lang="en-US" sz="900" b="1" i="1" kern="0" dirty="0">
                           <a:effectLst/>
                           <a:latin typeface="宋体" panose="02010600030101010101" pitchFamily="2" charset="-122"/>
                           <a:ea typeface="宋体" panose="02010600030101010101" pitchFamily="2" charset="-122"/>
                         </a:rPr>
                         <a:t>236.61 </a:t>
                       </a:r>
-                      <a:endParaRPr lang="zh-CN" sz="1400" kern="100">
+                      <a:endParaRPr lang="zh-CN" sz="1400" b="1" i="1" kern="100" dirty="0">
                         <a:solidFill>
                           <a:srgbClr val="000000"/>
                         </a:solidFill>
@@ -13877,14 +16814,14 @@
                         </a:spcAft>
                       </a:pPr>
                       <a:r>
-                        <a:rPr lang="en-US" sz="900" kern="0">
+                        <a:rPr lang="en-US" sz="900" b="1" i="1" kern="0" dirty="0">
                           <a:effectLst/>
                           <a:latin typeface="宋体" panose="02010600030101010101" pitchFamily="2" charset="-122"/>
                           <a:ea typeface="宋体" panose="02010600030101010101" pitchFamily="2" charset="-122"/>
                         </a:rPr>
                         <a:t>151.72 </a:t>
                       </a:r>
-                      <a:endParaRPr lang="zh-CN" sz="1400" kern="100">
+                      <a:endParaRPr lang="zh-CN" sz="1400" b="1" i="1" kern="100" dirty="0">
                         <a:solidFill>
                           <a:srgbClr val="000000"/>
                         </a:solidFill>
@@ -13908,14 +16845,14 @@
                         </a:spcAft>
                       </a:pPr>
                       <a:r>
-                        <a:rPr lang="en-US" sz="900" kern="0">
+                        <a:rPr lang="en-US" sz="900" b="1" i="1" kern="0" dirty="0">
                           <a:effectLst/>
                           <a:latin typeface="宋体" panose="02010600030101010101" pitchFamily="2" charset="-122"/>
                           <a:ea typeface="宋体" panose="02010600030101010101" pitchFamily="2" charset="-122"/>
                         </a:rPr>
                         <a:t>116.49 </a:t>
                       </a:r>
-                      <a:endParaRPr lang="zh-CN" sz="1400" kern="100">
+                      <a:endParaRPr lang="zh-CN" sz="1400" b="1" i="1" kern="100" dirty="0">
                         <a:solidFill>
                           <a:srgbClr val="000000"/>
                         </a:solidFill>
@@ -13939,14 +16876,14 @@
                         </a:spcAft>
                       </a:pPr>
                       <a:r>
-                        <a:rPr lang="en-US" sz="900" kern="0" dirty="0">
+                        <a:rPr lang="en-US" sz="900" b="1" i="1" kern="0" dirty="0">
                           <a:effectLst/>
                           <a:latin typeface="宋体" panose="02010600030101010101" pitchFamily="2" charset="-122"/>
                           <a:ea typeface="宋体" panose="02010600030101010101" pitchFamily="2" charset="-122"/>
                         </a:rPr>
                         <a:t>92.90 </a:t>
                       </a:r>
-                      <a:endParaRPr lang="zh-CN" sz="1400" kern="100" dirty="0">
+                      <a:endParaRPr lang="zh-CN" sz="1400" b="1" i="1" kern="100" dirty="0">
                         <a:solidFill>
                           <a:srgbClr val="000000"/>
                         </a:solidFill>
@@ -13973,14 +16910,14 @@
           <p:nvPr>
             <p:extLst>
               <p:ext uri="{D42A27DB-BD31-4B8C-83A1-F6EECF244321}">
-                <p14:modId xmlns:p14="http://schemas.microsoft.com/office/powerpoint/2010/main" val="4034228363"/>
+                <p14:modId xmlns:p14="http://schemas.microsoft.com/office/powerpoint/2010/main" val="760166134"/>
               </p:ext>
             </p:extLst>
           </p:nvPr>
         </p:nvGraphicFramePr>
         <p:xfrm>
           <a:off x="789968" y="4086066"/>
-          <a:ext cx="7959175" cy="1649716"/>
+          <a:ext cx="8395592" cy="1649716"/>
         </p:xfrm>
         <a:graphic>
           <a:graphicData uri="http://schemas.openxmlformats.org/drawingml/2006/table">
@@ -13989,22 +16926,22 @@
                 <a:tableStyleId>{5C22544A-7EE6-4342-B048-85BDC9FD1C3A}</a:tableStyleId>
               </a:tblPr>
               <a:tblGrid>
-                <a:gridCol w="534670"/>
-                <a:gridCol w="494967"/>
-                <a:gridCol w="494967"/>
-                <a:gridCol w="494967"/>
-                <a:gridCol w="494967"/>
-                <a:gridCol w="494967"/>
-                <a:gridCol w="494967"/>
-                <a:gridCol w="494967"/>
-                <a:gridCol w="494967"/>
-                <a:gridCol w="494967"/>
-                <a:gridCol w="494967"/>
-                <a:gridCol w="494967"/>
-                <a:gridCol w="494967"/>
-                <a:gridCol w="494967"/>
-                <a:gridCol w="494967"/>
-                <a:gridCol w="494967"/>
+                <a:gridCol w="563987"/>
+                <a:gridCol w="522107"/>
+                <a:gridCol w="522107"/>
+                <a:gridCol w="522107"/>
+                <a:gridCol w="522107"/>
+                <a:gridCol w="522107"/>
+                <a:gridCol w="522107"/>
+                <a:gridCol w="522107"/>
+                <a:gridCol w="522107"/>
+                <a:gridCol w="522107"/>
+                <a:gridCol w="522107"/>
+                <a:gridCol w="522107"/>
+                <a:gridCol w="522107"/>
+                <a:gridCol w="522107"/>
+                <a:gridCol w="522107"/>
+                <a:gridCol w="522107"/>
               </a:tblGrid>
               <a:tr h="238001">
                 <a:tc>
@@ -14018,14 +16955,14 @@
                         </a:spcAft>
                       </a:pPr>
                       <a:r>
-                        <a:rPr lang="en-US" sz="1000" kern="0">
+                        <a:rPr lang="en-US" sz="1000" kern="0" dirty="0">
                           <a:effectLst/>
                           <a:latin typeface="宋体" panose="02010600030101010101" pitchFamily="2" charset="-122"/>
                           <a:ea typeface="宋体" panose="02010600030101010101" pitchFamily="2" charset="-122"/>
                         </a:rPr>
                         <a:t>m</a:t>
                       </a:r>
-                      <a:endParaRPr lang="zh-CN" sz="1400" kern="100">
+                      <a:endParaRPr lang="zh-CN" sz="1400" kern="100" dirty="0">
                         <a:solidFill>
                           <a:srgbClr val="000000"/>
                         </a:solidFill>
@@ -14547,14 +17484,14 @@
                         </a:spcAft>
                       </a:pPr>
                       <a:r>
-                        <a:rPr lang="en-US" sz="1000" kern="0">
+                        <a:rPr lang="en-US" sz="1000" b="1" i="1" kern="0" dirty="0">
                           <a:effectLst/>
                           <a:latin typeface="宋体" panose="02010600030101010101" pitchFamily="2" charset="-122"/>
                           <a:ea typeface="宋体" panose="02010600030101010101" pitchFamily="2" charset="-122"/>
                         </a:rPr>
                         <a:t>21.97 </a:t>
                       </a:r>
-                      <a:endParaRPr lang="zh-CN" sz="1400" kern="100">
+                      <a:endParaRPr lang="zh-CN" sz="1400" b="1" i="1" kern="100" dirty="0">
                         <a:solidFill>
                           <a:srgbClr val="000000"/>
                         </a:solidFill>
@@ -14578,14 +17515,14 @@
                         </a:spcAft>
                       </a:pPr>
                       <a:r>
-                        <a:rPr lang="en-US" sz="1000" kern="0">
+                        <a:rPr lang="en-US" sz="1000" b="1" i="1" kern="0" dirty="0">
                           <a:effectLst/>
                           <a:latin typeface="宋体" panose="02010600030101010101" pitchFamily="2" charset="-122"/>
                           <a:ea typeface="宋体" panose="02010600030101010101" pitchFamily="2" charset="-122"/>
                         </a:rPr>
                         <a:t>15.36 </a:t>
                       </a:r>
-                      <a:endParaRPr lang="zh-CN" sz="1400" kern="100">
+                      <a:endParaRPr lang="zh-CN" sz="1400" b="1" i="1" kern="100" dirty="0">
                         <a:solidFill>
                           <a:srgbClr val="000000"/>
                         </a:solidFill>
@@ -14609,14 +17546,14 @@
                         </a:spcAft>
                       </a:pPr>
                       <a:r>
-                        <a:rPr lang="en-US" sz="1000" kern="0">
+                        <a:rPr lang="en-US" sz="1000" b="1" i="1" kern="0" dirty="0">
                           <a:effectLst/>
                           <a:latin typeface="宋体" panose="02010600030101010101" pitchFamily="2" charset="-122"/>
                           <a:ea typeface="宋体" panose="02010600030101010101" pitchFamily="2" charset="-122"/>
                         </a:rPr>
                         <a:t>11.56 </a:t>
                       </a:r>
-                      <a:endParaRPr lang="zh-CN" sz="1400" kern="100">
+                      <a:endParaRPr lang="zh-CN" sz="1400" b="1" i="1" kern="100" dirty="0">
                         <a:solidFill>
                           <a:srgbClr val="000000"/>
                         </a:solidFill>
@@ -14640,14 +17577,14 @@
                         </a:spcAft>
                       </a:pPr>
                       <a:r>
-                        <a:rPr lang="en-US" sz="1000" kern="0">
+                        <a:rPr lang="en-US" sz="1000" b="1" i="1" kern="0" dirty="0">
                           <a:effectLst/>
                           <a:latin typeface="宋体" panose="02010600030101010101" pitchFamily="2" charset="-122"/>
                           <a:ea typeface="宋体" panose="02010600030101010101" pitchFamily="2" charset="-122"/>
                         </a:rPr>
                         <a:t>9.23 </a:t>
                       </a:r>
-                      <a:endParaRPr lang="zh-CN" sz="1400" kern="100">
+                      <a:endParaRPr lang="zh-CN" sz="1400" b="1" i="1" kern="100" dirty="0">
                         <a:solidFill>
                           <a:srgbClr val="000000"/>
                         </a:solidFill>
@@ -14671,14 +17608,14 @@
                         </a:spcAft>
                       </a:pPr>
                       <a:r>
-                        <a:rPr lang="en-US" sz="1000" kern="0">
+                        <a:rPr lang="en-US" sz="1000" b="1" i="1" kern="0" dirty="0">
                           <a:effectLst/>
                           <a:latin typeface="宋体" panose="02010600030101010101" pitchFamily="2" charset="-122"/>
                           <a:ea typeface="宋体" panose="02010600030101010101" pitchFamily="2" charset="-122"/>
                         </a:rPr>
                         <a:t>9.90 </a:t>
                       </a:r>
-                      <a:endParaRPr lang="zh-CN" sz="1400" kern="100">
+                      <a:endParaRPr lang="zh-CN" sz="1400" b="1" i="1" kern="100" dirty="0">
                         <a:solidFill>
                           <a:srgbClr val="000000"/>
                         </a:solidFill>
@@ -14702,14 +17639,14 @@
                         </a:spcAft>
                       </a:pPr>
                       <a:r>
-                        <a:rPr lang="en-US" sz="1000" kern="0">
+                        <a:rPr lang="en-US" sz="1000" b="1" i="1" kern="0" dirty="0">
                           <a:effectLst/>
                           <a:latin typeface="宋体" panose="02010600030101010101" pitchFamily="2" charset="-122"/>
                           <a:ea typeface="宋体" panose="02010600030101010101" pitchFamily="2" charset="-122"/>
                         </a:rPr>
                         <a:t>6.99 </a:t>
                       </a:r>
-                      <a:endParaRPr lang="zh-CN" sz="1400" kern="100">
+                      <a:endParaRPr lang="zh-CN" sz="1400" b="1" i="1" kern="100" dirty="0">
                         <a:solidFill>
                           <a:srgbClr val="000000"/>
                         </a:solidFill>
@@ -14733,14 +17670,14 @@
                         </a:spcAft>
                       </a:pPr>
                       <a:r>
-                        <a:rPr lang="en-US" sz="1000" kern="0">
+                        <a:rPr lang="en-US" sz="1000" b="1" i="1" kern="0" dirty="0">
                           <a:effectLst/>
                           <a:latin typeface="宋体" panose="02010600030101010101" pitchFamily="2" charset="-122"/>
                           <a:ea typeface="宋体" panose="02010600030101010101" pitchFamily="2" charset="-122"/>
                         </a:rPr>
                         <a:t>6.34 </a:t>
                       </a:r>
-                      <a:endParaRPr lang="zh-CN" sz="1400" kern="100">
+                      <a:endParaRPr lang="zh-CN" sz="1400" b="1" i="1" kern="100" dirty="0">
                         <a:solidFill>
                           <a:srgbClr val="000000"/>
                         </a:solidFill>
@@ -14764,14 +17701,14 @@
                         </a:spcAft>
                       </a:pPr>
                       <a:r>
-                        <a:rPr lang="en-US" sz="1000" kern="0">
+                        <a:rPr lang="en-US" sz="1000" b="1" i="1" kern="0" dirty="0">
                           <a:effectLst/>
                           <a:latin typeface="宋体" panose="02010600030101010101" pitchFamily="2" charset="-122"/>
                           <a:ea typeface="宋体" panose="02010600030101010101" pitchFamily="2" charset="-122"/>
                         </a:rPr>
                         <a:t>5.80 </a:t>
                       </a:r>
-                      <a:endParaRPr lang="zh-CN" sz="1400" kern="100">
+                      <a:endParaRPr lang="zh-CN" sz="1400" b="1" i="1" kern="100" dirty="0">
                         <a:solidFill>
                           <a:srgbClr val="000000"/>
                         </a:solidFill>
@@ -14795,14 +17732,14 @@
                         </a:spcAft>
                       </a:pPr>
                       <a:r>
-                        <a:rPr lang="en-US" sz="1000" kern="0">
+                        <a:rPr lang="en-US" sz="1000" b="1" i="1" kern="0" dirty="0">
                           <a:effectLst/>
                           <a:latin typeface="宋体" panose="02010600030101010101" pitchFamily="2" charset="-122"/>
                           <a:ea typeface="宋体" panose="02010600030101010101" pitchFamily="2" charset="-122"/>
                         </a:rPr>
                         <a:t>5.29 </a:t>
                       </a:r>
-                      <a:endParaRPr lang="zh-CN" sz="1400" kern="100">
+                      <a:endParaRPr lang="zh-CN" sz="1400" b="1" i="1" kern="100" dirty="0">
                         <a:solidFill>
                           <a:srgbClr val="000000"/>
                         </a:solidFill>
@@ -14826,14 +17763,14 @@
                         </a:spcAft>
                       </a:pPr>
                       <a:r>
-                        <a:rPr lang="en-US" sz="1000" kern="0">
+                        <a:rPr lang="en-US" sz="1000" b="1" i="1" kern="0" dirty="0">
                           <a:effectLst/>
                           <a:latin typeface="宋体" panose="02010600030101010101" pitchFamily="2" charset="-122"/>
                           <a:ea typeface="宋体" panose="02010600030101010101" pitchFamily="2" charset="-122"/>
                         </a:rPr>
                         <a:t>4.51 </a:t>
                       </a:r>
-                      <a:endParaRPr lang="zh-CN" sz="1400" kern="100">
+                      <a:endParaRPr lang="zh-CN" sz="1400" b="1" i="1" kern="100" dirty="0">
                         <a:solidFill>
                           <a:srgbClr val="000000"/>
                         </a:solidFill>
@@ -14888,14 +17825,14 @@
                         </a:spcAft>
                       </a:pPr>
                       <a:r>
-                        <a:rPr lang="en-US" sz="1000" kern="0">
+                        <a:rPr lang="en-US" sz="1000" b="1" i="1" kern="0" dirty="0">
                           <a:effectLst/>
                           <a:latin typeface="宋体" panose="02010600030101010101" pitchFamily="2" charset="-122"/>
                           <a:ea typeface="宋体" panose="02010600030101010101" pitchFamily="2" charset="-122"/>
                         </a:rPr>
                         <a:t>2.83 </a:t>
                       </a:r>
-                      <a:endParaRPr lang="zh-CN" sz="1400" kern="100">
+                      <a:endParaRPr lang="zh-CN" sz="1400" b="1" i="1" kern="100" dirty="0">
                         <a:solidFill>
                           <a:srgbClr val="000000"/>
                         </a:solidFill>
@@ -15853,14 +18790,14 @@
                         </a:spcAft>
                       </a:pPr>
                       <a:r>
-                        <a:rPr lang="en-US" sz="1000" kern="0">
+                        <a:rPr lang="en-US" sz="1000" b="1" i="1" kern="0" dirty="0">
                           <a:effectLst/>
                           <a:latin typeface="宋体" panose="02010600030101010101" pitchFamily="2" charset="-122"/>
                           <a:ea typeface="宋体" panose="02010600030101010101" pitchFamily="2" charset="-122"/>
                         </a:rPr>
                         <a:t>4.13 </a:t>
                       </a:r>
-                      <a:endParaRPr lang="zh-CN" sz="1400" kern="100">
+                      <a:endParaRPr lang="zh-CN" sz="1400" b="1" i="1" kern="100" dirty="0">
                         <a:solidFill>
                           <a:srgbClr val="000000"/>
                         </a:solidFill>
@@ -15884,14 +18821,14 @@
                         </a:spcAft>
                       </a:pPr>
                       <a:r>
-                        <a:rPr lang="en-US" sz="1000" kern="0">
+                        <a:rPr lang="en-US" sz="1000" kern="0" dirty="0">
                           <a:effectLst/>
                           <a:latin typeface="宋体" panose="02010600030101010101" pitchFamily="2" charset="-122"/>
                           <a:ea typeface="宋体" panose="02010600030101010101" pitchFamily="2" charset="-122"/>
                         </a:rPr>
                         <a:t>3.06 </a:t>
                       </a:r>
-                      <a:endParaRPr lang="zh-CN" sz="1400" kern="100">
+                      <a:endParaRPr lang="zh-CN" sz="1400" kern="100" dirty="0">
                         <a:solidFill>
                           <a:srgbClr val="000000"/>
                         </a:solidFill>
@@ -16911,14 +19848,14 @@
                         </a:spcAft>
                       </a:pPr>
                       <a:r>
-                        <a:rPr lang="en-US" sz="1000" kern="0">
+                        <a:rPr lang="en-US" sz="1000" b="1" i="1" kern="0" dirty="0">
                           <a:effectLst/>
                           <a:latin typeface="宋体" panose="02010600030101010101" pitchFamily="2" charset="-122"/>
                           <a:ea typeface="宋体" panose="02010600030101010101" pitchFamily="2" charset="-122"/>
                         </a:rPr>
                         <a:t>2.11 </a:t>
                       </a:r>
-                      <a:endParaRPr lang="zh-CN" sz="1400" kern="100">
+                      <a:endParaRPr lang="zh-CN" sz="1400" b="1" i="1" kern="100" dirty="0">
                         <a:solidFill>
                           <a:srgbClr val="000000"/>
                         </a:solidFill>
@@ -16942,14 +19879,14 @@
                         </a:spcAft>
                       </a:pPr>
                       <a:r>
-                        <a:rPr lang="en-US" sz="1000" kern="0">
+                        <a:rPr lang="en-US" sz="1000" b="1" i="1" kern="0" dirty="0">
                           <a:effectLst/>
                           <a:latin typeface="宋体" panose="02010600030101010101" pitchFamily="2" charset="-122"/>
                           <a:ea typeface="宋体" panose="02010600030101010101" pitchFamily="2" charset="-122"/>
                         </a:rPr>
                         <a:t>1.35 </a:t>
                       </a:r>
-                      <a:endParaRPr lang="zh-CN" sz="1400" kern="100">
+                      <a:endParaRPr lang="zh-CN" sz="1400" b="1" i="1" kern="100" dirty="0">
                         <a:solidFill>
                           <a:srgbClr val="000000"/>
                         </a:solidFill>
@@ -16973,14 +19910,14 @@
                         </a:spcAft>
                       </a:pPr>
                       <a:r>
-                        <a:rPr lang="en-US" sz="1000" kern="0" dirty="0">
+                        <a:rPr lang="en-US" sz="1000" b="1" i="1" kern="0" dirty="0">
                           <a:effectLst/>
                           <a:latin typeface="宋体" panose="02010600030101010101" pitchFamily="2" charset="-122"/>
                           <a:ea typeface="宋体" panose="02010600030101010101" pitchFamily="2" charset="-122"/>
                         </a:rPr>
                         <a:t>1.24 </a:t>
                       </a:r>
-                      <a:endParaRPr lang="zh-CN" sz="1400" kern="100" dirty="0">
+                      <a:endParaRPr lang="zh-CN" sz="1400" b="1" i="1" kern="100" dirty="0">
                         <a:solidFill>
                           <a:srgbClr val="000000"/>
                         </a:solidFill>
@@ -17090,7 +20027,7 @@
 </p:sld>
 </file>
 
-<file path=ppt/slides/slide15.xml><?xml version="1.0" encoding="utf-8"?>
+<file path=ppt/slides/slide14.xml><?xml version="1.0" encoding="utf-8"?>
 <p:sld xmlns:a="http://schemas.openxmlformats.org/drawingml/2006/main" xmlns:r="http://schemas.openxmlformats.org/officeDocument/2006/relationships" xmlns:p="http://schemas.openxmlformats.org/presentationml/2006/main">
   <p:cSld>
     <p:spTree>
@@ -17703,7 +20640,7 @@
 </p:sld>
 </file>
 
-<file path=ppt/slides/slide16.xml><?xml version="1.0" encoding="utf-8"?>
+<file path=ppt/slides/slide15.xml><?xml version="1.0" encoding="utf-8"?>
 <p:sld xmlns:a="http://schemas.openxmlformats.org/drawingml/2006/main" xmlns:r="http://schemas.openxmlformats.org/officeDocument/2006/relationships" xmlns:p="http://schemas.openxmlformats.org/presentationml/2006/main">
   <p:cSld>
     <p:spTree>
@@ -18940,7 +21877,7 @@
 </p:sld>
 </file>
 
-<file path=ppt/slides/slide17.xml><?xml version="1.0" encoding="utf-8"?>
+<file path=ppt/slides/slide16.xml><?xml version="1.0" encoding="utf-8"?>
 <p:sld xmlns:a="http://schemas.openxmlformats.org/drawingml/2006/main" xmlns:r="http://schemas.openxmlformats.org/officeDocument/2006/relationships" xmlns:p="http://schemas.openxmlformats.org/presentationml/2006/main">
   <p:cSld>
     <p:spTree>
@@ -19071,7 +22008,7 @@
 </p:sld>
 </file>
 
-<file path=ppt/slides/slide18.xml><?xml version="1.0" encoding="utf-8"?>
+<file path=ppt/slides/slide17.xml><?xml version="1.0" encoding="utf-8"?>
 <p:sld xmlns:a="http://schemas.openxmlformats.org/drawingml/2006/main" xmlns:r="http://schemas.openxmlformats.org/officeDocument/2006/relationships" xmlns:p="http://schemas.openxmlformats.org/presentationml/2006/main">
   <p:cSld>
     <p:spTree>
@@ -20420,7 +23357,7 @@
 </p:sld>
 </file>
 
-<file path=ppt/slides/slide19.xml><?xml version="1.0" encoding="utf-8"?>
+<file path=ppt/slides/slide18.xml><?xml version="1.0" encoding="utf-8"?>
 <p:sld xmlns:a="http://schemas.openxmlformats.org/drawingml/2006/main" xmlns:r="http://schemas.openxmlformats.org/officeDocument/2006/relationships" xmlns:p="http://schemas.openxmlformats.org/presentationml/2006/main">
   <p:cSld>
     <p:spTree>
@@ -20596,6 +23533,111 @@
 </p:sld>
 </file>
 
+<file path=ppt/slides/slide19.xml><?xml version="1.0" encoding="utf-8"?>
+<p:sld xmlns:a="http://schemas.openxmlformats.org/drawingml/2006/main" xmlns:r="http://schemas.openxmlformats.org/officeDocument/2006/relationships" xmlns:p="http://schemas.openxmlformats.org/presentationml/2006/main">
+  <p:cSld>
+    <p:spTree>
+      <p:nvGrpSpPr>
+        <p:cNvPr id="1" name=""/>
+        <p:cNvGrpSpPr/>
+        <p:nvPr/>
+      </p:nvGrpSpPr>
+      <p:grpSpPr>
+        <a:xfrm>
+          <a:off x="0" y="0"/>
+          <a:ext cx="0" cy="0"/>
+          <a:chOff x="0" y="0"/>
+          <a:chExt cx="0" cy="0"/>
+        </a:xfrm>
+      </p:grpSpPr>
+      <p:sp>
+        <p:nvSpPr>
+          <p:cNvPr id="2" name="标题 1"/>
+          <p:cNvSpPr>
+            <a:spLocks noGrp="1"/>
+          </p:cNvSpPr>
+          <p:nvPr>
+            <p:ph type="title"/>
+          </p:nvPr>
+        </p:nvSpPr>
+        <p:spPr/>
+        <p:txBody>
+          <a:bodyPr/>
+          <a:lstStyle/>
+          <a:p>
+            <a:pPr eaLnBrk="1" hangingPunct="1">
+              <a:defRPr/>
+            </a:pPr>
+            <a:r>
+              <a:rPr lang="zh-CN" altLang="en-US" dirty="0" smtClean="0">
+                <a:solidFill>
+                  <a:schemeClr val="bg2">
+                    <a:lumMod val="10000"/>
+                  </a:schemeClr>
+                </a:solidFill>
+              </a:rPr>
+              <a:t>致谢</a:t>
+            </a:r>
+            <a:endParaRPr lang="zh-CN" altLang="en-US" dirty="0">
+              <a:solidFill>
+                <a:schemeClr val="bg2">
+                  <a:lumMod val="10000"/>
+                </a:schemeClr>
+              </a:solidFill>
+            </a:endParaRPr>
+          </a:p>
+        </p:txBody>
+      </p:sp>
+      <p:sp>
+        <p:nvSpPr>
+          <p:cNvPr id="25603" name="内容占位符 2"/>
+          <p:cNvSpPr>
+            <a:spLocks noGrp="1"/>
+          </p:cNvSpPr>
+          <p:nvPr>
+            <p:ph idx="1"/>
+          </p:nvPr>
+        </p:nvSpPr>
+        <p:spPr/>
+        <p:txBody>
+          <a:bodyPr/>
+          <a:lstStyle/>
+          <a:p>
+            <a:pPr marL="0" indent="0" algn="ctr" eaLnBrk="1" hangingPunct="1">
+              <a:buNone/>
+            </a:pPr>
+            <a:r>
+              <a:rPr lang="zh-CN" altLang="en-US" sz="8000" dirty="0"/>
+              <a:t>欢迎各位</a:t>
+            </a:r>
+            <a:r>
+              <a:rPr lang="zh-CN" altLang="en-US" sz="8000" dirty="0" smtClean="0"/>
+              <a:t>老师批评指正</a:t>
+            </a:r>
+            <a:endParaRPr lang="zh-CN" altLang="en-US" sz="8000" dirty="0"/>
+          </a:p>
+        </p:txBody>
+      </p:sp>
+    </p:spTree>
+    <p:extLst>
+      <p:ext uri="{BB962C8B-B14F-4D97-AF65-F5344CB8AC3E}">
+        <p14:creationId xmlns:p14="http://schemas.microsoft.com/office/powerpoint/2010/main" val="2064489143"/>
+      </p:ext>
+    </p:extLst>
+  </p:cSld>
+  <p:clrMapOvr>
+    <a:masterClrMapping/>
+  </p:clrMapOvr>
+  <p:timing>
+    <p:tnLst>
+      <p:par>
+        <p:cTn id="1" dur="indefinite" restart="never" nodeType="tmRoot"/>
+      </p:par>
+    </p:tnLst>
+  </p:timing>
+</p:sld>
+</file>
+
 <file path=ppt/slides/slide2.xml><?xml version="1.0" encoding="utf-8"?>
 <p:sld xmlns:a="http://schemas.openxmlformats.org/drawingml/2006/main" xmlns:r="http://schemas.openxmlformats.org/officeDocument/2006/relationships" xmlns:p="http://schemas.openxmlformats.org/presentationml/2006/main">
   <p:cSld>
@@ -20716,111 +23758,6 @@
     <p:extLst>
       <p:ext uri="{BB962C8B-B14F-4D97-AF65-F5344CB8AC3E}">
         <p14:creationId xmlns:p14="http://schemas.microsoft.com/office/powerpoint/2010/main" val="1073904602"/>
-      </p:ext>
-    </p:extLst>
-  </p:cSld>
-  <p:clrMapOvr>
-    <a:masterClrMapping/>
-  </p:clrMapOvr>
-  <p:timing>
-    <p:tnLst>
-      <p:par>
-        <p:cTn id="1" dur="indefinite" restart="never" nodeType="tmRoot"/>
-      </p:par>
-    </p:tnLst>
-  </p:timing>
-</p:sld>
-</file>
-
-<file path=ppt/slides/slide20.xml><?xml version="1.0" encoding="utf-8"?>
-<p:sld xmlns:a="http://schemas.openxmlformats.org/drawingml/2006/main" xmlns:r="http://schemas.openxmlformats.org/officeDocument/2006/relationships" xmlns:p="http://schemas.openxmlformats.org/presentationml/2006/main">
-  <p:cSld>
-    <p:spTree>
-      <p:nvGrpSpPr>
-        <p:cNvPr id="1" name=""/>
-        <p:cNvGrpSpPr/>
-        <p:nvPr/>
-      </p:nvGrpSpPr>
-      <p:grpSpPr>
-        <a:xfrm>
-          <a:off x="0" y="0"/>
-          <a:ext cx="0" cy="0"/>
-          <a:chOff x="0" y="0"/>
-          <a:chExt cx="0" cy="0"/>
-        </a:xfrm>
-      </p:grpSpPr>
-      <p:sp>
-        <p:nvSpPr>
-          <p:cNvPr id="2" name="标题 1"/>
-          <p:cNvSpPr>
-            <a:spLocks noGrp="1"/>
-          </p:cNvSpPr>
-          <p:nvPr>
-            <p:ph type="title"/>
-          </p:nvPr>
-        </p:nvSpPr>
-        <p:spPr/>
-        <p:txBody>
-          <a:bodyPr/>
-          <a:lstStyle/>
-          <a:p>
-            <a:pPr eaLnBrk="1" hangingPunct="1">
-              <a:defRPr/>
-            </a:pPr>
-            <a:r>
-              <a:rPr lang="zh-CN" altLang="en-US" dirty="0" smtClean="0">
-                <a:solidFill>
-                  <a:schemeClr val="bg2">
-                    <a:lumMod val="10000"/>
-                  </a:schemeClr>
-                </a:solidFill>
-              </a:rPr>
-              <a:t>致谢</a:t>
-            </a:r>
-            <a:endParaRPr lang="zh-CN" altLang="en-US" dirty="0">
-              <a:solidFill>
-                <a:schemeClr val="bg2">
-                  <a:lumMod val="10000"/>
-                </a:schemeClr>
-              </a:solidFill>
-            </a:endParaRPr>
-          </a:p>
-        </p:txBody>
-      </p:sp>
-      <p:sp>
-        <p:nvSpPr>
-          <p:cNvPr id="25603" name="内容占位符 2"/>
-          <p:cNvSpPr>
-            <a:spLocks noGrp="1"/>
-          </p:cNvSpPr>
-          <p:nvPr>
-            <p:ph idx="1"/>
-          </p:nvPr>
-        </p:nvSpPr>
-        <p:spPr/>
-        <p:txBody>
-          <a:bodyPr/>
-          <a:lstStyle/>
-          <a:p>
-            <a:pPr marL="0" indent="0" algn="ctr" eaLnBrk="1" hangingPunct="1">
-              <a:buNone/>
-            </a:pPr>
-            <a:r>
-              <a:rPr lang="zh-CN" altLang="en-US" sz="8000" dirty="0"/>
-              <a:t>欢迎各位</a:t>
-            </a:r>
-            <a:r>
-              <a:rPr lang="zh-CN" altLang="en-US" sz="8000" dirty="0" smtClean="0"/>
-              <a:t>老师批评指正</a:t>
-            </a:r>
-            <a:endParaRPr lang="zh-CN" altLang="en-US" sz="8000" dirty="0"/>
-          </a:p>
-        </p:txBody>
-      </p:sp>
-    </p:spTree>
-    <p:extLst>
-      <p:ext uri="{BB962C8B-B14F-4D97-AF65-F5344CB8AC3E}">
-        <p14:creationId xmlns:p14="http://schemas.microsoft.com/office/powerpoint/2010/main" val="2064489143"/>
       </p:ext>
     </p:extLst>
   </p:cSld>
@@ -22235,7 +25172,7 @@
                         <m:rPr>
                           <m:sty m:val="p"/>
                         </m:rPr>
-                        <a:rPr lang="en-US" sz="2400" kern="100">
+                        <a:rPr lang="en-US" sz="2400" kern="100" smtClean="0">
                           <a:effectLst/>
                           <a:latin typeface="Cambria Math" panose="02040503050406030204" pitchFamily="18" charset="0"/>
                           <a:ea typeface="宋体" panose="02010600030101010101" pitchFamily="2" charset="-122"/>
@@ -22244,7 +25181,7 @@
                         <m:t>h</m:t>
                       </m:r>
                       <m:r>
-                        <a:rPr lang="en-US" sz="2400" kern="100">
+                        <a:rPr lang="en-US" sz="2400" kern="100" smtClean="0">
                           <a:effectLst/>
                           <a:latin typeface="Cambria Math" panose="02040503050406030204" pitchFamily="18" charset="0"/>
                           <a:ea typeface="宋体" panose="02010600030101010101" pitchFamily="2" charset="-122"/>
@@ -22256,7 +25193,7 @@
                         <m:rPr>
                           <m:sty m:val="p"/>
                         </m:rPr>
-                        <a:rPr lang="en-US" sz="2400" kern="100">
+                        <a:rPr lang="en-US" sz="2400" kern="100" smtClean="0">
                           <a:effectLst/>
                           <a:latin typeface="Cambria Math" panose="02040503050406030204" pitchFamily="18" charset="0"/>
                           <a:ea typeface="宋体" panose="02010600030101010101" pitchFamily="2" charset="-122"/>
@@ -22265,7 +25202,7 @@
                         <m:t>mm</m:t>
                       </m:r>
                       <m:r>
-                        <a:rPr lang="en-US" sz="2400" kern="100">
+                        <a:rPr lang="en-US" sz="2400" kern="100" smtClean="0">
                           <a:effectLst/>
                           <a:latin typeface="Cambria Math" panose="02040503050406030204" pitchFamily="18" charset="0"/>
                           <a:ea typeface="宋体" panose="02010600030101010101" pitchFamily="2" charset="-122"/>
@@ -22277,7 +25214,7 @@
                         <m:rPr>
                           <m:sty m:val="p"/>
                         </m:rPr>
-                        <a:rPr lang="en-US" sz="2400" kern="100">
+                        <a:rPr lang="en-US" sz="2400" kern="100" smtClean="0">
                           <a:effectLst/>
                           <a:latin typeface="Cambria Math" panose="02040503050406030204" pitchFamily="18" charset="0"/>
                           <a:ea typeface="宋体" panose="02010600030101010101" pitchFamily="2" charset="-122"/>
@@ -22286,7 +25223,7 @@
                         <m:t>mpsadbw</m:t>
                       </m:r>
                       <m:r>
-                        <a:rPr lang="en-US" sz="2400" kern="100">
+                        <a:rPr lang="en-US" sz="2400" kern="100" smtClean="0">
                           <a:effectLst/>
                           <a:latin typeface="Cambria Math" panose="02040503050406030204" pitchFamily="18" charset="0"/>
                           <a:ea typeface="宋体" panose="02010600030101010101" pitchFamily="2" charset="-122"/>
@@ -22298,7 +25235,7 @@
                         <m:rPr>
                           <m:sty m:val="p"/>
                         </m:rPr>
-                        <a:rPr lang="en-US" sz="2400" kern="100">
+                        <a:rPr lang="en-US" sz="2400" kern="100" smtClean="0">
                           <a:effectLst/>
                           <a:latin typeface="Cambria Math" panose="02040503050406030204" pitchFamily="18" charset="0"/>
                           <a:ea typeface="宋体" panose="02010600030101010101" pitchFamily="2" charset="-122"/>
@@ -22307,7 +25244,7 @@
                         <m:t>epu</m:t>
                       </m:r>
                       <m:r>
-                        <a:rPr lang="en-US" sz="2400" kern="100">
+                        <a:rPr lang="en-US" sz="2400" kern="100" smtClean="0">
                           <a:effectLst/>
                           <a:latin typeface="Cambria Math" panose="02040503050406030204" pitchFamily="18" charset="0"/>
                           <a:ea typeface="宋体" panose="02010600030101010101" pitchFamily="2" charset="-122"/>
